--- a/projects/kog.010.050-vectors/aitcg050 - Vectors.pptx
+++ b/projects/kog.010.050-vectors/aitcg050 - Vectors.pptx
@@ -292,38 +292,37 @@
           <a:p>
             <a:pPr lvl="0"/>
             <a:r>
-              <a:rPr lang="en-US" smtClean="0"/>
+              <a:rPr lang="en-US"/>
               <a:t>Click to edit Master text styles</a:t>
             </a:r>
           </a:p>
           <a:p>
             <a:pPr lvl="1"/>
             <a:r>
-              <a:rPr lang="en-US" smtClean="0"/>
+              <a:rPr lang="en-US"/>
               <a:t>Second level</a:t>
             </a:r>
           </a:p>
           <a:p>
             <a:pPr lvl="2"/>
             <a:r>
-              <a:rPr lang="en-US" smtClean="0"/>
+              <a:rPr lang="en-US"/>
               <a:t>Third level</a:t>
             </a:r>
           </a:p>
           <a:p>
             <a:pPr lvl="3"/>
             <a:r>
-              <a:rPr lang="en-US" smtClean="0"/>
+              <a:rPr lang="en-US"/>
               <a:t>Fourth level</a:t>
             </a:r>
           </a:p>
           <a:p>
             <a:pPr lvl="4"/>
             <a:r>
-              <a:rPr lang="en-US" smtClean="0"/>
+              <a:rPr lang="en-US"/>
               <a:t>Fifth level</a:t>
             </a:r>
-            <a:endParaRPr lang="en-US"/>
           </a:p>
         </p:txBody>
       </p:sp>
@@ -541,19 +540,19 @@
           <a:lstStyle/>
           <a:p>
             <a:r>
-              <a:rPr lang="hu-HU" dirty="0" err="1" smtClean="0"/>
+              <a:rPr lang="hu-HU" dirty="0" err="1"/>
               <a:t>Father</a:t>
             </a:r>
             <a:r>
-              <a:rPr lang="hu-HU" dirty="0" smtClean="0"/>
+              <a:rPr lang="hu-HU" dirty="0"/>
               <a:t> of </a:t>
             </a:r>
             <a:r>
-              <a:rPr lang="hu-HU" dirty="0" err="1" smtClean="0"/>
+              <a:rPr lang="hu-HU" dirty="0" err="1"/>
               <a:t>geometry</a:t>
             </a:r>
             <a:r>
-              <a:rPr lang="hu-HU" dirty="0" smtClean="0"/>
+              <a:rPr lang="hu-HU" dirty="0"/>
               <a:t>.</a:t>
             </a:r>
           </a:p>
@@ -643,31 +642,31 @@
           <a:lstStyle/>
           <a:p>
             <a:r>
-              <a:rPr lang="en-US" dirty="0" smtClean="0"/>
+              <a:rPr lang="en-US" dirty="0"/>
               <a:t>We need to</a:t>
             </a:r>
             <a:r>
-              <a:rPr lang="en-US" baseline="0" dirty="0" smtClean="0"/>
+              <a:rPr lang="en-US" baseline="0" dirty="0"/>
               <a:t> associate number with points. Let us talk 2D first.</a:t>
             </a:r>
-            <a:endParaRPr lang="en-US" dirty="0" smtClean="0"/>
-          </a:p>
-          <a:p>
-            <a:r>
-              <a:rPr lang="en-US" dirty="0" smtClean="0"/>
+            <a:endParaRPr lang="en-US" dirty="0"/>
+          </a:p>
+          <a:p>
+            <a:r>
+              <a:rPr lang="en-US" dirty="0"/>
               <a:t>If</a:t>
             </a:r>
             <a:r>
-              <a:rPr lang="en-US" baseline="0" dirty="0" smtClean="0"/>
+              <a:rPr lang="en-US" baseline="0" dirty="0"/>
               <a:t> we specify two orthogonal lines, we can measure the distance between both lines and a point. If we also specify a unit of length, the two distances can be expressed using numbers. These two numbers are the Cartesian coordinates of the point in the plane.</a:t>
             </a:r>
           </a:p>
           <a:p>
-            <a:endParaRPr lang="en-US" baseline="0" dirty="0" smtClean="0"/>
-          </a:p>
-          <a:p>
-            <a:r>
-              <a:rPr lang="en-US" baseline="0" dirty="0" smtClean="0"/>
+            <a:endParaRPr lang="en-US" baseline="0" dirty="0"/>
+          </a:p>
+          <a:p>
+            <a:r>
+              <a:rPr lang="en-US" baseline="0" dirty="0"/>
               <a:t>Note that the axes (lines) can also be given by their intersection point and their directions. Thus, a Cartesian coordinate system can also be established by picking an origin and the base vectors, the directions of which are the axis directions. Their length gives the unit length.</a:t>
             </a:r>
             <a:endParaRPr lang="en-US" dirty="0"/>
@@ -755,51 +754,51 @@
           <a:lstStyle/>
           <a:p>
             <a:r>
-              <a:rPr lang="en-US" baseline="0" dirty="0" smtClean="0"/>
+              <a:rPr lang="en-US" baseline="0" dirty="0"/>
               <a:t>A 3D Cartesian coordinate system can be defined with an origin and the basis vectors </a:t>
             </a:r>
             <a:r>
-              <a:rPr lang="en-US" baseline="0" dirty="0" err="1" smtClean="0"/>
+              <a:rPr lang="en-US" baseline="0" dirty="0" err="1"/>
               <a:t>i</a:t>
             </a:r>
             <a:r>
-              <a:rPr lang="en-US" baseline="0" dirty="0" smtClean="0"/>
+              <a:rPr lang="en-US" baseline="0" dirty="0"/>
               <a:t>, j, and k. Given an origin, a point is associated to a position vector, and a position vector can be expressed as a linear combination of the basis vectors. The linear coefficients are what we call the coordinates. Thus, a geometric vector is associated with a tuple of coordinate values: in this case, 3-tuples, or triples. </a:t>
             </a:r>
           </a:p>
           <a:p>
-            <a:endParaRPr lang="en-US" baseline="0" dirty="0" smtClean="0"/>
-          </a:p>
-          <a:p>
-            <a:r>
-              <a:rPr lang="en-US" baseline="0" dirty="0" smtClean="0"/>
+            <a:endParaRPr lang="en-US" baseline="0" dirty="0"/>
+          </a:p>
+          <a:p>
+            <a:r>
+              <a:rPr lang="en-US" baseline="0" dirty="0"/>
               <a:t>In linear algebra, tuples can be represented by one-row or one-column matrices, also called row vectors and column vectors. Both are the representations of the same geometric vector, so for geometric vector operations, it is just a matter of convention which form we use.</a:t>
             </a:r>
           </a:p>
           <a:p>
-            <a:endParaRPr lang="en-US" baseline="0" dirty="0" smtClean="0"/>
-          </a:p>
-          <a:p>
-            <a:r>
-              <a:rPr lang="en-US" baseline="0" dirty="0" smtClean="0"/>
+            <a:endParaRPr lang="en-US" baseline="0" dirty="0"/>
+          </a:p>
+          <a:p>
+            <a:r>
+              <a:rPr lang="en-US" baseline="0" dirty="0"/>
               <a:t>For Cartesian 3D (or 2D) vectors, we use parentheses around the elements, and sometimes separate them with commas for readability.</a:t>
             </a:r>
           </a:p>
           <a:p>
-            <a:endParaRPr lang="en-US" baseline="0" dirty="0" smtClean="0"/>
-          </a:p>
-          <a:p>
-            <a:r>
-              <a:rPr lang="en-US" baseline="0" dirty="0" smtClean="0"/>
+            <a:endParaRPr lang="en-US" baseline="0" dirty="0"/>
+          </a:p>
+          <a:p>
+            <a:r>
+              <a:rPr lang="en-US" baseline="0" dirty="0"/>
               <a:t>In the following slides, we give the interpretation of the vector operations on Cartesian coordinates. This way, the operations are instantly linked to programmable arithmetic.</a:t>
             </a:r>
           </a:p>
           <a:p>
-            <a:endParaRPr lang="en-US" baseline="0" dirty="0" smtClean="0"/>
-          </a:p>
-          <a:p>
-            <a:r>
-              <a:rPr lang="en-US" baseline="0" dirty="0" smtClean="0"/>
+            <a:endParaRPr lang="en-US" baseline="0" dirty="0"/>
+          </a:p>
+          <a:p>
+            <a:r>
+              <a:rPr lang="en-US" baseline="0" dirty="0"/>
               <a:t>We also give code snippets using the types float and vec3 realizing the operations. We assume appropriate operators and global functions are available.</a:t>
             </a:r>
             <a:endParaRPr lang="en-US" dirty="0"/>
@@ -904,15 +903,15 @@
               <a:defRPr/>
             </a:pPr>
             <a:r>
-              <a:rPr lang="en-US" altLang="en-US" dirty="0" smtClean="0"/>
+              <a:rPr lang="en-US" altLang="en-US" dirty="0"/>
               <a:t>Concerning vector operations, we can talk of </a:t>
             </a:r>
             <a:r>
-              <a:rPr lang="en-US" altLang="en-US" b="1" dirty="0" smtClean="0"/>
+              <a:rPr lang="en-US" altLang="en-US" b="1" dirty="0"/>
               <a:t>addition </a:t>
             </a:r>
             <a:r>
-              <a:rPr lang="en-US" altLang="en-US" dirty="0" smtClean="0"/>
+              <a:rPr lang="en-US" altLang="en-US" dirty="0"/>
               <a:t>that means the execution of the two translations one after the other. The resulting translation is independent of the order, so vector addition is commutative (parallelogram rule). If we have more than two vectors, parentheses can rearranged so it is also associative. Vector addition has an inverse, because we can ask which vector completes the translation of v2 to get a resulting translation v.</a:t>
             </a:r>
           </a:p>
@@ -1002,20 +1001,20 @@
           <a:lstStyle/>
           <a:p>
             <a:r>
-              <a:rPr lang="en-US" dirty="0" smtClean="0"/>
+              <a:rPr lang="en-US" dirty="0"/>
               <a:t>Asking that question gives us vector difference.</a:t>
             </a:r>
           </a:p>
           <a:p>
-            <a:endParaRPr lang="en-US" dirty="0" smtClean="0"/>
-          </a:p>
-          <a:p>
-            <a:r>
-              <a:rPr lang="en-US" dirty="0" smtClean="0"/>
+            <a:endParaRPr lang="en-US" dirty="0"/>
+          </a:p>
+          <a:p>
+            <a:r>
+              <a:rPr lang="en-US" dirty="0"/>
               <a:t>Among</a:t>
             </a:r>
             <a:r>
-              <a:rPr lang="en-US" baseline="0" dirty="0" smtClean="0"/>
+              <a:rPr lang="en-US" baseline="0" dirty="0"/>
               <a:t> its countless uses in graphics, taking the difference of two vectors has a prominent example in computing the view direction when a surface point and the eye position is known. The view direction is the direction of the difference vector. However, the length of this vector is of no interest, when only the view direction is required. </a:t>
             </a:r>
             <a:endParaRPr lang="en-US" dirty="0"/>
@@ -1103,10 +1102,9 @@
           <a:lstStyle/>
           <a:p>
             <a:r>
-              <a:rPr lang="en-US" dirty="0" smtClean="0"/>
+              <a:rPr lang="en-US" dirty="0"/>
               <a:t>Cartesian vector length can be computed using the Pythagorean theorem.</a:t>
             </a:r>
-            <a:endParaRPr lang="en-US" dirty="0"/>
           </a:p>
         </p:txBody>
       </p:sp>
@@ -1191,11 +1189,11 @@
           <a:lstStyle/>
           <a:p>
             <a:r>
-              <a:rPr lang="en-US" dirty="0" smtClean="0"/>
+              <a:rPr lang="en-US" dirty="0"/>
               <a:t>The length of a vector can be modified by scaling – which is multiplication of a vector by a scalar. All coordinates</a:t>
             </a:r>
             <a:r>
-              <a:rPr lang="en-US" baseline="0" dirty="0" smtClean="0"/>
+              <a:rPr lang="en-US" baseline="0" dirty="0"/>
               <a:t> are multiplied. The direction is unchanged – even though if the scalar is negative, the vector is reversed.</a:t>
             </a:r>
             <a:endParaRPr lang="en-US" dirty="0"/>
@@ -1283,11 +1281,11 @@
           <a:lstStyle/>
           <a:p>
             <a:r>
-              <a:rPr lang="en-US" dirty="0" smtClean="0"/>
+              <a:rPr lang="en-US" dirty="0"/>
               <a:t>In computer graphics, directions are most often represented by unit length vectors. If a direction is specified by a non-unit-length vector, but we want to use it in computations that assume unit length, we need to keep the direction, but change the length to one. This can be done by scaling the vector with the reciprocal of its length. This is called normalization,</a:t>
             </a:r>
             <a:r>
-              <a:rPr lang="en-US" baseline="0" dirty="0" smtClean="0"/>
+              <a:rPr lang="en-US" baseline="0" dirty="0"/>
               <a:t> and the result is a normalized vector of unit length.</a:t>
             </a:r>
             <a:endParaRPr lang="en-US" dirty="0"/>
@@ -1382,31 +1380,31 @@
               <a:defRPr/>
             </a:pPr>
             <a:r>
-              <a:rPr lang="en-US" dirty="0" smtClean="0"/>
+              <a:rPr lang="en-US" dirty="0"/>
               <a:t>Computer graphics works with shapes. The field of mathematics that describes shapes is </a:t>
             </a:r>
             <a:r>
-              <a:rPr lang="hu-HU" dirty="0" smtClean="0"/>
+              <a:rPr lang="hu-HU" dirty="0"/>
               <a:t>g</a:t>
             </a:r>
             <a:r>
-              <a:rPr lang="en-US" dirty="0" err="1" smtClean="0"/>
+              <a:rPr lang="en-US" dirty="0" err="1"/>
               <a:t>eometry</a:t>
             </a:r>
             <a:r>
-              <a:rPr lang="en-US" dirty="0" smtClean="0"/>
+              <a:rPr lang="en-US" dirty="0"/>
               <a:t>, so </a:t>
             </a:r>
             <a:r>
-              <a:rPr lang="hu-HU" dirty="0" smtClean="0"/>
+              <a:rPr lang="hu-HU" dirty="0"/>
               <a:t>g</a:t>
             </a:r>
             <a:r>
-              <a:rPr lang="en-US" dirty="0" err="1" smtClean="0"/>
+              <a:rPr lang="en-US" dirty="0" err="1"/>
               <a:t>eometry</a:t>
             </a:r>
             <a:r>
-              <a:rPr lang="en-US" dirty="0" smtClean="0"/>
+              <a:rPr lang="en-US" dirty="0"/>
               <a:t> is essential in computer graphics.</a:t>
             </a:r>
           </a:p>
@@ -1414,22 +1412,22 @@
             <a:pPr>
               <a:defRPr/>
             </a:pPr>
-            <a:endParaRPr lang="en-US" dirty="0" smtClean="0"/>
+            <a:endParaRPr lang="en-US" dirty="0"/>
           </a:p>
           <a:p>
             <a:pPr>
               <a:defRPr/>
             </a:pPr>
             <a:r>
-              <a:rPr lang="en-US" dirty="0" smtClean="0"/>
+              <a:rPr lang="en-US" dirty="0"/>
               <a:t>Geometry, like other fields of formal science, has </a:t>
             </a:r>
             <a:r>
-              <a:rPr lang="en-US" b="1" dirty="0" smtClean="0"/>
+              <a:rPr lang="en-US" b="1" dirty="0"/>
               <a:t>axioms</a:t>
             </a:r>
             <a:r>
-              <a:rPr lang="en-US" dirty="0" smtClean="0"/>
+              <a:rPr lang="en-US" dirty="0"/>
               <a:t> that are based on experience and cannot be argued but are accepted as true statements without arguments. From axioms other true statements, called theorems, can be deducted with logic reasoning. </a:t>
             </a:r>
           </a:p>
@@ -1438,47 +1436,47 @@
               <a:defRPr/>
             </a:pPr>
             <a:r>
-              <a:rPr lang="en-US" dirty="0" smtClean="0"/>
+              <a:rPr lang="en-US" dirty="0"/>
               <a:t>For example, axioms of the </a:t>
             </a:r>
             <a:r>
-              <a:rPr lang="en-US" b="1" dirty="0" smtClean="0"/>
+              <a:rPr lang="en-US" b="1" dirty="0"/>
               <a:t>Euclidean geometry </a:t>
             </a:r>
             <a:r>
-              <a:rPr lang="en-US" dirty="0" smtClean="0"/>
+              <a:rPr lang="en-US" dirty="0"/>
               <a:t>include the postulates</a:t>
             </a:r>
             <a:r>
-              <a:rPr lang="hu-HU" dirty="0" smtClean="0"/>
+              <a:rPr lang="hu-HU" dirty="0"/>
               <a:t> </a:t>
             </a:r>
             <a:r>
-              <a:rPr lang="en-US" dirty="0" smtClean="0"/>
+              <a:rPr lang="en-US" dirty="0"/>
               <a:t>listed</a:t>
             </a:r>
             <a:r>
-              <a:rPr lang="en-US" baseline="0" dirty="0" smtClean="0"/>
+              <a:rPr lang="en-US" baseline="0" dirty="0"/>
               <a:t> in the slide</a:t>
             </a:r>
             <a:r>
-              <a:rPr lang="en-US" dirty="0" smtClean="0"/>
+              <a:rPr lang="en-US" dirty="0"/>
               <a:t>. Axioms have two purposes, on the one hand, they are accepted as true statements. On the other hand, axioms implicitly define </a:t>
             </a:r>
             <a:r>
-              <a:rPr lang="en-US" b="1" dirty="0" smtClean="0"/>
+              <a:rPr lang="en-US" b="1" dirty="0"/>
               <a:t>basic concepts </a:t>
             </a:r>
             <a:r>
-              <a:rPr lang="en-US" dirty="0" smtClean="0"/>
+              <a:rPr lang="en-US" dirty="0"/>
               <a:t>like points</a:t>
             </a:r>
             <a:r>
-              <a:rPr lang="hu-HU" dirty="0" smtClean="0"/>
+              <a:rPr lang="hu-HU" dirty="0"/>
               <a:t>,</a:t>
             </a:r>
             <a:r>
-              <a:rPr lang="en-US" dirty="0" smtClean="0"/>
+              <a:rPr lang="en-US" dirty="0"/>
               <a:t> lines etc. because they postulate their properties. </a:t>
             </a:r>
           </a:p>
@@ -1486,30 +1484,30 @@
             <a:pPr>
               <a:defRPr/>
             </a:pPr>
-            <a:endParaRPr lang="en-US" dirty="0" smtClean="0"/>
+            <a:endParaRPr lang="en-US" dirty="0"/>
           </a:p>
           <a:p>
             <a:pPr>
               <a:defRPr/>
             </a:pPr>
             <a:r>
-              <a:rPr lang="en-US" dirty="0" smtClean="0"/>
+              <a:rPr lang="en-US" dirty="0"/>
               <a:t>Based on the axioms and the applied tools</a:t>
             </a:r>
             <a:r>
-              <a:rPr lang="hu-HU" dirty="0" smtClean="0"/>
+              <a:rPr lang="hu-HU" dirty="0"/>
               <a:t>,</a:t>
             </a:r>
             <a:r>
-              <a:rPr lang="en-US" dirty="0" smtClean="0"/>
+              <a:rPr lang="en-US" dirty="0"/>
               <a:t> there are several different geometries that are different models of the world. Everybody knows the Euclidean geometry of the plane and of the space. We know that it is </a:t>
             </a:r>
             <a:r>
-              <a:rPr lang="en-US" b="1" dirty="0" smtClean="0"/>
+              <a:rPr lang="en-US" b="1" dirty="0"/>
               <a:t>metric</a:t>
             </a:r>
             <a:r>
-              <a:rPr lang="en-US" dirty="0" smtClean="0"/>
+              <a:rPr lang="en-US" dirty="0"/>
               <a:t>, i.e. we can talk of the distance between objects and size is an important concept in it. In Euclidean geometry parallel lines do not intersect, that is, a point at infinity is not part of the Euclidean plane.</a:t>
             </a:r>
           </a:p>
@@ -1517,34 +1515,34 @@
             <a:pPr>
               <a:defRPr/>
             </a:pPr>
-            <a:endParaRPr lang="en-US" dirty="0" smtClean="0"/>
+            <a:endParaRPr lang="en-US" dirty="0"/>
           </a:p>
           <a:p>
             <a:pPr>
               <a:defRPr/>
             </a:pPr>
             <a:r>
-              <a:rPr lang="en-US" dirty="0" smtClean="0"/>
+              <a:rPr lang="en-US" dirty="0"/>
               <a:t>However, if we define axioms differently, we can add points at infinity to the plane making all lines, even parallel lines, intersecting. Clearly, this is a different geometry with different axioms and theorems, which is called the </a:t>
             </a:r>
             <a:r>
-              <a:rPr lang="en-US" b="1" dirty="0" smtClean="0"/>
+              <a:rPr lang="en-US" b="1" dirty="0"/>
               <a:t>projective geometry</a:t>
             </a:r>
             <a:r>
-              <a:rPr lang="en-US" dirty="0" smtClean="0"/>
+              <a:rPr lang="en-US" dirty="0"/>
               <a:t>. Projective geometry is not metric since distance cannot be defined in it. The reason is that the distance from points at infinity is infinite, but </a:t>
             </a:r>
             <a:r>
-              <a:rPr lang="en-US" dirty="0" err="1" smtClean="0"/>
+              <a:rPr lang="en-US" dirty="0" err="1"/>
               <a:t>infinit</a:t>
             </a:r>
             <a:r>
-              <a:rPr lang="hu-HU" dirty="0" smtClean="0"/>
+              <a:rPr lang="hu-HU" dirty="0"/>
               <a:t>y</a:t>
             </a:r>
             <a:r>
-              <a:rPr lang="en-US" dirty="0" smtClean="0"/>
+              <a:rPr lang="en-US" dirty="0"/>
               <a:t> is not a number. </a:t>
             </a:r>
           </a:p>
@@ -1552,7 +1550,7 @@
             <a:pPr>
               <a:defRPr/>
             </a:pPr>
-            <a:endParaRPr lang="en-US" dirty="0" smtClean="0"/>
+            <a:endParaRPr lang="en-US" dirty="0"/>
           </a:p>
           <a:p>
             <a:pPr>
@@ -1620,19 +1618,19 @@
           <a:lstStyle/>
           <a:p>
             <a:r>
-              <a:rPr lang="hu-HU" dirty="0" smtClean="0"/>
+              <a:rPr lang="hu-HU" dirty="0"/>
               <a:t>There are some</a:t>
             </a:r>
             <a:r>
-              <a:rPr lang="hu-HU" baseline="0" dirty="0" smtClean="0"/>
+              <a:rPr lang="hu-HU" baseline="0" dirty="0"/>
               <a:t> </a:t>
             </a:r>
             <a:r>
-              <a:rPr lang="hu-HU" dirty="0" smtClean="0"/>
+              <a:rPr lang="hu-HU" dirty="0"/>
               <a:t>base geometric concepts</a:t>
             </a:r>
             <a:r>
-              <a:rPr lang="hu-HU" baseline="0" dirty="0" smtClean="0"/>
+              <a:rPr lang="hu-HU" baseline="0" dirty="0"/>
               <a:t> relations that are defined by the axioms. Please note that these are all concepts of geometry. You can do geometry with a straightedge and a compass, without even knowing what a number is.</a:t>
             </a:r>
             <a:endParaRPr lang="en-US" dirty="0"/>
@@ -1737,31 +1735,31 @@
               <a:defRPr/>
             </a:pPr>
             <a:r>
-              <a:rPr lang="en-US" altLang="en-US" dirty="0" smtClean="0"/>
+              <a:rPr lang="en-US" altLang="en-US" dirty="0"/>
               <a:t>Points or sets of points can be</a:t>
             </a:r>
             <a:r>
-              <a:rPr lang="en-US" altLang="en-US" baseline="0" dirty="0" smtClean="0"/>
+              <a:rPr lang="en-US" altLang="en-US" baseline="0" dirty="0"/>
               <a:t> </a:t>
             </a:r>
             <a:r>
-              <a:rPr lang="en-US" altLang="en-US" dirty="0" smtClean="0"/>
+              <a:rPr lang="en-US" altLang="en-US" dirty="0"/>
               <a:t>translated. </a:t>
             </a:r>
             <a:r>
-              <a:rPr lang="hu-HU" altLang="en-US" dirty="0" smtClean="0"/>
+              <a:rPr lang="hu-HU" altLang="en-US" dirty="0"/>
               <a:t>A</a:t>
             </a:r>
             <a:r>
-              <a:rPr lang="en-US" altLang="en-US" dirty="0" smtClean="0"/>
+              <a:rPr lang="en-US" altLang="en-US" dirty="0"/>
               <a:t> translation has direction and length.</a:t>
             </a:r>
             <a:r>
-              <a:rPr lang="hu-HU" altLang="en-US" dirty="0" smtClean="0"/>
+              <a:rPr lang="hu-HU" altLang="en-US" dirty="0"/>
               <a:t> By definition, we call that a vector. Thus, translations and vectors are,</a:t>
             </a:r>
             <a:r>
-              <a:rPr lang="hu-HU" altLang="en-US" baseline="0" dirty="0" smtClean="0"/>
+              <a:rPr lang="hu-HU" altLang="en-US" baseline="0" dirty="0"/>
               <a:t> in geometry, one and the same thing.</a:t>
             </a:r>
           </a:p>
@@ -1783,7 +1781,7 @@
               <a:tabLst/>
               <a:defRPr/>
             </a:pPr>
-            <a:endParaRPr lang="hu-HU" altLang="en-US" baseline="0" dirty="0" smtClean="0"/>
+            <a:endParaRPr lang="hu-HU" altLang="en-US" baseline="0" dirty="0"/>
           </a:p>
           <a:p>
             <a:pPr marL="0" marR="0" indent="0" algn="l" defTabSz="914400" rtl="0" eaLnBrk="1" fontAlgn="auto" latinLnBrk="0" hangingPunct="1">
@@ -1804,10 +1802,10 @@
               <a:defRPr/>
             </a:pPr>
             <a:r>
-              <a:rPr lang="en-US" altLang="en-US" dirty="0" smtClean="0"/>
+              <a:rPr lang="en-US" altLang="en-US" dirty="0"/>
               <a:t>The length is denoted by the absolute value of the vector.</a:t>
             </a:r>
-            <a:endParaRPr lang="hu-HU" altLang="en-US" dirty="0" smtClean="0"/>
+            <a:endParaRPr lang="hu-HU" altLang="en-US" dirty="0"/>
           </a:p>
           <a:p>
             <a:pPr marL="0" marR="0" indent="0" algn="l" defTabSz="914400" rtl="0" eaLnBrk="1" fontAlgn="auto" latinLnBrk="0" hangingPunct="1">
@@ -1828,14 +1826,14 @@
               <a:defRPr/>
             </a:pPr>
             <a:r>
-              <a:rPr lang="hu-HU" altLang="en-US" dirty="0" smtClean="0"/>
+              <a:rPr lang="hu-HU" altLang="en-US" dirty="0"/>
               <a:t>We almost never use the direction-of-vector</a:t>
             </a:r>
             <a:r>
-              <a:rPr lang="hu-HU" altLang="en-US" baseline="0" dirty="0" smtClean="0"/>
+              <a:rPr lang="hu-HU" altLang="en-US" baseline="0" dirty="0"/>
               <a:t> notation, as that introduces variables that neither scalar numbers nor vectors. Instead, we like to work with unit-length vectors to indicate directions. The caret (or hat) over a vector variable name means a unit-length vector.</a:t>
             </a:r>
-            <a:endParaRPr lang="en-US" altLang="en-US" dirty="0" smtClean="0"/>
+            <a:endParaRPr lang="en-US" altLang="en-US" dirty="0"/>
           </a:p>
           <a:p>
             <a:endParaRPr lang="en-US" dirty="0"/>
@@ -1940,50 +1938,50 @@
               <a:defRPr/>
             </a:pPr>
             <a:r>
-              <a:rPr lang="en-US" altLang="en-US" dirty="0" smtClean="0"/>
+              <a:rPr lang="en-US" altLang="en-US" dirty="0"/>
               <a:t>If we select a special reference point, called the </a:t>
             </a:r>
             <a:r>
-              <a:rPr lang="en-US" altLang="en-US" b="1" dirty="0" smtClean="0"/>
+              <a:rPr lang="en-US" altLang="en-US" b="1" dirty="0"/>
               <a:t>origin</a:t>
             </a:r>
             <a:r>
-              <a:rPr lang="en-US" altLang="en-US" dirty="0" smtClean="0"/>
+              <a:rPr lang="en-US" altLang="en-US" dirty="0"/>
               <a:t>, then every point has a unique vector that translates the origin to there. From </a:t>
             </a:r>
             <a:r>
-              <a:rPr lang="hu-HU" altLang="en-US" dirty="0" smtClean="0"/>
+              <a:rPr lang="hu-HU" altLang="en-US" dirty="0"/>
               <a:t>an</a:t>
             </a:r>
             <a:r>
-              <a:rPr lang="en-US" altLang="en-US" dirty="0" smtClean="0"/>
+              <a:rPr lang="en-US" altLang="en-US" dirty="0"/>
               <a:t>other point of view, every vector unambiguously defines a point that is reached if the origin is translated by this vector. Such vectors are called </a:t>
             </a:r>
             <a:r>
-              <a:rPr lang="en-US" altLang="en-US" b="1" dirty="0" smtClean="0"/>
+              <a:rPr lang="en-US" altLang="en-US" b="1" dirty="0"/>
               <a:t>position vectors</a:t>
             </a:r>
             <a:r>
-              <a:rPr lang="en-US" altLang="en-US" dirty="0" smtClean="0"/>
+              <a:rPr lang="en-US" altLang="en-US" dirty="0"/>
               <a:t>. The fact that there is a one-to-one correspondence between points and position vectors does not mean that points and vectors would be identical objects.</a:t>
             </a:r>
             <a:r>
-              <a:rPr lang="hu-HU" altLang="en-US" dirty="0" smtClean="0"/>
+              <a:rPr lang="hu-HU" altLang="en-US" dirty="0"/>
               <a:t> Can you add two points i.e.</a:t>
             </a:r>
             <a:r>
-              <a:rPr lang="hu-HU" altLang="en-US" baseline="0" dirty="0" smtClean="0"/>
+              <a:rPr lang="hu-HU" altLang="en-US" baseline="0" dirty="0"/>
               <a:t> two cross-marks on a sheet of paper</a:t>
             </a:r>
             <a:r>
-              <a:rPr lang="hu-HU" altLang="en-US" dirty="0" smtClean="0"/>
+              <a:rPr lang="hu-HU" altLang="en-US" dirty="0"/>
               <a:t>?</a:t>
             </a:r>
             <a:r>
-              <a:rPr lang="hu-HU" altLang="en-US" baseline="0" dirty="0" smtClean="0"/>
+              <a:rPr lang="hu-HU" altLang="en-US" baseline="0" dirty="0"/>
               <a:t> No. Can you add their position vectors one you also specified an origin? Sure!</a:t>
             </a:r>
-            <a:endParaRPr lang="en-US" altLang="en-US" dirty="0" smtClean="0"/>
+            <a:endParaRPr lang="en-US" altLang="en-US" dirty="0"/>
           </a:p>
           <a:p>
             <a:endParaRPr lang="en-US" dirty="0"/>
@@ -2088,15 +2086,15 @@
               <a:defRPr/>
             </a:pPr>
             <a:r>
-              <a:rPr lang="en-US" altLang="en-US" dirty="0" smtClean="0"/>
+              <a:rPr lang="en-US" altLang="en-US" dirty="0"/>
               <a:t>Concerning vector operations, we can talk of </a:t>
             </a:r>
             <a:r>
-              <a:rPr lang="en-US" altLang="en-US" b="1" dirty="0" smtClean="0"/>
+              <a:rPr lang="en-US" altLang="en-US" b="1" dirty="0"/>
               <a:t>addition </a:t>
             </a:r>
             <a:r>
-              <a:rPr lang="en-US" altLang="en-US" dirty="0" smtClean="0"/>
+              <a:rPr lang="en-US" altLang="en-US" dirty="0"/>
               <a:t>that means the execution of the two translations one after the other. The resulting translation is independent of the order, so vector addition is commutative (parallelogram rule). If we have more than two vectors, parentheses can be rearranged so it is also associative.</a:t>
             </a:r>
             <a:endParaRPr lang="en-US" dirty="0"/>
@@ -2184,11 +2182,11 @@
           <a:lstStyle/>
           <a:p>
             <a:r>
-              <a:rPr lang="en-US" dirty="0" smtClean="0"/>
+              <a:rPr lang="en-US" dirty="0"/>
               <a:t>The length of a vector can be modified by scaling – which is multiplication of a vector by a scalar. </a:t>
             </a:r>
             <a:r>
-              <a:rPr lang="en-US" baseline="0" dirty="0" smtClean="0"/>
+              <a:rPr lang="en-US" baseline="0" dirty="0"/>
               <a:t>The direction is unchanged – albeit if the scalar is negative, the vector is reversed.</a:t>
             </a:r>
             <a:endParaRPr lang="en-US" dirty="0"/>
@@ -2276,11 +2274,11 @@
           <a:lstStyle/>
           <a:p>
             <a:r>
-              <a:rPr lang="en-US" dirty="0" smtClean="0"/>
+              <a:rPr lang="en-US" dirty="0"/>
               <a:t>If vectors</a:t>
             </a:r>
             <a:r>
-              <a:rPr lang="en-US" baseline="0" dirty="0" smtClean="0"/>
+              <a:rPr lang="en-US" baseline="0" dirty="0"/>
               <a:t> can be scaled and added, then it is possible to take a weighted sum of multiple vectors. Such a construct is called a linear combination. Linear combination are instrumental in both the definition of coordinate systems and point sets like curves. It all comes down to the rules or formulas of selecting the coefficients.</a:t>
             </a:r>
             <a:endParaRPr lang="en-US" dirty="0"/>
@@ -2368,44 +2366,44 @@
           <a:lstStyle/>
           <a:p>
             <a:r>
-              <a:rPr lang="en-US" altLang="en-US" dirty="0" smtClean="0"/>
+              <a:rPr lang="en-US" altLang="en-US" dirty="0"/>
               <a:t>In computer graphics, we should also take into account that a computer is programmed, which cannot do anything else but calculate with numbers. A computer is definitely not able to understand abstract concepts like point, line etc. So for the application of a computer, geometric concepts must be translated to numbers, calculation and algebra. </a:t>
             </a:r>
           </a:p>
           <a:p>
-            <a:endParaRPr lang="en-US" altLang="en-US" dirty="0" smtClean="0"/>
-          </a:p>
-          <a:p>
-            <a:r>
-              <a:rPr lang="hu-HU" altLang="en-US" dirty="0" smtClean="0"/>
+            <a:endParaRPr lang="en-US" altLang="en-US" dirty="0"/>
+          </a:p>
+          <a:p>
+            <a:r>
+              <a:rPr lang="hu-HU" altLang="en-US" dirty="0"/>
               <a:t>A g</a:t>
             </a:r>
             <a:r>
-              <a:rPr lang="en-US" altLang="en-US" dirty="0" err="1" smtClean="0"/>
+              <a:rPr lang="en-US" altLang="en-US" dirty="0" err="1"/>
               <a:t>eometr</a:t>
             </a:r>
             <a:r>
-              <a:rPr lang="hu-HU" altLang="en-US" dirty="0" smtClean="0"/>
+              <a:rPr lang="hu-HU" altLang="en-US" dirty="0"/>
               <a:t>y</a:t>
             </a:r>
             <a:r>
-              <a:rPr lang="en-US" altLang="en-US" dirty="0" smtClean="0"/>
+              <a:rPr lang="en-US" altLang="en-US" dirty="0"/>
               <a:t> based on algebra, equations and numbers </a:t>
             </a:r>
             <a:r>
-              <a:rPr lang="hu-HU" altLang="en-US" dirty="0" smtClean="0"/>
+              <a:rPr lang="hu-HU" altLang="en-US" dirty="0"/>
               <a:t>is</a:t>
             </a:r>
             <a:r>
-              <a:rPr lang="en-US" altLang="en-US" dirty="0" smtClean="0"/>
+              <a:rPr lang="en-US" altLang="en-US" dirty="0"/>
               <a:t> called analytic geometry or coordinate geometry. To establish an analytic version of a geometry, we have to find correspondences between geometric concepts and concepts of algebra in a way that axioms of the geometry will not contradict to the concepts of algebra. If it is done, we can forget the original axioms and work only with numbers</a:t>
             </a:r>
             <a:r>
-              <a:rPr lang="hu-HU" altLang="en-US" dirty="0" smtClean="0"/>
+              <a:rPr lang="hu-HU" altLang="en-US" dirty="0"/>
               <a:t> and equations</a:t>
             </a:r>
             <a:r>
-              <a:rPr lang="en-US" altLang="en-US" dirty="0" smtClean="0"/>
+              <a:rPr lang="en-US" altLang="en-US" dirty="0"/>
               <a:t>.</a:t>
             </a:r>
           </a:p>
@@ -2494,10 +2492,9 @@
           </a:lstStyle>
           <a:p>
             <a:r>
-              <a:rPr lang="en-US" smtClean="0"/>
+              <a:rPr lang="en-US"/>
               <a:t>Click to edit Master title style</a:t>
             </a:r>
-            <a:endParaRPr lang="en-US"/>
           </a:p>
         </p:txBody>
       </p:sp>
@@ -2559,10 +2556,9 @@
           </a:lstStyle>
           <a:p>
             <a:r>
-              <a:rPr lang="en-US" smtClean="0"/>
+              <a:rPr lang="en-US"/>
               <a:t>Click to edit Master subtitle style</a:t>
             </a:r>
-            <a:endParaRPr lang="en-US"/>
           </a:p>
         </p:txBody>
       </p:sp>
@@ -2677,10 +2673,9 @@
           <a:lstStyle/>
           <a:p>
             <a:r>
-              <a:rPr lang="en-US" smtClean="0"/>
+              <a:rPr lang="en-US"/>
               <a:t>Click to edit Master title style</a:t>
             </a:r>
-            <a:endParaRPr lang="en-US"/>
           </a:p>
         </p:txBody>
       </p:sp>
@@ -2701,38 +2696,37 @@
           <a:p>
             <a:pPr lvl="0"/>
             <a:r>
-              <a:rPr lang="en-US" smtClean="0"/>
+              <a:rPr lang="en-US"/>
               <a:t>Click to edit Master text styles</a:t>
             </a:r>
           </a:p>
           <a:p>
             <a:pPr lvl="1"/>
             <a:r>
-              <a:rPr lang="en-US" smtClean="0"/>
+              <a:rPr lang="en-US"/>
               <a:t>Second level</a:t>
             </a:r>
           </a:p>
           <a:p>
             <a:pPr lvl="2"/>
             <a:r>
-              <a:rPr lang="en-US" smtClean="0"/>
+              <a:rPr lang="en-US"/>
               <a:t>Third level</a:t>
             </a:r>
           </a:p>
           <a:p>
             <a:pPr lvl="3"/>
             <a:r>
-              <a:rPr lang="en-US" smtClean="0"/>
+              <a:rPr lang="en-US"/>
               <a:t>Fourth level</a:t>
             </a:r>
           </a:p>
           <a:p>
             <a:pPr lvl="4"/>
             <a:r>
-              <a:rPr lang="en-US" smtClean="0"/>
+              <a:rPr lang="en-US"/>
               <a:t>Fifth level</a:t>
             </a:r>
-            <a:endParaRPr lang="en-US"/>
           </a:p>
         </p:txBody>
       </p:sp>
@@ -2852,10 +2846,9 @@
           <a:lstStyle/>
           <a:p>
             <a:r>
-              <a:rPr lang="en-US" smtClean="0"/>
+              <a:rPr lang="en-US"/>
               <a:t>Click to edit Master title style</a:t>
             </a:r>
-            <a:endParaRPr lang="en-US"/>
           </a:p>
         </p:txBody>
       </p:sp>
@@ -2881,38 +2874,37 @@
           <a:p>
             <a:pPr lvl="0"/>
             <a:r>
-              <a:rPr lang="en-US" smtClean="0"/>
+              <a:rPr lang="en-US"/>
               <a:t>Click to edit Master text styles</a:t>
             </a:r>
           </a:p>
           <a:p>
             <a:pPr lvl="1"/>
             <a:r>
-              <a:rPr lang="en-US" smtClean="0"/>
+              <a:rPr lang="en-US"/>
               <a:t>Second level</a:t>
             </a:r>
           </a:p>
           <a:p>
             <a:pPr lvl="2"/>
             <a:r>
-              <a:rPr lang="en-US" smtClean="0"/>
+              <a:rPr lang="en-US"/>
               <a:t>Third level</a:t>
             </a:r>
           </a:p>
           <a:p>
             <a:pPr lvl="3"/>
             <a:r>
-              <a:rPr lang="en-US" smtClean="0"/>
+              <a:rPr lang="en-US"/>
               <a:t>Fourth level</a:t>
             </a:r>
           </a:p>
           <a:p>
             <a:pPr lvl="4"/>
             <a:r>
-              <a:rPr lang="en-US" smtClean="0"/>
+              <a:rPr lang="en-US"/>
               <a:t>Fifth level</a:t>
             </a:r>
-            <a:endParaRPr lang="en-US"/>
           </a:p>
         </p:txBody>
       </p:sp>
@@ -3036,7 +3028,7 @@
           </a:lstStyle>
           <a:p>
             <a:r>
-              <a:rPr lang="en-US" smtClean="0"/>
+              <a:rPr lang="en-US"/>
               <a:t>Click to edit Master title style</a:t>
             </a:r>
             <a:endParaRPr lang="en-US" dirty="0"/>
@@ -3101,7 +3093,7 @@
           </a:lstStyle>
           <a:p>
             <a:r>
-              <a:rPr lang="en-US" smtClean="0"/>
+              <a:rPr lang="en-US"/>
               <a:t>Click to edit Master subtitle style</a:t>
             </a:r>
             <a:endParaRPr lang="en-US" dirty="0"/>
@@ -3154,7 +3146,7 @@
           <a:lstStyle/>
           <a:p>
             <a:r>
-              <a:rPr lang="en-US" smtClean="0"/>
+              <a:rPr lang="en-US"/>
               <a:t>Click to edit Master title style</a:t>
             </a:r>
             <a:endParaRPr lang="en-US" dirty="0"/>
@@ -3183,35 +3175,35 @@
           <a:p>
             <a:pPr lvl="0"/>
             <a:r>
-              <a:rPr lang="en-US" smtClean="0"/>
+              <a:rPr lang="en-US"/>
               <a:t>Click to edit Master text styles</a:t>
             </a:r>
           </a:p>
           <a:p>
             <a:pPr lvl="1"/>
             <a:r>
-              <a:rPr lang="en-US" smtClean="0"/>
+              <a:rPr lang="en-US"/>
               <a:t>Second level</a:t>
             </a:r>
           </a:p>
           <a:p>
             <a:pPr lvl="2"/>
             <a:r>
-              <a:rPr lang="en-US" smtClean="0"/>
+              <a:rPr lang="en-US"/>
               <a:t>Third level</a:t>
             </a:r>
           </a:p>
           <a:p>
             <a:pPr lvl="3"/>
             <a:r>
-              <a:rPr lang="en-US" smtClean="0"/>
+              <a:rPr lang="en-US"/>
               <a:t>Fourth level</a:t>
             </a:r>
           </a:p>
           <a:p>
             <a:pPr lvl="4"/>
             <a:r>
-              <a:rPr lang="en-US" smtClean="0"/>
+              <a:rPr lang="en-US"/>
               <a:t>Fifth level</a:t>
             </a:r>
             <a:endParaRPr lang="en-US" dirty="0"/>
@@ -3264,7 +3256,7 @@
           <a:lstStyle/>
           <a:p>
             <a:r>
-              <a:rPr lang="en-US" smtClean="0"/>
+              <a:rPr lang="en-US"/>
               <a:t>Click to edit Master title style</a:t>
             </a:r>
             <a:endParaRPr lang="en-US" dirty="0"/>
@@ -3347,7 +3339,7 @@
           <a:p>
             <a:pPr lvl="0"/>
             <a:r>
-              <a:rPr lang="en-US" dirty="0" smtClean="0"/>
+              <a:rPr lang="en-US" dirty="0"/>
               <a:t>Click to edit Master text styles</a:t>
             </a:r>
           </a:p>
@@ -3399,7 +3391,7 @@
           <a:lstStyle/>
           <a:p>
             <a:r>
-              <a:rPr lang="en-US" smtClean="0"/>
+              <a:rPr lang="en-US"/>
               <a:t>Click to edit Master title style</a:t>
             </a:r>
             <a:endParaRPr lang="en-US" dirty="0"/>
@@ -3482,7 +3474,7 @@
           <a:p>
             <a:pPr lvl="0"/>
             <a:r>
-              <a:rPr lang="en-US" dirty="0" smtClean="0"/>
+              <a:rPr lang="en-US" dirty="0"/>
               <a:t>Click to edit Master text styles</a:t>
             </a:r>
           </a:p>
@@ -3534,7 +3526,7 @@
           <a:lstStyle/>
           <a:p>
             <a:r>
-              <a:rPr lang="en-US" smtClean="0"/>
+              <a:rPr lang="en-US"/>
               <a:t>Click to edit Master title style</a:t>
             </a:r>
             <a:endParaRPr lang="en-US" dirty="0"/>
@@ -3714,10 +3706,9 @@
           <a:lstStyle/>
           <a:p>
             <a:r>
-              <a:rPr lang="en-US" smtClean="0"/>
+              <a:rPr lang="en-US"/>
               <a:t>Click to edit Master title style</a:t>
             </a:r>
-            <a:endParaRPr lang="en-US"/>
           </a:p>
         </p:txBody>
       </p:sp>
@@ -3738,38 +3729,37 @@
           <a:p>
             <a:pPr lvl="0"/>
             <a:r>
-              <a:rPr lang="en-US" smtClean="0"/>
+              <a:rPr lang="en-US"/>
               <a:t>Click to edit Master text styles</a:t>
             </a:r>
           </a:p>
           <a:p>
             <a:pPr lvl="1"/>
             <a:r>
-              <a:rPr lang="en-US" smtClean="0"/>
+              <a:rPr lang="en-US"/>
               <a:t>Second level</a:t>
             </a:r>
           </a:p>
           <a:p>
             <a:pPr lvl="2"/>
             <a:r>
-              <a:rPr lang="en-US" smtClean="0"/>
+              <a:rPr lang="en-US"/>
               <a:t>Third level</a:t>
             </a:r>
           </a:p>
           <a:p>
             <a:pPr lvl="3"/>
             <a:r>
-              <a:rPr lang="en-US" smtClean="0"/>
+              <a:rPr lang="en-US"/>
               <a:t>Fourth level</a:t>
             </a:r>
           </a:p>
           <a:p>
             <a:pPr lvl="4"/>
             <a:r>
-              <a:rPr lang="en-US" smtClean="0"/>
+              <a:rPr lang="en-US"/>
               <a:t>Fifth level</a:t>
             </a:r>
-            <a:endParaRPr lang="en-US"/>
           </a:p>
         </p:txBody>
       </p:sp>
@@ -3893,10 +3883,9 @@
           </a:lstStyle>
           <a:p>
             <a:r>
-              <a:rPr lang="en-US" smtClean="0"/>
+              <a:rPr lang="en-US"/>
               <a:t>Click to edit Master title style</a:t>
             </a:r>
-            <a:endParaRPr lang="en-US"/>
           </a:p>
         </p:txBody>
       </p:sp>
@@ -4013,7 +4002,7 @@
           <a:p>
             <a:pPr lvl="0"/>
             <a:r>
-              <a:rPr lang="en-US" smtClean="0"/>
+              <a:rPr lang="en-US"/>
               <a:t>Click to edit Master text styles</a:t>
             </a:r>
           </a:p>
@@ -4130,10 +4119,9 @@
           <a:lstStyle/>
           <a:p>
             <a:r>
-              <a:rPr lang="en-US" smtClean="0"/>
+              <a:rPr lang="en-US"/>
               <a:t>Click to edit Master title style</a:t>
             </a:r>
-            <a:endParaRPr lang="en-US"/>
           </a:p>
         </p:txBody>
       </p:sp>
@@ -4159,38 +4147,37 @@
           <a:p>
             <a:pPr lvl="0"/>
             <a:r>
-              <a:rPr lang="en-US" smtClean="0"/>
+              <a:rPr lang="en-US"/>
               <a:t>Click to edit Master text styles</a:t>
             </a:r>
           </a:p>
           <a:p>
             <a:pPr lvl="1"/>
             <a:r>
-              <a:rPr lang="en-US" smtClean="0"/>
+              <a:rPr lang="en-US"/>
               <a:t>Second level</a:t>
             </a:r>
           </a:p>
           <a:p>
             <a:pPr lvl="2"/>
             <a:r>
-              <a:rPr lang="en-US" smtClean="0"/>
+              <a:rPr lang="en-US"/>
               <a:t>Third level</a:t>
             </a:r>
           </a:p>
           <a:p>
             <a:pPr lvl="3"/>
             <a:r>
-              <a:rPr lang="en-US" smtClean="0"/>
+              <a:rPr lang="en-US"/>
               <a:t>Fourth level</a:t>
             </a:r>
           </a:p>
           <a:p>
             <a:pPr lvl="4"/>
             <a:r>
-              <a:rPr lang="en-US" smtClean="0"/>
+              <a:rPr lang="en-US"/>
               <a:t>Fifth level</a:t>
             </a:r>
-            <a:endParaRPr lang="en-US"/>
           </a:p>
         </p:txBody>
       </p:sp>
@@ -4216,38 +4203,37 @@
           <a:p>
             <a:pPr lvl="0"/>
             <a:r>
-              <a:rPr lang="en-US" smtClean="0"/>
+              <a:rPr lang="en-US"/>
               <a:t>Click to edit Master text styles</a:t>
             </a:r>
           </a:p>
           <a:p>
             <a:pPr lvl="1"/>
             <a:r>
-              <a:rPr lang="en-US" smtClean="0"/>
+              <a:rPr lang="en-US"/>
               <a:t>Second level</a:t>
             </a:r>
           </a:p>
           <a:p>
             <a:pPr lvl="2"/>
             <a:r>
-              <a:rPr lang="en-US" smtClean="0"/>
+              <a:rPr lang="en-US"/>
               <a:t>Third level</a:t>
             </a:r>
           </a:p>
           <a:p>
             <a:pPr lvl="3"/>
             <a:r>
-              <a:rPr lang="en-US" smtClean="0"/>
+              <a:rPr lang="en-US"/>
               <a:t>Fourth level</a:t>
             </a:r>
           </a:p>
           <a:p>
             <a:pPr lvl="4"/>
             <a:r>
-              <a:rPr lang="en-US" smtClean="0"/>
+              <a:rPr lang="en-US"/>
               <a:t>Fifth level</a:t>
             </a:r>
-            <a:endParaRPr lang="en-US"/>
           </a:p>
         </p:txBody>
       </p:sp>
@@ -4367,10 +4353,9 @@
           <a:lstStyle/>
           <a:p>
             <a:r>
-              <a:rPr lang="en-US" smtClean="0"/>
+              <a:rPr lang="en-US"/>
               <a:t>Click to edit Master title style</a:t>
             </a:r>
-            <a:endParaRPr lang="en-US"/>
           </a:p>
         </p:txBody>
       </p:sp>
@@ -4433,7 +4418,7 @@
           <a:p>
             <a:pPr lvl="0"/>
             <a:r>
-              <a:rPr lang="en-US" smtClean="0"/>
+              <a:rPr lang="en-US"/>
               <a:t>Click to edit Master text styles</a:t>
             </a:r>
           </a:p>
@@ -4461,38 +4446,37 @@
           <a:p>
             <a:pPr lvl="0"/>
             <a:r>
-              <a:rPr lang="en-US" smtClean="0"/>
+              <a:rPr lang="en-US"/>
               <a:t>Click to edit Master text styles</a:t>
             </a:r>
           </a:p>
           <a:p>
             <a:pPr lvl="1"/>
             <a:r>
-              <a:rPr lang="en-US" smtClean="0"/>
+              <a:rPr lang="en-US"/>
               <a:t>Second level</a:t>
             </a:r>
           </a:p>
           <a:p>
             <a:pPr lvl="2"/>
             <a:r>
-              <a:rPr lang="en-US" smtClean="0"/>
+              <a:rPr lang="en-US"/>
               <a:t>Third level</a:t>
             </a:r>
           </a:p>
           <a:p>
             <a:pPr lvl="3"/>
             <a:r>
-              <a:rPr lang="en-US" smtClean="0"/>
+              <a:rPr lang="en-US"/>
               <a:t>Fourth level</a:t>
             </a:r>
           </a:p>
           <a:p>
             <a:pPr lvl="4"/>
             <a:r>
-              <a:rPr lang="en-US" smtClean="0"/>
+              <a:rPr lang="en-US"/>
               <a:t>Fifth level</a:t>
             </a:r>
-            <a:endParaRPr lang="en-US"/>
           </a:p>
         </p:txBody>
       </p:sp>
@@ -4555,7 +4539,7 @@
           <a:p>
             <a:pPr lvl="0"/>
             <a:r>
-              <a:rPr lang="en-US" smtClean="0"/>
+              <a:rPr lang="en-US"/>
               <a:t>Click to edit Master text styles</a:t>
             </a:r>
           </a:p>
@@ -4583,38 +4567,37 @@
           <a:p>
             <a:pPr lvl="0"/>
             <a:r>
-              <a:rPr lang="en-US" smtClean="0"/>
+              <a:rPr lang="en-US"/>
               <a:t>Click to edit Master text styles</a:t>
             </a:r>
           </a:p>
           <a:p>
             <a:pPr lvl="1"/>
             <a:r>
-              <a:rPr lang="en-US" smtClean="0"/>
+              <a:rPr lang="en-US"/>
               <a:t>Second level</a:t>
             </a:r>
           </a:p>
           <a:p>
             <a:pPr lvl="2"/>
             <a:r>
-              <a:rPr lang="en-US" smtClean="0"/>
+              <a:rPr lang="en-US"/>
               <a:t>Third level</a:t>
             </a:r>
           </a:p>
           <a:p>
             <a:pPr lvl="3"/>
             <a:r>
-              <a:rPr lang="en-US" smtClean="0"/>
+              <a:rPr lang="en-US"/>
               <a:t>Fourth level</a:t>
             </a:r>
           </a:p>
           <a:p>
             <a:pPr lvl="4"/>
             <a:r>
-              <a:rPr lang="en-US" smtClean="0"/>
+              <a:rPr lang="en-US"/>
               <a:t>Fifth level</a:t>
             </a:r>
-            <a:endParaRPr lang="en-US"/>
           </a:p>
         </p:txBody>
       </p:sp>
@@ -4729,10 +4712,9 @@
           <a:lstStyle/>
           <a:p>
             <a:r>
-              <a:rPr lang="en-US" smtClean="0"/>
+              <a:rPr lang="en-US"/>
               <a:t>Click to edit Master title style</a:t>
             </a:r>
-            <a:endParaRPr lang="en-US"/>
           </a:p>
         </p:txBody>
       </p:sp>
@@ -4951,10 +4933,9 @@
           </a:lstStyle>
           <a:p>
             <a:r>
-              <a:rPr lang="en-US" smtClean="0"/>
+              <a:rPr lang="en-US"/>
               <a:t>Click to edit Master title style</a:t>
             </a:r>
-            <a:endParaRPr lang="en-US"/>
           </a:p>
         </p:txBody>
       </p:sp>
@@ -5008,38 +4989,37 @@
           <a:p>
             <a:pPr lvl="0"/>
             <a:r>
-              <a:rPr lang="en-US" smtClean="0"/>
+              <a:rPr lang="en-US"/>
               <a:t>Click to edit Master text styles</a:t>
             </a:r>
           </a:p>
           <a:p>
             <a:pPr lvl="1"/>
             <a:r>
-              <a:rPr lang="en-US" smtClean="0"/>
+              <a:rPr lang="en-US"/>
               <a:t>Second level</a:t>
             </a:r>
           </a:p>
           <a:p>
             <a:pPr lvl="2"/>
             <a:r>
-              <a:rPr lang="en-US" smtClean="0"/>
+              <a:rPr lang="en-US"/>
               <a:t>Third level</a:t>
             </a:r>
           </a:p>
           <a:p>
             <a:pPr lvl="3"/>
             <a:r>
-              <a:rPr lang="en-US" smtClean="0"/>
+              <a:rPr lang="en-US"/>
               <a:t>Fourth level</a:t>
             </a:r>
           </a:p>
           <a:p>
             <a:pPr lvl="4"/>
             <a:r>
-              <a:rPr lang="en-US" smtClean="0"/>
+              <a:rPr lang="en-US"/>
               <a:t>Fifth level</a:t>
             </a:r>
-            <a:endParaRPr lang="en-US"/>
           </a:p>
         </p:txBody>
       </p:sp>
@@ -5102,7 +5082,7 @@
           <a:p>
             <a:pPr lvl="0"/>
             <a:r>
-              <a:rPr lang="en-US" smtClean="0"/>
+              <a:rPr lang="en-US"/>
               <a:t>Click to edit Master text styles</a:t>
             </a:r>
           </a:p>
@@ -5228,10 +5208,9 @@
           </a:lstStyle>
           <a:p>
             <a:r>
-              <a:rPr lang="en-US" smtClean="0"/>
+              <a:rPr lang="en-US"/>
               <a:t>Click to edit Master title style</a:t>
             </a:r>
-            <a:endParaRPr lang="en-US"/>
           </a:p>
         </p:txBody>
       </p:sp>
@@ -5355,7 +5334,7 @@
           <a:p>
             <a:pPr lvl="0"/>
             <a:r>
-              <a:rPr lang="en-US" smtClean="0"/>
+              <a:rPr lang="en-US"/>
               <a:t>Click to edit Master text styles</a:t>
             </a:r>
           </a:p>
@@ -5487,10 +5466,9 @@
           <a:lstStyle/>
           <a:p>
             <a:r>
-              <a:rPr lang="en-US" noProof="0" dirty="0" smtClean="0"/>
+              <a:rPr lang="en-US" noProof="0" dirty="0"/>
               <a:t>Click to edit Master title style</a:t>
             </a:r>
-            <a:endParaRPr lang="en-US" noProof="0" dirty="0"/>
           </a:p>
         </p:txBody>
       </p:sp>
@@ -5521,38 +5499,37 @@
           <a:p>
             <a:pPr lvl="0"/>
             <a:r>
-              <a:rPr lang="en-US" noProof="0" dirty="0" smtClean="0"/>
+              <a:rPr lang="en-US" noProof="0" dirty="0"/>
               <a:t>Click to edit Master text styles</a:t>
             </a:r>
           </a:p>
           <a:p>
             <a:pPr lvl="1"/>
             <a:r>
-              <a:rPr lang="en-US" noProof="0" dirty="0" smtClean="0"/>
+              <a:rPr lang="en-US" noProof="0" dirty="0"/>
               <a:t>Second level</a:t>
             </a:r>
           </a:p>
           <a:p>
             <a:pPr lvl="2"/>
             <a:r>
-              <a:rPr lang="en-US" noProof="0" dirty="0" smtClean="0"/>
+              <a:rPr lang="en-US" noProof="0" dirty="0"/>
               <a:t>Third level</a:t>
             </a:r>
           </a:p>
           <a:p>
             <a:pPr lvl="3"/>
             <a:r>
-              <a:rPr lang="en-US" noProof="0" dirty="0" smtClean="0"/>
+              <a:rPr lang="en-US" noProof="0" dirty="0"/>
               <a:t>Fourth level</a:t>
             </a:r>
           </a:p>
           <a:p>
             <a:pPr lvl="4"/>
             <a:r>
-              <a:rPr lang="en-US" noProof="0" dirty="0" smtClean="0"/>
+              <a:rPr lang="en-US" noProof="0" dirty="0"/>
               <a:t>Fifth level</a:t>
             </a:r>
-            <a:endParaRPr lang="en-US" noProof="0" dirty="0"/>
           </a:p>
         </p:txBody>
       </p:sp>
@@ -6027,7 +6004,7 @@
           <a:lstStyle/>
           <a:p>
             <a:r>
-              <a:rPr lang="en-US" smtClean="0"/>
+              <a:rPr lang="en-US"/>
               <a:t>Click to edit Master title style</a:t>
             </a:r>
             <a:endParaRPr lang="en-US" dirty="0"/>
@@ -6061,35 +6038,35 @@
           <a:p>
             <a:pPr lvl="0"/>
             <a:r>
-              <a:rPr lang="en-US" smtClean="0"/>
+              <a:rPr lang="en-US"/>
               <a:t>Click to edit Master text styles</a:t>
             </a:r>
           </a:p>
           <a:p>
             <a:pPr lvl="1"/>
             <a:r>
-              <a:rPr lang="en-US" smtClean="0"/>
+              <a:rPr lang="en-US"/>
               <a:t>Second level</a:t>
             </a:r>
           </a:p>
           <a:p>
             <a:pPr lvl="2"/>
             <a:r>
-              <a:rPr lang="en-US" smtClean="0"/>
+              <a:rPr lang="en-US"/>
               <a:t>Third level</a:t>
             </a:r>
           </a:p>
           <a:p>
             <a:pPr lvl="3"/>
             <a:r>
-              <a:rPr lang="en-US" smtClean="0"/>
+              <a:rPr lang="en-US"/>
               <a:t>Fourth level</a:t>
             </a:r>
           </a:p>
           <a:p>
             <a:pPr lvl="4"/>
             <a:r>
-              <a:rPr lang="en-US" smtClean="0"/>
+              <a:rPr lang="en-US"/>
               <a:t>Fifth level</a:t>
             </a:r>
             <a:endParaRPr lang="en-US" dirty="0"/>
@@ -6584,25 +6561,20 @@
           <a:lstStyle/>
           <a:p>
             <a:r>
-              <a:rPr lang="en-US" dirty="0" smtClean="0">
+              <a:rPr lang="en-US" dirty="0">
                 <a:solidFill>
                   <a:srgbClr val="C00000"/>
                 </a:solidFill>
               </a:rPr>
               <a:t>Computer Graphics</a:t>
             </a:r>
-            <a:r>
-              <a:rPr lang="en-US" dirty="0" smtClean="0"/>
-              <a:t/>
-            </a:r>
             <a:br>
-              <a:rPr lang="en-US" dirty="0" smtClean="0"/>
+              <a:rPr lang="en-US" dirty="0"/>
             </a:br>
             <a:r>
-              <a:rPr lang="en-US" dirty="0" smtClean="0"/>
+              <a:rPr lang="en-US" dirty="0"/>
               <a:t>Vectors</a:t>
             </a:r>
-            <a:endParaRPr lang="en-US" dirty="0"/>
           </a:p>
         </p:txBody>
       </p:sp>
@@ -6622,24 +6594,23 @@
           <a:lstStyle/>
           <a:p>
             <a:r>
-              <a:rPr lang="hu-HU" dirty="0" smtClean="0"/>
+              <a:rPr lang="hu-HU" dirty="0"/>
               <a:t>László Szécsi  </a:t>
             </a:r>
             <a:r>
-              <a:rPr lang="en-US" altLang="en-US" dirty="0" err="1" smtClean="0"/>
+              <a:rPr lang="en-US" altLang="en-US" dirty="0" err="1"/>
               <a:t>szecsi</a:t>
             </a:r>
             <a:r>
-              <a:rPr lang="hu-HU" altLang="en-US" dirty="0" smtClean="0"/>
+              <a:rPr lang="hu-HU" altLang="en-US" dirty="0"/>
               <a:t>@iit.bme.hu</a:t>
             </a:r>
           </a:p>
           <a:p>
             <a:r>
-              <a:rPr lang="hu-HU" altLang="en-US" dirty="0" smtClean="0"/>
+              <a:rPr lang="hu-HU" altLang="en-US" dirty="0"/>
               <a:t>AIT</a:t>
             </a:r>
-            <a:endParaRPr lang="hu-HU" altLang="en-US" dirty="0"/>
           </a:p>
         </p:txBody>
       </p:sp>
@@ -6653,13 +6624,6 @@
   <p:clrMapOvr>
     <a:masterClrMapping/>
   </p:clrMapOvr>
-  <p:timing>
-    <p:tnLst>
-      <p:par>
-        <p:cTn id="1" dur="indefinite" restart="never" nodeType="tmRoot"/>
-      </p:par>
-    </p:tnLst>
-  </p:timing>
 </p:sld>
 </file>
 
@@ -6696,7 +6660,7 @@
           <a:lstStyle/>
           <a:p>
             <a:r>
-              <a:rPr lang="hu-HU" dirty="0" smtClean="0"/>
+              <a:rPr lang="hu-HU" dirty="0"/>
               <a:t>Descartes</a:t>
             </a:r>
             <a:endParaRPr lang="en-US" dirty="0"/>
@@ -6754,13 +6718,6 @@
   <p:clrMapOvr>
     <a:masterClrMapping/>
   </p:clrMapOvr>
-  <p:timing>
-    <p:tnLst>
-      <p:par>
-        <p:cTn id="1" dur="indefinite" restart="never" nodeType="tmRoot"/>
-      </p:par>
-    </p:tnLst>
-  </p:timing>
 </p:sld>
 </file>
 
@@ -6797,7 +6754,7 @@
           <a:lstStyle/>
           <a:p>
             <a:r>
-              <a:rPr lang="hu-HU" dirty="0" smtClean="0"/>
+              <a:rPr lang="hu-HU" dirty="0"/>
               <a:t>Analytic geometry</a:t>
             </a:r>
             <a:endParaRPr lang="en-US" dirty="0"/>
@@ -6820,11 +6777,11 @@
           <a:lstStyle/>
           <a:p>
             <a:r>
-              <a:rPr lang="hu-HU" dirty="0" smtClean="0"/>
+              <a:rPr lang="hu-HU" dirty="0"/>
               <a:t>point </a:t>
             </a:r>
             <a:r>
-              <a:rPr lang="hu-HU" dirty="0" smtClean="0">
+              <a:rPr lang="hu-HU" dirty="0">
                 <a:sym typeface="Symbol" panose="05050102010706020507" pitchFamily="18" charset="2"/>
               </a:rPr>
               <a:t> coordinates</a:t>
@@ -6832,7 +6789,7 @@
           </a:p>
           <a:p>
             <a:r>
-              <a:rPr lang="hu-HU" dirty="0" smtClean="0">
+              <a:rPr lang="hu-HU" dirty="0">
                 <a:sym typeface="Symbol" panose="05050102010706020507" pitchFamily="18" charset="2"/>
               </a:rPr>
               <a:t>point sets (straight line, line segment, plane, circle, sphere)  equations</a:t>
@@ -6840,7 +6797,7 @@
           </a:p>
           <a:p>
             <a:r>
-              <a:rPr lang="hu-HU" dirty="0" smtClean="0">
+              <a:rPr lang="hu-HU" dirty="0">
                 <a:sym typeface="Symbol" panose="05050102010706020507" pitchFamily="18" charset="2"/>
               </a:rPr>
               <a:t>intersection  solution of a system of equations</a:t>
@@ -6848,14 +6805,14 @@
           </a:p>
           <a:p>
             <a:r>
-              <a:rPr lang="hu-HU" dirty="0" smtClean="0">
+              <a:rPr lang="hu-HU" dirty="0">
                 <a:sym typeface="Symbol" panose="05050102010706020507" pitchFamily="18" charset="2"/>
               </a:rPr>
               <a:t>translation, rotation, reflection, scaling  coordinate transformations</a:t>
             </a:r>
           </a:p>
           <a:p>
-            <a:endParaRPr lang="hu-HU" dirty="0" smtClean="0">
+            <a:endParaRPr lang="hu-HU" dirty="0">
               <a:sym typeface="Symbol" panose="05050102010706020507" pitchFamily="18" charset="2"/>
             </a:endParaRPr>
           </a:p>
@@ -6874,13 +6831,6 @@
   <p:clrMapOvr>
     <a:masterClrMapping/>
   </p:clrMapOvr>
-  <p:timing>
-    <p:tnLst>
-      <p:par>
-        <p:cTn id="1" dur="indefinite" restart="never" nodeType="tmRoot"/>
-      </p:par>
-    </p:tnLst>
-  </p:timing>
 </p:sld>
 </file>
 
@@ -6917,7 +6867,7 @@
           <a:lstStyle/>
           <a:p>
             <a:r>
-              <a:rPr lang="hu-HU" dirty="0" smtClean="0"/>
+              <a:rPr lang="hu-HU" dirty="0"/>
               <a:t>Cartesian coordinate system</a:t>
             </a:r>
             <a:endParaRPr lang="en-US" dirty="0"/>
@@ -8229,10 +8179,9 @@
           <a:lstStyle/>
           <a:p>
             <a:r>
-              <a:rPr lang="en-US" dirty="0" smtClean="0"/>
+              <a:rPr lang="en-US" dirty="0"/>
               <a:t>Vectors in 3D Cartesian</a:t>
             </a:r>
-            <a:endParaRPr lang="en-US" dirty="0"/>
           </a:p>
         </p:txBody>
       </p:sp>
@@ -8356,7 +8305,7 @@
           </a:lstStyle>
           <a:p>
             <a:r>
-              <a:rPr lang="en-US" altLang="en-US" dirty="0" smtClean="0"/>
+              <a:rPr lang="en-US" altLang="en-US" dirty="0"/>
               <a:t>row vector</a:t>
             </a:r>
             <a:endParaRPr lang="hu-HU" altLang="en-US" dirty="0"/>
@@ -8483,7 +8432,7 @@
           </a:lstStyle>
           <a:p>
             <a:r>
-              <a:rPr lang="en-US" altLang="en-US" dirty="0" smtClean="0"/>
+              <a:rPr lang="en-US" altLang="en-US" dirty="0"/>
               <a:t>column vector</a:t>
             </a:r>
             <a:endParaRPr lang="hu-HU" altLang="en-US" dirty="0"/>
@@ -8624,7 +8573,7 @@
           <a:p>
             <a:pPr algn="ctr"/>
             <a:r>
-              <a:rPr lang="en-US" dirty="0" smtClean="0">
+              <a:rPr lang="en-US" dirty="0">
                 <a:latin typeface="Whipsmart" panose="020B0502030203050204" pitchFamily="34" charset="0"/>
               </a:rPr>
               <a:t>base vectors of the </a:t>
@@ -8633,14 +8582,11 @@
           <a:p>
             <a:pPr algn="ctr"/>
             <a:r>
-              <a:rPr lang="en-US" dirty="0" smtClean="0">
+              <a:rPr lang="en-US" dirty="0">
                 <a:latin typeface="Whipsmart" panose="020B0502030203050204" pitchFamily="34" charset="0"/>
               </a:rPr>
               <a:t>Cartesian coordinate system</a:t>
             </a:r>
-            <a:endParaRPr lang="en-US" dirty="0">
-              <a:latin typeface="Whipsmart" panose="020B0502030203050204" pitchFamily="34" charset="0"/>
-            </a:endParaRPr>
           </a:p>
         </p:txBody>
       </p:sp>
@@ -8682,7 +8628,7 @@
           <a:p>
             <a:pPr algn="ctr"/>
             <a:r>
-              <a:rPr lang="en-US" dirty="0" smtClean="0">
+              <a:rPr lang="en-US" dirty="0">
                 <a:latin typeface="Whipsmart" panose="020B0502030203050204" pitchFamily="34" charset="0"/>
               </a:rPr>
               <a:t>position can be expressed</a:t>
@@ -8691,26 +8637,23 @@
           <a:p>
             <a:pPr algn="ctr"/>
             <a:r>
-              <a:rPr lang="en-US" dirty="0" smtClean="0">
+              <a:rPr lang="en-US" dirty="0">
                 <a:latin typeface="Whipsmart" panose="020B0502030203050204" pitchFamily="34" charset="0"/>
               </a:rPr>
               <a:t>as a </a:t>
             </a:r>
             <a:r>
-              <a:rPr lang="en-US" b="1" dirty="0" smtClean="0">
+              <a:rPr lang="en-US" b="1" dirty="0">
                 <a:latin typeface="Whipsmart" panose="020B0502030203050204" pitchFamily="34" charset="0"/>
               </a:rPr>
               <a:t>linear combination </a:t>
             </a:r>
             <a:r>
-              <a:rPr lang="en-US" dirty="0" smtClean="0">
+              <a:rPr lang="en-US" dirty="0">
                 <a:latin typeface="Whipsmart" panose="020B0502030203050204" pitchFamily="34" charset="0"/>
               </a:rPr>
               <a:t>of the base vectors</a:t>
             </a:r>
-            <a:endParaRPr lang="en-US" dirty="0">
-              <a:latin typeface="Whipsmart" panose="020B0502030203050204" pitchFamily="34" charset="0"/>
-            </a:endParaRPr>
           </a:p>
         </p:txBody>
       </p:sp>
@@ -9370,10 +9313,9 @@
           <a:lstStyle/>
           <a:p>
             <a:r>
-              <a:rPr lang="en-US" dirty="0" smtClean="0"/>
+              <a:rPr lang="en-US" dirty="0"/>
               <a:t>Vector addition</a:t>
             </a:r>
-            <a:endParaRPr lang="en-US" dirty="0"/>
           </a:p>
         </p:txBody>
       </p:sp>
@@ -9638,37 +9580,37 @@
           <a:lstStyle/>
           <a:p>
             <a:r>
-              <a:rPr lang="en-US" dirty="0" smtClean="0">
-                <a:latin typeface="Consolas" panose="020B0609020204030204" pitchFamily="49" charset="0"/>
-                <a:cs typeface="Consolas" panose="020B0609020204030204" pitchFamily="49" charset="0"/>
-              </a:rPr>
-              <a:t>vec3</a:t>
-            </a:r>
-            <a:r>
-              <a:rPr lang="hu-HU" dirty="0" smtClean="0">
-                <a:latin typeface="Consolas" panose="020B0609020204030204" pitchFamily="49" charset="0"/>
-                <a:cs typeface="Consolas" panose="020B0609020204030204" pitchFamily="49" charset="0"/>
-              </a:rPr>
-              <a:t> </a:t>
-            </a:r>
-            <a:r>
               <a:rPr lang="en-US" dirty="0">
                 <a:latin typeface="Consolas" panose="020B0609020204030204" pitchFamily="49" charset="0"/>
                 <a:cs typeface="Consolas" panose="020B0609020204030204" pitchFamily="49" charset="0"/>
               </a:rPr>
-              <a:t>a;</a:t>
-            </a:r>
-          </a:p>
-          <a:p>
-            <a:r>
-              <a:rPr lang="en-US" dirty="0" smtClean="0">
+              <a:t>vec3</a:t>
+            </a:r>
+            <a:r>
+              <a:rPr lang="hu-HU" dirty="0">
                 <a:latin typeface="Consolas" panose="020B0609020204030204" pitchFamily="49" charset="0"/>
                 <a:cs typeface="Consolas" panose="020B0609020204030204" pitchFamily="49" charset="0"/>
               </a:rPr>
+              <a:t> </a:t>
+            </a:r>
+            <a:r>
+              <a:rPr lang="en-US" dirty="0">
+                <a:latin typeface="Consolas" panose="020B0609020204030204" pitchFamily="49" charset="0"/>
+                <a:cs typeface="Consolas" panose="020B0609020204030204" pitchFamily="49" charset="0"/>
+              </a:rPr>
+              <a:t>a;</a:t>
+            </a:r>
+          </a:p>
+          <a:p>
+            <a:r>
+              <a:rPr lang="en-US" dirty="0">
+                <a:latin typeface="Consolas" panose="020B0609020204030204" pitchFamily="49" charset="0"/>
+                <a:cs typeface="Consolas" panose="020B0609020204030204" pitchFamily="49" charset="0"/>
+              </a:rPr>
               <a:t>vec3</a:t>
             </a:r>
             <a:r>
-              <a:rPr lang="hu-HU" dirty="0" smtClean="0">
+              <a:rPr lang="hu-HU" dirty="0">
                 <a:latin typeface="Consolas" panose="020B0609020204030204" pitchFamily="49" charset="0"/>
                 <a:cs typeface="Consolas" panose="020B0609020204030204" pitchFamily="49" charset="0"/>
               </a:rPr>
@@ -9690,7 +9632,7 @@
           </a:p>
           <a:p>
             <a:r>
-              <a:rPr lang="en-US" dirty="0" smtClean="0">
+              <a:rPr lang="en-US" dirty="0">
                 <a:latin typeface="Consolas" panose="020B0609020204030204" pitchFamily="49" charset="0"/>
                 <a:cs typeface="Consolas" panose="020B0609020204030204" pitchFamily="49" charset="0"/>
               </a:rPr>
@@ -9851,160 +9793,6 @@
       </p:pic>
       <p:sp>
         <p:nvSpPr>
-          <p:cNvPr id="13" name="Rectangle 11"/>
-          <p:cNvSpPr>
-            <a:spLocks noChangeArrowheads="1"/>
-          </p:cNvSpPr>
-          <p:nvPr/>
-        </p:nvSpPr>
-        <p:spPr bwMode="auto">
-          <a:xfrm>
-            <a:off x="8975911" y="4311670"/>
-            <a:ext cx="2920254" cy="1715750"/>
-          </a:xfrm>
-          <a:prstGeom prst="rect">
-            <a:avLst/>
-          </a:prstGeom>
-          <a:solidFill>
-            <a:schemeClr val="tx2">
-              <a:lumMod val="20000"/>
-              <a:lumOff val="80000"/>
-            </a:schemeClr>
-          </a:solidFill>
-          <a:ln w="9525">
-            <a:solidFill>
-              <a:schemeClr val="tx1"/>
-            </a:solidFill>
-            <a:miter lim="800000"/>
-            <a:headEnd/>
-            <a:tailEnd/>
-          </a:ln>
-          <a:effectLst/>
-        </p:spPr>
-        <p:txBody>
-          <a:bodyPr wrap="none" anchor="ctr"/>
-          <a:lstStyle/>
-          <a:p>
-            <a:endParaRPr lang="en-US" dirty="0" smtClean="0">
-              <a:latin typeface="Consolas" panose="020B0609020204030204" pitchFamily="49" charset="0"/>
-              <a:cs typeface="Consolas" panose="020B0609020204030204" pitchFamily="49" charset="0"/>
-            </a:endParaRPr>
-          </a:p>
-          <a:p>
-            <a:r>
-              <a:rPr lang="hu-HU" dirty="0" err="1" smtClean="0">
-                <a:latin typeface="Consolas" panose="020B0609020204030204" pitchFamily="49" charset="0"/>
-                <a:cs typeface="Consolas" panose="020B0609020204030204" pitchFamily="49" charset="0"/>
-              </a:rPr>
-              <a:t>let</a:t>
-            </a:r>
-            <a:r>
-              <a:rPr lang="en-US" dirty="0" smtClean="0">
-                <a:latin typeface="Consolas" panose="020B0609020204030204" pitchFamily="49" charset="0"/>
-                <a:cs typeface="Consolas" panose="020B0609020204030204" pitchFamily="49" charset="0"/>
-              </a:rPr>
-              <a:t> a = new Vec3();</a:t>
-            </a:r>
-            <a:endParaRPr lang="en-US" dirty="0">
-              <a:latin typeface="Consolas" panose="020B0609020204030204" pitchFamily="49" charset="0"/>
-              <a:cs typeface="Consolas" panose="020B0609020204030204" pitchFamily="49" charset="0"/>
-            </a:endParaRPr>
-          </a:p>
-          <a:p>
-            <a:r>
-              <a:rPr lang="hu-HU" dirty="0" err="1">
-                <a:latin typeface="Consolas" panose="020B0609020204030204" pitchFamily="49" charset="0"/>
-                <a:cs typeface="Consolas" panose="020B0609020204030204" pitchFamily="49" charset="0"/>
-              </a:rPr>
-              <a:t>let</a:t>
-            </a:r>
-            <a:r>
-              <a:rPr lang="en-US" dirty="0" smtClean="0">
-                <a:latin typeface="Consolas" panose="020B0609020204030204" pitchFamily="49" charset="0"/>
-                <a:cs typeface="Consolas" panose="020B0609020204030204" pitchFamily="49" charset="0"/>
-              </a:rPr>
-              <a:t> b </a:t>
-            </a:r>
-            <a:r>
-              <a:rPr lang="en-US" dirty="0">
-                <a:latin typeface="Consolas" panose="020B0609020204030204" pitchFamily="49" charset="0"/>
-                <a:cs typeface="Consolas" panose="020B0609020204030204" pitchFamily="49" charset="0"/>
-              </a:rPr>
-              <a:t>= </a:t>
-            </a:r>
-            <a:r>
-              <a:rPr lang="en-US" dirty="0" smtClean="0">
-                <a:latin typeface="Consolas" panose="020B0609020204030204" pitchFamily="49" charset="0"/>
-                <a:cs typeface="Consolas" panose="020B0609020204030204" pitchFamily="49" charset="0"/>
-              </a:rPr>
-              <a:t>new Vec3</a:t>
-            </a:r>
-            <a:r>
-              <a:rPr lang="en-US" dirty="0">
-                <a:latin typeface="Consolas" panose="020B0609020204030204" pitchFamily="49" charset="0"/>
-                <a:cs typeface="Consolas" panose="020B0609020204030204" pitchFamily="49" charset="0"/>
-              </a:rPr>
-              <a:t>();</a:t>
-            </a:r>
-          </a:p>
-          <a:p>
-            <a:endParaRPr lang="en-US" dirty="0">
-              <a:latin typeface="Consolas" panose="020B0609020204030204" pitchFamily="49" charset="0"/>
-              <a:cs typeface="Consolas" panose="020B0609020204030204" pitchFamily="49" charset="0"/>
-            </a:endParaRPr>
-          </a:p>
-          <a:p>
-            <a:r>
-              <a:rPr lang="hu-HU" dirty="0" err="1">
-                <a:latin typeface="Consolas" panose="020B0609020204030204" pitchFamily="49" charset="0"/>
-                <a:cs typeface="Consolas" panose="020B0609020204030204" pitchFamily="49" charset="0"/>
-              </a:rPr>
-              <a:t>let</a:t>
-            </a:r>
-            <a:r>
-              <a:rPr lang="en-US" dirty="0" smtClean="0">
-                <a:latin typeface="Consolas" panose="020B0609020204030204" pitchFamily="49" charset="0"/>
-                <a:cs typeface="Consolas" panose="020B0609020204030204" pitchFamily="49" charset="0"/>
-              </a:rPr>
-              <a:t> sum </a:t>
-            </a:r>
-            <a:r>
-              <a:rPr lang="en-US" dirty="0">
-                <a:latin typeface="Consolas" panose="020B0609020204030204" pitchFamily="49" charset="0"/>
-                <a:cs typeface="Consolas" panose="020B0609020204030204" pitchFamily="49" charset="0"/>
-              </a:rPr>
-              <a:t>= </a:t>
-            </a:r>
-            <a:r>
-              <a:rPr lang="en-US" dirty="0" err="1" smtClean="0">
-                <a:latin typeface="Consolas" panose="020B0609020204030204" pitchFamily="49" charset="0"/>
-                <a:cs typeface="Consolas" panose="020B0609020204030204" pitchFamily="49" charset="0"/>
-              </a:rPr>
-              <a:t>a.</a:t>
-            </a:r>
-            <a:r>
-              <a:rPr lang="en-US" b="1" dirty="0" err="1" smtClean="0">
-                <a:latin typeface="Consolas" panose="020B0609020204030204" pitchFamily="49" charset="0"/>
-                <a:cs typeface="Consolas" panose="020B0609020204030204" pitchFamily="49" charset="0"/>
-              </a:rPr>
-              <a:t>plus</a:t>
-            </a:r>
-            <a:r>
-              <a:rPr lang="en-US" dirty="0" smtClean="0">
-                <a:latin typeface="Consolas" panose="020B0609020204030204" pitchFamily="49" charset="0"/>
-                <a:cs typeface="Consolas" panose="020B0609020204030204" pitchFamily="49" charset="0"/>
-              </a:rPr>
-              <a:t>(b);</a:t>
-            </a:r>
-            <a:endParaRPr lang="en-US" dirty="0">
-              <a:latin typeface="Consolas" panose="020B0609020204030204" pitchFamily="49" charset="0"/>
-              <a:cs typeface="Consolas" panose="020B0609020204030204" pitchFamily="49" charset="0"/>
-            </a:endParaRPr>
-          </a:p>
-        </p:txBody>
-      </p:sp>
-      <p:sp>
-        <p:nvSpPr>
           <p:cNvPr id="16" name="TextBox 15"/>
           <p:cNvSpPr txBox="1"/>
           <p:nvPr/>
@@ -10026,7 +9814,7 @@
           <a:lstStyle/>
           <a:p>
             <a:r>
-              <a:rPr lang="en-US" sz="3600" dirty="0" smtClean="0">
+              <a:rPr lang="en-US" sz="3600" dirty="0">
                 <a:solidFill>
                   <a:srgbClr val="FF0000"/>
                 </a:solidFill>
@@ -10034,52 +9822,6 @@
               </a:rPr>
               <a:t>GLSL</a:t>
             </a:r>
-            <a:endParaRPr lang="en-US" sz="3600" dirty="0">
-              <a:solidFill>
-                <a:srgbClr val="FF0000"/>
-              </a:solidFill>
-              <a:latin typeface="Whipsmart" panose="020B0502030203050204" pitchFamily="34" charset="0"/>
-            </a:endParaRPr>
-          </a:p>
-        </p:txBody>
-      </p:sp>
-      <p:sp>
-        <p:nvSpPr>
-          <p:cNvPr id="18" name="TextBox 17"/>
-          <p:cNvSpPr txBox="1"/>
-          <p:nvPr/>
-        </p:nvSpPr>
-        <p:spPr>
-          <a:xfrm>
-            <a:off x="9512845" y="4182131"/>
-            <a:ext cx="1960793" cy="646331"/>
-          </a:xfrm>
-          <a:prstGeom prst="rect">
-            <a:avLst/>
-          </a:prstGeom>
-          <a:noFill/>
-        </p:spPr>
-        <p:txBody>
-          <a:bodyPr wrap="none" rtlCol="0">
-            <a:spAutoFit/>
-          </a:bodyPr>
-          <a:lstStyle/>
-          <a:p>
-            <a:r>
-              <a:rPr lang="en-US" sz="3600" dirty="0" smtClean="0">
-                <a:solidFill>
-                  <a:srgbClr val="FF0000"/>
-                </a:solidFill>
-                <a:latin typeface="Whipsmart" panose="020B0502030203050204" pitchFamily="34" charset="0"/>
-              </a:rPr>
-              <a:t>JavaScript</a:t>
-            </a:r>
-            <a:endParaRPr lang="en-US" sz="3600" dirty="0">
-              <a:solidFill>
-                <a:srgbClr val="FF0000"/>
-              </a:solidFill>
-              <a:latin typeface="Whipsmart" panose="020B0502030203050204" pitchFamily="34" charset="0"/>
-            </a:endParaRPr>
           </a:p>
         </p:txBody>
       </p:sp>
@@ -10154,59 +9896,6 @@
                       </p:childTnLst>
                     </p:cTn>
                   </p:par>
-                  <p:par>
-                    <p:cTn id="8" fill="hold">
-                      <p:stCondLst>
-                        <p:cond delay="indefinite"/>
-                      </p:stCondLst>
-                      <p:childTnLst>
-                        <p:par>
-                          <p:cTn id="9" fill="hold">
-                            <p:stCondLst>
-                              <p:cond delay="0"/>
-                            </p:stCondLst>
-                            <p:childTnLst>
-                              <p:par>
-                                <p:cTn id="10" presetID="10" presetClass="entr" presetSubtype="0" fill="hold" grpId="0" nodeType="clickEffect">
-                                  <p:stCondLst>
-                                    <p:cond delay="0"/>
-                                  </p:stCondLst>
-                                  <p:childTnLst>
-                                    <p:set>
-                                      <p:cBhvr>
-                                        <p:cTn id="11" dur="1" fill="hold">
-                                          <p:stCondLst>
-                                            <p:cond delay="0"/>
-                                          </p:stCondLst>
-                                        </p:cTn>
-                                        <p:tgtEl>
-                                          <p:spTgt spid="13"/>
-                                        </p:tgtEl>
-                                        <p:attrNameLst>
-                                          <p:attrName>style.visibility</p:attrName>
-                                        </p:attrNameLst>
-                                      </p:cBhvr>
-                                      <p:to>
-                                        <p:strVal val="visible"/>
-                                      </p:to>
-                                    </p:set>
-                                    <p:animEffect transition="in" filter="fade">
-                                      <p:cBhvr>
-                                        <p:cTn id="12" dur="500"/>
-                                        <p:tgtEl>
-                                          <p:spTgt spid="13"/>
-                                        </p:tgtEl>
-                                      </p:cBhvr>
-                                    </p:animEffect>
-                                  </p:childTnLst>
-                                </p:cTn>
-                              </p:par>
-                            </p:childTnLst>
-                          </p:cTn>
-                        </p:par>
-                      </p:childTnLst>
-                    </p:cTn>
-                  </p:par>
                 </p:childTnLst>
               </p:cTn>
               <p:prevCondLst>
@@ -10230,7 +9919,6 @@
     </p:tnLst>
     <p:bldLst>
       <p:bldP spid="17" grpId="0" animBg="1"/>
-      <p:bldP spid="13" grpId="0" animBg="1"/>
     </p:bldLst>
   </p:timing>
 </p:sld>
@@ -10269,10 +9957,9 @@
           <a:lstStyle/>
           <a:p>
             <a:r>
-              <a:rPr lang="en-US" dirty="0" smtClean="0"/>
+              <a:rPr lang="en-US" dirty="0"/>
               <a:t>Vector difference</a:t>
             </a:r>
-            <a:endParaRPr lang="en-US" dirty="0"/>
           </a:p>
         </p:txBody>
       </p:sp>
@@ -10541,14 +10228,11 @@
           <a:p>
             <a:pPr algn="ctr"/>
             <a:r>
-              <a:rPr lang="en-US" dirty="0" smtClean="0">
+              <a:rPr lang="en-US" dirty="0">
                 <a:latin typeface="Whipsmart" panose="020B0502030203050204" pitchFamily="34" charset="0"/>
               </a:rPr>
               <a:t>eye position</a:t>
             </a:r>
-            <a:endParaRPr lang="en-US" dirty="0">
-              <a:latin typeface="Whipsmart" panose="020B0502030203050204" pitchFamily="34" charset="0"/>
-            </a:endParaRPr>
           </a:p>
         </p:txBody>
       </p:sp>
@@ -10590,7 +10274,7 @@
           <a:p>
             <a:pPr algn="ctr"/>
             <a:r>
-              <a:rPr lang="en-US" dirty="0" smtClean="0">
+              <a:rPr lang="en-US" dirty="0">
                 <a:latin typeface="Whipsmart" panose="020B0502030203050204" pitchFamily="34" charset="0"/>
               </a:rPr>
               <a:t>shaded surface</a:t>
@@ -10599,14 +10283,11 @@
           <a:p>
             <a:pPr algn="ctr"/>
             <a:r>
-              <a:rPr lang="en-US" dirty="0" smtClean="0">
+              <a:rPr lang="en-US" dirty="0">
                 <a:latin typeface="Whipsmart" panose="020B0502030203050204" pitchFamily="34" charset="0"/>
               </a:rPr>
               <a:t>point’s position</a:t>
             </a:r>
-            <a:endParaRPr lang="en-US" dirty="0">
-              <a:latin typeface="Whipsmart" panose="020B0502030203050204" pitchFamily="34" charset="0"/>
-            </a:endParaRPr>
           </a:p>
         </p:txBody>
       </p:sp>
@@ -10648,7 +10329,7 @@
           <a:p>
             <a:pPr algn="ctr"/>
             <a:r>
-              <a:rPr lang="en-US" dirty="0" smtClean="0">
+              <a:rPr lang="en-US" dirty="0">
                 <a:latin typeface="Whipsmart" panose="020B0502030203050204" pitchFamily="34" charset="0"/>
               </a:rPr>
               <a:t>view direction</a:t>
@@ -10660,19 +10341,19 @@
           <a:p>
             <a:pPr algn="ctr"/>
             <a:r>
-              <a:rPr lang="hu-HU" dirty="0" smtClean="0">
+              <a:rPr lang="hu-HU" dirty="0">
                 <a:latin typeface="Whipsmart" panose="020B0502030203050204" pitchFamily="34" charset="0"/>
               </a:rPr>
               <a:t>(</a:t>
             </a:r>
             <a:r>
-              <a:rPr lang="en-US" dirty="0" smtClean="0">
+              <a:rPr lang="en-US" dirty="0">
                 <a:latin typeface="Whipsmart" panose="020B0502030203050204" pitchFamily="34" charset="0"/>
               </a:rPr>
               <a:t>non-normalized</a:t>
             </a:r>
             <a:r>
-              <a:rPr lang="hu-HU" dirty="0" smtClean="0">
+              <a:rPr lang="hu-HU" dirty="0">
                 <a:latin typeface="Whipsmart" panose="020B0502030203050204" pitchFamily="34" charset="0"/>
               </a:rPr>
               <a:t>)</a:t>
@@ -10717,30 +10398,30 @@
           <a:lstStyle/>
           <a:p>
             <a:r>
-              <a:rPr lang="en-US" dirty="0" smtClean="0">
-                <a:latin typeface="Consolas" panose="020B0609020204030204" pitchFamily="49" charset="0"/>
-                <a:cs typeface="Consolas" panose="020B0609020204030204" pitchFamily="49" charset="0"/>
-              </a:rPr>
-              <a:t>vec3</a:t>
-            </a:r>
-            <a:r>
-              <a:rPr lang="hu-HU" dirty="0" smtClean="0">
-                <a:latin typeface="Consolas" panose="020B0609020204030204" pitchFamily="49" charset="0"/>
-                <a:cs typeface="Consolas" panose="020B0609020204030204" pitchFamily="49" charset="0"/>
-              </a:rPr>
-              <a:t> </a:t>
-            </a:r>
-            <a:r>
               <a:rPr lang="en-US" dirty="0">
                 <a:latin typeface="Consolas" panose="020B0609020204030204" pitchFamily="49" charset="0"/>
                 <a:cs typeface="Consolas" panose="020B0609020204030204" pitchFamily="49" charset="0"/>
               </a:rPr>
+              <a:t>vec3</a:t>
+            </a:r>
+            <a:r>
+              <a:rPr lang="hu-HU" dirty="0">
+                <a:latin typeface="Consolas" panose="020B0609020204030204" pitchFamily="49" charset="0"/>
+                <a:cs typeface="Consolas" panose="020B0609020204030204" pitchFamily="49" charset="0"/>
+              </a:rPr>
+              <a:t> </a:t>
+            </a:r>
+            <a:r>
+              <a:rPr lang="en-US" dirty="0">
+                <a:latin typeface="Consolas" panose="020B0609020204030204" pitchFamily="49" charset="0"/>
+                <a:cs typeface="Consolas" panose="020B0609020204030204" pitchFamily="49" charset="0"/>
+              </a:rPr>
               <a:t>pos;</a:t>
             </a:r>
           </a:p>
           <a:p>
             <a:r>
-              <a:rPr lang="en-US" dirty="0" smtClean="0">
+              <a:rPr lang="en-US" dirty="0">
                 <a:latin typeface="Consolas" panose="020B0609020204030204" pitchFamily="49" charset="0"/>
                 <a:cs typeface="Consolas" panose="020B0609020204030204" pitchFamily="49" charset="0"/>
               </a:rPr>
@@ -10763,7 +10444,7 @@
           </a:p>
           <a:p>
             <a:r>
-              <a:rPr lang="en-US" dirty="0" smtClean="0">
+              <a:rPr lang="en-US" dirty="0">
                 <a:latin typeface="Consolas" panose="020B0609020204030204" pitchFamily="49" charset="0"/>
                 <a:cs typeface="Consolas" panose="020B0609020204030204" pitchFamily="49" charset="0"/>
               </a:rPr>
@@ -10781,35 +10462,21 @@
                 <a:latin typeface="Consolas" panose="020B0609020204030204" pitchFamily="49" charset="0"/>
                 <a:cs typeface="Consolas" panose="020B0609020204030204" pitchFamily="49" charset="0"/>
               </a:rPr>
-              <a:t> </a:t>
-            </a:r>
-            <a:r>
-              <a:rPr lang="en-US" dirty="0" smtClean="0">
+              <a:t> = </a:t>
+            </a:r>
+            <a:r>
+              <a:rPr lang="en-US" dirty="0" err="1">
                 <a:latin typeface="Consolas" panose="020B0609020204030204" pitchFamily="49" charset="0"/>
                 <a:cs typeface="Consolas" panose="020B0609020204030204" pitchFamily="49" charset="0"/>
               </a:rPr>
-              <a:t>= </a:t>
-            </a:r>
-            <a:r>
-              <a:rPr lang="en-US" dirty="0" err="1" smtClean="0">
-                <a:latin typeface="Consolas" panose="020B0609020204030204" pitchFamily="49" charset="0"/>
-                <a:cs typeface="Consolas" panose="020B0609020204030204" pitchFamily="49" charset="0"/>
-              </a:rPr>
               <a:t>eyePos</a:t>
-            </a:r>
-            <a:r>
-              <a:rPr lang="en-US" dirty="0" smtClean="0">
-                <a:latin typeface="Consolas" panose="020B0609020204030204" pitchFamily="49" charset="0"/>
-                <a:cs typeface="Consolas" panose="020B0609020204030204" pitchFamily="49" charset="0"/>
-              </a:rPr>
-              <a:t> </a:t>
             </a:r>
             <a:r>
               <a:rPr lang="en-US" dirty="0">
                 <a:latin typeface="Consolas" panose="020B0609020204030204" pitchFamily="49" charset="0"/>
                 <a:cs typeface="Consolas" panose="020B0609020204030204" pitchFamily="49" charset="0"/>
               </a:rPr>
-              <a:t>– pos;</a:t>
+              <a:t> – pos;</a:t>
             </a:r>
             <a:endParaRPr lang="hu-HU" dirty="0">
               <a:latin typeface="Consolas" panose="020B0609020204030204" pitchFamily="49" charset="0"/>
@@ -10990,119 +10657,6 @@
       </p:pic>
       <p:sp>
         <p:nvSpPr>
-          <p:cNvPr id="18" name="Rectangle 11"/>
-          <p:cNvSpPr>
-            <a:spLocks noChangeArrowheads="1"/>
-          </p:cNvSpPr>
-          <p:nvPr/>
-        </p:nvSpPr>
-        <p:spPr bwMode="auto">
-          <a:xfrm>
-            <a:off x="7476565" y="4913794"/>
-            <a:ext cx="4589929" cy="953605"/>
-          </a:xfrm>
-          <a:prstGeom prst="rect">
-            <a:avLst/>
-          </a:prstGeom>
-          <a:solidFill>
-            <a:schemeClr val="tx2">
-              <a:lumMod val="20000"/>
-              <a:lumOff val="80000"/>
-            </a:schemeClr>
-          </a:solidFill>
-          <a:ln w="9525">
-            <a:solidFill>
-              <a:schemeClr val="tx1"/>
-            </a:solidFill>
-            <a:miter lim="800000"/>
-            <a:headEnd/>
-            <a:tailEnd/>
-          </a:ln>
-          <a:effectLst/>
-        </p:spPr>
-        <p:txBody>
-          <a:bodyPr wrap="none" anchor="ctr"/>
-          <a:lstStyle/>
-          <a:p>
-            <a:r>
-              <a:rPr lang="hu-HU" dirty="0" err="1">
-                <a:latin typeface="Consolas" panose="020B0609020204030204" pitchFamily="49" charset="0"/>
-                <a:cs typeface="Consolas" panose="020B0609020204030204" pitchFamily="49" charset="0"/>
-              </a:rPr>
-              <a:t>let</a:t>
-            </a:r>
-            <a:r>
-              <a:rPr lang="hu-HU" dirty="0">
-                <a:latin typeface="Consolas" panose="020B0609020204030204" pitchFamily="49" charset="0"/>
-                <a:cs typeface="Consolas" panose="020B0609020204030204" pitchFamily="49" charset="0"/>
-              </a:rPr>
-              <a:t> </a:t>
-            </a:r>
-            <a:r>
-              <a:rPr lang="en-US" dirty="0" err="1" smtClean="0">
-                <a:latin typeface="Consolas" panose="020B0609020204030204" pitchFamily="49" charset="0"/>
-                <a:cs typeface="Consolas" panose="020B0609020204030204" pitchFamily="49" charset="0"/>
-              </a:rPr>
-              <a:t>viewDiff</a:t>
-            </a:r>
-            <a:r>
-              <a:rPr lang="en-US" dirty="0" smtClean="0">
-                <a:latin typeface="Consolas" panose="020B0609020204030204" pitchFamily="49" charset="0"/>
-                <a:cs typeface="Consolas" panose="020B0609020204030204" pitchFamily="49" charset="0"/>
-              </a:rPr>
-              <a:t> </a:t>
-            </a:r>
-            <a:r>
-              <a:rPr lang="en-US" dirty="0">
-                <a:latin typeface="Consolas" panose="020B0609020204030204" pitchFamily="49" charset="0"/>
-                <a:cs typeface="Consolas" panose="020B0609020204030204" pitchFamily="49" charset="0"/>
-              </a:rPr>
-              <a:t>= </a:t>
-            </a:r>
-            <a:r>
-              <a:rPr lang="en-US" dirty="0" err="1" smtClean="0">
-                <a:latin typeface="Consolas" panose="020B0609020204030204" pitchFamily="49" charset="0"/>
-                <a:cs typeface="Consolas" panose="020B0609020204030204" pitchFamily="49" charset="0"/>
-              </a:rPr>
-              <a:t>eyePos.</a:t>
-            </a:r>
-            <a:r>
-              <a:rPr lang="en-US" b="1" dirty="0" err="1" smtClean="0">
-                <a:latin typeface="Consolas" panose="020B0609020204030204" pitchFamily="49" charset="0"/>
-                <a:cs typeface="Consolas" panose="020B0609020204030204" pitchFamily="49" charset="0"/>
-              </a:rPr>
-              <a:t>minus</a:t>
-            </a:r>
-            <a:r>
-              <a:rPr lang="en-US" dirty="0" smtClean="0">
-                <a:latin typeface="Consolas" panose="020B0609020204030204" pitchFamily="49" charset="0"/>
-                <a:cs typeface="Consolas" panose="020B0609020204030204" pitchFamily="49" charset="0"/>
-              </a:rPr>
-              <a:t>(</a:t>
-            </a:r>
-            <a:r>
-              <a:rPr lang="en-US" dirty="0" err="1" smtClean="0">
-                <a:latin typeface="Consolas" panose="020B0609020204030204" pitchFamily="49" charset="0"/>
-                <a:cs typeface="Consolas" panose="020B0609020204030204" pitchFamily="49" charset="0"/>
-              </a:rPr>
-              <a:t>pos</a:t>
-            </a:r>
-            <a:r>
-              <a:rPr lang="en-US" dirty="0" smtClean="0">
-                <a:latin typeface="Consolas" panose="020B0609020204030204" pitchFamily="49" charset="0"/>
-                <a:cs typeface="Consolas" panose="020B0609020204030204" pitchFamily="49" charset="0"/>
-              </a:rPr>
-              <a:t>);</a:t>
-            </a:r>
-            <a:endParaRPr lang="en-US" dirty="0">
-              <a:latin typeface="Consolas" panose="020B0609020204030204" pitchFamily="49" charset="0"/>
-              <a:cs typeface="Consolas" panose="020B0609020204030204" pitchFamily="49" charset="0"/>
-            </a:endParaRPr>
-          </a:p>
-        </p:txBody>
-      </p:sp>
-      <p:sp>
-        <p:nvSpPr>
           <p:cNvPr id="20" name="TextBox 19"/>
           <p:cNvSpPr txBox="1"/>
           <p:nvPr/>
@@ -11124,7 +10678,7 @@
           <a:lstStyle/>
           <a:p>
             <a:r>
-              <a:rPr lang="en-US" sz="2000" dirty="0" smtClean="0">
+              <a:rPr lang="en-US" sz="2000" dirty="0">
                 <a:solidFill>
                   <a:srgbClr val="FF0000"/>
                 </a:solidFill>
@@ -11133,46 +10687,6 @@
               <a:t>GLSL</a:t>
             </a:r>
             <a:endParaRPr lang="en-US" sz="3600" dirty="0">
-              <a:solidFill>
-                <a:srgbClr val="FF0000"/>
-              </a:solidFill>
-              <a:latin typeface="Whipsmart" panose="020B0502030203050204" pitchFamily="34" charset="0"/>
-            </a:endParaRPr>
-          </a:p>
-        </p:txBody>
-      </p:sp>
-      <p:sp>
-        <p:nvSpPr>
-          <p:cNvPr id="26" name="TextBox 25"/>
-          <p:cNvSpPr txBox="1"/>
-          <p:nvPr/>
-        </p:nvSpPr>
-        <p:spPr>
-          <a:xfrm>
-            <a:off x="10948165" y="5516596"/>
-            <a:ext cx="1172116" cy="400110"/>
-          </a:xfrm>
-          <a:prstGeom prst="rect">
-            <a:avLst/>
-          </a:prstGeom>
-          <a:noFill/>
-        </p:spPr>
-        <p:txBody>
-          <a:bodyPr wrap="none" rtlCol="0">
-            <a:spAutoFit/>
-          </a:bodyPr>
-          <a:lstStyle/>
-          <a:p>
-            <a:r>
-              <a:rPr lang="en-US" sz="2000" dirty="0" smtClean="0">
-                <a:solidFill>
-                  <a:srgbClr val="FF0000"/>
-                </a:solidFill>
-                <a:latin typeface="Whipsmart" panose="020B0502030203050204" pitchFamily="34" charset="0"/>
-              </a:rPr>
-              <a:t>JavaScript</a:t>
-            </a:r>
-            <a:endParaRPr lang="en-US" sz="2000" dirty="0">
               <a:solidFill>
                 <a:srgbClr val="FF0000"/>
               </a:solidFill>
@@ -11375,59 +10889,6 @@
                       </p:childTnLst>
                     </p:cTn>
                   </p:par>
-                  <p:par>
-                    <p:cTn id="19" fill="hold">
-                      <p:stCondLst>
-                        <p:cond delay="indefinite"/>
-                      </p:stCondLst>
-                      <p:childTnLst>
-                        <p:par>
-                          <p:cTn id="20" fill="hold">
-                            <p:stCondLst>
-                              <p:cond delay="0"/>
-                            </p:stCondLst>
-                            <p:childTnLst>
-                              <p:par>
-                                <p:cTn id="21" presetID="10" presetClass="entr" presetSubtype="0" fill="hold" grpId="0" nodeType="clickEffect">
-                                  <p:stCondLst>
-                                    <p:cond delay="0"/>
-                                  </p:stCondLst>
-                                  <p:childTnLst>
-                                    <p:set>
-                                      <p:cBhvr>
-                                        <p:cTn id="22" dur="1" fill="hold">
-                                          <p:stCondLst>
-                                            <p:cond delay="0"/>
-                                          </p:stCondLst>
-                                        </p:cTn>
-                                        <p:tgtEl>
-                                          <p:spTgt spid="18"/>
-                                        </p:tgtEl>
-                                        <p:attrNameLst>
-                                          <p:attrName>style.visibility</p:attrName>
-                                        </p:attrNameLst>
-                                      </p:cBhvr>
-                                      <p:to>
-                                        <p:strVal val="visible"/>
-                                      </p:to>
-                                    </p:set>
-                                    <p:animEffect transition="in" filter="fade">
-                                      <p:cBhvr>
-                                        <p:cTn id="23" dur="500"/>
-                                        <p:tgtEl>
-                                          <p:spTgt spid="18"/>
-                                        </p:tgtEl>
-                                      </p:cBhvr>
-                                    </p:animEffect>
-                                  </p:childTnLst>
-                                </p:cTn>
-                              </p:par>
-                            </p:childTnLst>
-                          </p:cTn>
-                        </p:par>
-                      </p:childTnLst>
-                    </p:cTn>
-                  </p:par>
                 </p:childTnLst>
               </p:cTn>
               <p:prevCondLst>
@@ -11454,7 +10915,6 @@
       <p:bldP spid="13" grpId="0" animBg="1"/>
       <p:bldP spid="14" grpId="0" animBg="1"/>
       <p:bldP spid="17" grpId="0" animBg="1"/>
-      <p:bldP spid="18" grpId="0" animBg="1"/>
     </p:bldLst>
   </p:timing>
 </p:sld>
@@ -11493,10 +10953,9 @@
           <a:lstStyle/>
           <a:p>
             <a:r>
-              <a:rPr lang="en-US" dirty="0" smtClean="0"/>
+              <a:rPr lang="en-US" dirty="0"/>
               <a:t>Vector length</a:t>
             </a:r>
-            <a:endParaRPr lang="en-US" dirty="0"/>
           </a:p>
         </p:txBody>
       </p:sp>
@@ -11645,7 +11104,7 @@
           <a:lstStyle/>
           <a:p>
             <a:r>
-              <a:rPr lang="hu-HU" dirty="0" err="1" smtClean="0">
+              <a:rPr lang="hu-HU" dirty="0" err="1">
                 <a:latin typeface="Consolas" panose="020B0609020204030204" pitchFamily="49" charset="0"/>
                 <a:cs typeface="Consolas" panose="020B0609020204030204" pitchFamily="49" charset="0"/>
               </a:rPr>
@@ -11663,47 +11122,36 @@
                 <a:latin typeface="Consolas" panose="020B0609020204030204" pitchFamily="49" charset="0"/>
                 <a:cs typeface="Consolas" panose="020B0609020204030204" pitchFamily="49" charset="0"/>
               </a:rPr>
-              <a:t> </a:t>
-            </a:r>
-            <a:r>
-              <a:rPr lang="en-US" dirty="0" smtClean="0">
+              <a:t> = </a:t>
+            </a:r>
+            <a:r>
+              <a:rPr lang="hu-HU" dirty="0" err="1">
                 <a:latin typeface="Consolas" panose="020B0609020204030204" pitchFamily="49" charset="0"/>
                 <a:cs typeface="Consolas" panose="020B0609020204030204" pitchFamily="49" charset="0"/>
               </a:rPr>
-              <a:t>= </a:t>
-            </a:r>
-            <a:r>
-              <a:rPr lang="hu-HU" dirty="0" err="1" smtClean="0">
+              <a:t>length</a:t>
+            </a:r>
+            <a:r>
+              <a:rPr lang="hu-HU" dirty="0">
                 <a:latin typeface="Consolas" panose="020B0609020204030204" pitchFamily="49" charset="0"/>
                 <a:cs typeface="Consolas" panose="020B0609020204030204" pitchFamily="49" charset="0"/>
               </a:rPr>
-              <a:t>length</a:t>
-            </a:r>
-            <a:r>
-              <a:rPr lang="hu-HU" dirty="0" smtClean="0">
+              <a:t>(</a:t>
+            </a:r>
+            <a:r>
+              <a:rPr lang="en-US" dirty="0" err="1">
                 <a:latin typeface="Consolas" panose="020B0609020204030204" pitchFamily="49" charset="0"/>
                 <a:cs typeface="Consolas" panose="020B0609020204030204" pitchFamily="49" charset="0"/>
               </a:rPr>
-              <a:t>(</a:t>
-            </a:r>
-            <a:r>
-              <a:rPr lang="en-US" dirty="0" err="1" smtClean="0">
+              <a:t>viewDiff</a:t>
+            </a:r>
+            <a:r>
+              <a:rPr lang="en-US" dirty="0">
                 <a:latin typeface="Consolas" panose="020B0609020204030204" pitchFamily="49" charset="0"/>
                 <a:cs typeface="Consolas" panose="020B0609020204030204" pitchFamily="49" charset="0"/>
               </a:rPr>
-              <a:t>viewDiff</a:t>
-            </a:r>
-            <a:r>
-              <a:rPr lang="en-US" dirty="0" smtClean="0">
-                <a:latin typeface="Consolas" panose="020B0609020204030204" pitchFamily="49" charset="0"/>
-                <a:cs typeface="Consolas" panose="020B0609020204030204" pitchFamily="49" charset="0"/>
-              </a:rPr>
               <a:t>);</a:t>
             </a:r>
-            <a:endParaRPr lang="en-US" dirty="0">
-              <a:latin typeface="Consolas" panose="020B0609020204030204" pitchFamily="49" charset="0"/>
-              <a:cs typeface="Consolas" panose="020B0609020204030204" pitchFamily="49" charset="0"/>
-            </a:endParaRPr>
           </a:p>
         </p:txBody>
       </p:sp>
@@ -11849,91 +11297,6 @@
           </a:prstGeom>
         </p:spPr>
       </p:pic>
-      <p:sp>
-        <p:nvSpPr>
-          <p:cNvPr id="11" name="Rectangle 11"/>
-          <p:cNvSpPr>
-            <a:spLocks noChangeArrowheads="1"/>
-          </p:cNvSpPr>
-          <p:nvPr/>
-        </p:nvSpPr>
-        <p:spPr bwMode="auto">
-          <a:xfrm>
-            <a:off x="7067667" y="5081588"/>
-            <a:ext cx="4779981" cy="883308"/>
-          </a:xfrm>
-          <a:prstGeom prst="rect">
-            <a:avLst/>
-          </a:prstGeom>
-          <a:solidFill>
-            <a:schemeClr val="tx2">
-              <a:lumMod val="20000"/>
-              <a:lumOff val="80000"/>
-            </a:schemeClr>
-          </a:solidFill>
-          <a:ln w="9525">
-            <a:solidFill>
-              <a:schemeClr val="tx1"/>
-            </a:solidFill>
-            <a:miter lim="800000"/>
-            <a:headEnd/>
-            <a:tailEnd/>
-          </a:ln>
-          <a:effectLst/>
-        </p:spPr>
-        <p:txBody>
-          <a:bodyPr wrap="none" anchor="ctr"/>
-          <a:lstStyle/>
-          <a:p>
-            <a:r>
-              <a:rPr lang="en-US" dirty="0" err="1" smtClean="0">
-                <a:latin typeface="Consolas" panose="020B0609020204030204" pitchFamily="49" charset="0"/>
-                <a:cs typeface="Consolas" panose="020B0609020204030204" pitchFamily="49" charset="0"/>
-              </a:rPr>
-              <a:t>eyeDist</a:t>
-            </a:r>
-            <a:r>
-              <a:rPr lang="en-US" dirty="0" smtClean="0">
-                <a:latin typeface="Consolas" panose="020B0609020204030204" pitchFamily="49" charset="0"/>
-                <a:cs typeface="Consolas" panose="020B0609020204030204" pitchFamily="49" charset="0"/>
-              </a:rPr>
-              <a:t> </a:t>
-            </a:r>
-            <a:r>
-              <a:rPr lang="en-US" dirty="0">
-                <a:latin typeface="Consolas" panose="020B0609020204030204" pitchFamily="49" charset="0"/>
-                <a:cs typeface="Consolas" panose="020B0609020204030204" pitchFamily="49" charset="0"/>
-              </a:rPr>
-              <a:t>= </a:t>
-            </a:r>
-            <a:r>
-              <a:rPr lang="en-US" dirty="0" err="1" smtClean="0">
-                <a:latin typeface="Consolas" panose="020B0609020204030204" pitchFamily="49" charset="0"/>
-                <a:cs typeface="Consolas" panose="020B0609020204030204" pitchFamily="49" charset="0"/>
-              </a:rPr>
-              <a:t>viewDiff.length</a:t>
-            </a:r>
-            <a:r>
-              <a:rPr lang="hu-HU" dirty="0" smtClean="0">
-                <a:latin typeface="Consolas" panose="020B0609020204030204" pitchFamily="49" charset="0"/>
-                <a:cs typeface="Consolas" panose="020B0609020204030204" pitchFamily="49" charset="0"/>
-              </a:rPr>
-              <a:t>()</a:t>
-            </a:r>
-            <a:r>
-              <a:rPr lang="en-US" dirty="0" smtClean="0">
-                <a:latin typeface="Consolas" panose="020B0609020204030204" pitchFamily="49" charset="0"/>
-                <a:cs typeface="Consolas" panose="020B0609020204030204" pitchFamily="49" charset="0"/>
-              </a:rPr>
-              <a:t>;</a:t>
-            </a:r>
-            <a:endParaRPr lang="en-US" dirty="0">
-              <a:latin typeface="Consolas" panose="020B0609020204030204" pitchFamily="49" charset="0"/>
-              <a:cs typeface="Consolas" panose="020B0609020204030204" pitchFamily="49" charset="0"/>
-            </a:endParaRPr>
-          </a:p>
-        </p:txBody>
-      </p:sp>
     </p:spTree>
     <p:extLst>
       <p:ext uri="{BB962C8B-B14F-4D97-AF65-F5344CB8AC3E}">
@@ -12005,59 +11368,6 @@
                       </p:childTnLst>
                     </p:cTn>
                   </p:par>
-                  <p:par>
-                    <p:cTn id="8" fill="hold">
-                      <p:stCondLst>
-                        <p:cond delay="indefinite"/>
-                      </p:stCondLst>
-                      <p:childTnLst>
-                        <p:par>
-                          <p:cTn id="9" fill="hold">
-                            <p:stCondLst>
-                              <p:cond delay="0"/>
-                            </p:stCondLst>
-                            <p:childTnLst>
-                              <p:par>
-                                <p:cTn id="10" presetID="10" presetClass="entr" presetSubtype="0" fill="hold" grpId="0" nodeType="clickEffect">
-                                  <p:stCondLst>
-                                    <p:cond delay="0"/>
-                                  </p:stCondLst>
-                                  <p:childTnLst>
-                                    <p:set>
-                                      <p:cBhvr>
-                                        <p:cTn id="11" dur="1" fill="hold">
-                                          <p:stCondLst>
-                                            <p:cond delay="0"/>
-                                          </p:stCondLst>
-                                        </p:cTn>
-                                        <p:tgtEl>
-                                          <p:spTgt spid="11"/>
-                                        </p:tgtEl>
-                                        <p:attrNameLst>
-                                          <p:attrName>style.visibility</p:attrName>
-                                        </p:attrNameLst>
-                                      </p:cBhvr>
-                                      <p:to>
-                                        <p:strVal val="visible"/>
-                                      </p:to>
-                                    </p:set>
-                                    <p:animEffect transition="in" filter="fade">
-                                      <p:cBhvr>
-                                        <p:cTn id="12" dur="500"/>
-                                        <p:tgtEl>
-                                          <p:spTgt spid="11"/>
-                                        </p:tgtEl>
-                                      </p:cBhvr>
-                                    </p:animEffect>
-                                  </p:childTnLst>
-                                </p:cTn>
-                              </p:par>
-                            </p:childTnLst>
-                          </p:cTn>
-                        </p:par>
-                      </p:childTnLst>
-                    </p:cTn>
-                  </p:par>
                 </p:childTnLst>
               </p:cTn>
               <p:prevCondLst>
@@ -12081,7 +11391,6 @@
     </p:tnLst>
     <p:bldLst>
       <p:bldP spid="10" grpId="0" animBg="1"/>
-      <p:bldP spid="11" grpId="0" animBg="1"/>
     </p:bldLst>
   </p:timing>
 </p:sld>
@@ -12120,18 +11429,17 @@
           <a:lstStyle/>
           <a:p>
             <a:r>
-              <a:rPr lang="en-US" dirty="0" smtClean="0"/>
+              <a:rPr lang="en-US" dirty="0"/>
               <a:t>Scaling</a:t>
             </a:r>
             <a:r>
-              <a:rPr lang="hu-HU" dirty="0" smtClean="0"/>
+              <a:rPr lang="hu-HU" dirty="0"/>
               <a:t> </a:t>
             </a:r>
             <a:r>
-              <a:rPr lang="en-US" dirty="0" smtClean="0"/>
+              <a:rPr lang="en-US" dirty="0"/>
               <a:t>(vector times scalar)</a:t>
             </a:r>
-            <a:endParaRPr lang="en-US" dirty="0"/>
           </a:p>
         </p:txBody>
       </p:sp>
@@ -12339,37 +11647,30 @@
           <a:lstStyle/>
           <a:p>
             <a:r>
-              <a:rPr lang="hu-HU" dirty="0" smtClean="0">
+              <a:rPr lang="hu-HU" dirty="0">
                 <a:latin typeface="Consolas" panose="020B0609020204030204" pitchFamily="49" charset="0"/>
                 <a:cs typeface="Consolas" panose="020B0609020204030204" pitchFamily="49" charset="0"/>
               </a:rPr>
               <a:t>vec3</a:t>
-            </a:r>
-            <a:r>
-              <a:rPr lang="en-US" dirty="0" smtClean="0">
-                <a:latin typeface="Consolas" panose="020B0609020204030204" pitchFamily="49" charset="0"/>
-                <a:cs typeface="Consolas" panose="020B0609020204030204" pitchFamily="49" charset="0"/>
-              </a:rPr>
-              <a:t> </a:t>
             </a:r>
             <a:r>
               <a:rPr lang="en-US" dirty="0">
                 <a:latin typeface="Consolas" panose="020B0609020204030204" pitchFamily="49" charset="0"/>
                 <a:cs typeface="Consolas" panose="020B0609020204030204" pitchFamily="49" charset="0"/>
               </a:rPr>
-              <a:t>v;</a:t>
-            </a:r>
-          </a:p>
-          <a:p>
-            <a:r>
-              <a:rPr lang="hu-HU" dirty="0" smtClean="0">
+              <a:t> v;</a:t>
+            </a:r>
+          </a:p>
+          <a:p>
+            <a:r>
+              <a:rPr lang="hu-HU" dirty="0">
                 <a:latin typeface="Consolas" panose="020B0609020204030204" pitchFamily="49" charset="0"/>
                 <a:cs typeface="Consolas" panose="020B0609020204030204" pitchFamily="49" charset="0"/>
               </a:rPr>
               <a:t>vec3</a:t>
             </a:r>
             <a:r>
-              <a:rPr lang="en-US" dirty="0" smtClean="0">
+              <a:rPr lang="en-US" dirty="0">
                 <a:latin typeface="Consolas" panose="020B0609020204030204" pitchFamily="49" charset="0"/>
                 <a:cs typeface="Consolas" panose="020B0609020204030204" pitchFamily="49" charset="0"/>
               </a:rPr>
@@ -12387,40 +11688,22 @@
                 <a:latin typeface="Consolas" panose="020B0609020204030204" pitchFamily="49" charset="0"/>
                 <a:cs typeface="Consolas" panose="020B0609020204030204" pitchFamily="49" charset="0"/>
               </a:rPr>
-              <a:t> </a:t>
-            </a:r>
-            <a:r>
-              <a:rPr lang="en-US" dirty="0" smtClean="0">
+              <a:t> = v * </a:t>
+            </a:r>
+            <a:r>
+              <a:rPr lang="hu-HU" dirty="0">
                 <a:latin typeface="Consolas" panose="020B0609020204030204" pitchFamily="49" charset="0"/>
                 <a:cs typeface="Consolas" panose="020B0609020204030204" pitchFamily="49" charset="0"/>
               </a:rPr>
-              <a:t>= v </a:t>
+              <a:t>1.5</a:t>
             </a:r>
             <a:r>
               <a:rPr lang="en-US" dirty="0">
                 <a:latin typeface="Consolas" panose="020B0609020204030204" pitchFamily="49" charset="0"/>
                 <a:cs typeface="Consolas" panose="020B0609020204030204" pitchFamily="49" charset="0"/>
               </a:rPr>
-              <a:t>* </a:t>
-            </a:r>
-            <a:r>
-              <a:rPr lang="hu-HU" dirty="0" smtClean="0">
-                <a:latin typeface="Consolas" panose="020B0609020204030204" pitchFamily="49" charset="0"/>
-                <a:cs typeface="Consolas" panose="020B0609020204030204" pitchFamily="49" charset="0"/>
-              </a:rPr>
-              <a:t>1.5</a:t>
-            </a:r>
-            <a:r>
-              <a:rPr lang="en-US" dirty="0" smtClean="0">
-                <a:latin typeface="Consolas" panose="020B0609020204030204" pitchFamily="49" charset="0"/>
-                <a:cs typeface="Consolas" panose="020B0609020204030204" pitchFamily="49" charset="0"/>
-              </a:rPr>
               <a:t>;</a:t>
             </a:r>
-            <a:endParaRPr lang="en-US" dirty="0">
-              <a:latin typeface="Consolas" panose="020B0609020204030204" pitchFamily="49" charset="0"/>
-              <a:cs typeface="Consolas" panose="020B0609020204030204" pitchFamily="49" charset="0"/>
-            </a:endParaRPr>
           </a:p>
         </p:txBody>
       </p:sp>
@@ -12561,91 +11844,6 @@
           </a:prstGeom>
         </p:spPr>
       </p:pic>
-      <p:sp>
-        <p:nvSpPr>
-          <p:cNvPr id="11" name="Rectangle 11"/>
-          <p:cNvSpPr>
-            <a:spLocks noChangeArrowheads="1"/>
-          </p:cNvSpPr>
-          <p:nvPr/>
-        </p:nvSpPr>
-        <p:spPr bwMode="auto">
-          <a:xfrm>
-            <a:off x="7848600" y="5178086"/>
-            <a:ext cx="4244789" cy="783049"/>
-          </a:xfrm>
-          <a:prstGeom prst="rect">
-            <a:avLst/>
-          </a:prstGeom>
-          <a:solidFill>
-            <a:schemeClr val="tx2">
-              <a:lumMod val="20000"/>
-              <a:lumOff val="80000"/>
-            </a:schemeClr>
-          </a:solidFill>
-          <a:ln w="9525">
-            <a:solidFill>
-              <a:schemeClr val="tx1"/>
-            </a:solidFill>
-            <a:miter lim="800000"/>
-            <a:headEnd/>
-            <a:tailEnd/>
-          </a:ln>
-          <a:effectLst/>
-        </p:spPr>
-        <p:txBody>
-          <a:bodyPr wrap="none" anchor="ctr"/>
-          <a:lstStyle/>
-          <a:p>
-            <a:r>
-              <a:rPr lang="en-US" dirty="0" err="1" smtClean="0">
-                <a:latin typeface="Consolas" panose="020B0609020204030204" pitchFamily="49" charset="0"/>
-                <a:cs typeface="Consolas" panose="020B0609020204030204" pitchFamily="49" charset="0"/>
-              </a:rPr>
-              <a:t>vScaled</a:t>
-            </a:r>
-            <a:r>
-              <a:rPr lang="en-US" dirty="0" smtClean="0">
-                <a:latin typeface="Consolas" panose="020B0609020204030204" pitchFamily="49" charset="0"/>
-                <a:cs typeface="Consolas" panose="020B0609020204030204" pitchFamily="49" charset="0"/>
-              </a:rPr>
-              <a:t> </a:t>
-            </a:r>
-            <a:r>
-              <a:rPr lang="en-US" dirty="0">
-                <a:latin typeface="Consolas" panose="020B0609020204030204" pitchFamily="49" charset="0"/>
-                <a:cs typeface="Consolas" panose="020B0609020204030204" pitchFamily="49" charset="0"/>
-              </a:rPr>
-              <a:t>= </a:t>
-            </a:r>
-            <a:r>
-              <a:rPr lang="en-US" dirty="0" smtClean="0">
-                <a:latin typeface="Consolas" panose="020B0609020204030204" pitchFamily="49" charset="0"/>
-                <a:cs typeface="Consolas" panose="020B0609020204030204" pitchFamily="49" charset="0"/>
-              </a:rPr>
-              <a:t>v.</a:t>
-            </a:r>
-            <a:r>
-              <a:rPr lang="hu-HU" b="1" dirty="0" err="1" smtClean="0">
-                <a:latin typeface="Consolas" panose="020B0609020204030204" pitchFamily="49" charset="0"/>
-                <a:cs typeface="Consolas" panose="020B0609020204030204" pitchFamily="49" charset="0"/>
-              </a:rPr>
-              <a:t>times</a:t>
-            </a:r>
-            <a:r>
-              <a:rPr lang="en-US" dirty="0" smtClean="0">
-                <a:latin typeface="Consolas" panose="020B0609020204030204" pitchFamily="49" charset="0"/>
-                <a:cs typeface="Consolas" panose="020B0609020204030204" pitchFamily="49" charset="0"/>
-              </a:rPr>
-              <a:t>(1.5);</a:t>
-            </a:r>
-            <a:endParaRPr lang="en-US" dirty="0">
-              <a:latin typeface="Consolas" panose="020B0609020204030204" pitchFamily="49" charset="0"/>
-              <a:cs typeface="Consolas" panose="020B0609020204030204" pitchFamily="49" charset="0"/>
-            </a:endParaRPr>
-          </a:p>
-        </p:txBody>
-      </p:sp>
     </p:spTree>
     <p:extLst>
       <p:ext uri="{BB962C8B-B14F-4D97-AF65-F5344CB8AC3E}">
@@ -12717,59 +11915,6 @@
                       </p:childTnLst>
                     </p:cTn>
                   </p:par>
-                  <p:par>
-                    <p:cTn id="8" fill="hold">
-                      <p:stCondLst>
-                        <p:cond delay="indefinite"/>
-                      </p:stCondLst>
-                      <p:childTnLst>
-                        <p:par>
-                          <p:cTn id="9" fill="hold">
-                            <p:stCondLst>
-                              <p:cond delay="0"/>
-                            </p:stCondLst>
-                            <p:childTnLst>
-                              <p:par>
-                                <p:cTn id="10" presetID="10" presetClass="entr" presetSubtype="0" fill="hold" grpId="0" nodeType="clickEffect">
-                                  <p:stCondLst>
-                                    <p:cond delay="0"/>
-                                  </p:stCondLst>
-                                  <p:childTnLst>
-                                    <p:set>
-                                      <p:cBhvr>
-                                        <p:cTn id="11" dur="1" fill="hold">
-                                          <p:stCondLst>
-                                            <p:cond delay="0"/>
-                                          </p:stCondLst>
-                                        </p:cTn>
-                                        <p:tgtEl>
-                                          <p:spTgt spid="11"/>
-                                        </p:tgtEl>
-                                        <p:attrNameLst>
-                                          <p:attrName>style.visibility</p:attrName>
-                                        </p:attrNameLst>
-                                      </p:cBhvr>
-                                      <p:to>
-                                        <p:strVal val="visible"/>
-                                      </p:to>
-                                    </p:set>
-                                    <p:animEffect transition="in" filter="fade">
-                                      <p:cBhvr>
-                                        <p:cTn id="12" dur="500"/>
-                                        <p:tgtEl>
-                                          <p:spTgt spid="11"/>
-                                        </p:tgtEl>
-                                      </p:cBhvr>
-                                    </p:animEffect>
-                                  </p:childTnLst>
-                                </p:cTn>
-                              </p:par>
-                            </p:childTnLst>
-                          </p:cTn>
-                        </p:par>
-                      </p:childTnLst>
-                    </p:cTn>
-                  </p:par>
                 </p:childTnLst>
               </p:cTn>
               <p:prevCondLst>
@@ -12793,7 +11938,6 @@
     </p:tnLst>
     <p:bldLst>
       <p:bldP spid="10" grpId="0" animBg="1"/>
-      <p:bldP spid="11" grpId="0" animBg="1"/>
     </p:bldLst>
   </p:timing>
 </p:sld>
@@ -12832,10 +11976,9 @@
           <a:lstStyle/>
           <a:p>
             <a:r>
-              <a:rPr lang="en-US" dirty="0" smtClean="0"/>
+              <a:rPr lang="en-US" dirty="0"/>
               <a:t>Normalization</a:t>
             </a:r>
-            <a:endParaRPr lang="en-US" dirty="0"/>
           </a:p>
         </p:txBody>
       </p:sp>
@@ -13062,7 +12205,7 @@
           <a:p>
             <a:pPr algn="ctr"/>
             <a:r>
-              <a:rPr lang="en-US" dirty="0" smtClean="0">
+              <a:rPr lang="en-US" dirty="0">
                 <a:latin typeface="Whipsmart" panose="020B0502030203050204" pitchFamily="34" charset="0"/>
               </a:rPr>
               <a:t>view direction</a:t>
@@ -13077,22 +12220,16 @@
               <a:rPr lang="hu-HU" dirty="0">
                 <a:latin typeface="Whipsmart" panose="020B0502030203050204" pitchFamily="34" charset="0"/>
               </a:rPr>
-              <a:t>(</a:t>
-            </a:r>
-            <a:r>
-              <a:rPr lang="hu-HU" dirty="0" smtClean="0">
+              <a:t>(normal</a:t>
+            </a:r>
+            <a:r>
+              <a:rPr lang="en-US" dirty="0" err="1">
                 <a:latin typeface="Whipsmart" panose="020B0502030203050204" pitchFamily="34" charset="0"/>
               </a:rPr>
-              <a:t>normal</a:t>
-            </a:r>
-            <a:r>
-              <a:rPr lang="en-US" dirty="0" err="1" smtClean="0">
-                <a:latin typeface="Whipsmart" panose="020B0502030203050204" pitchFamily="34" charset="0"/>
-              </a:rPr>
               <a:t>ized</a:t>
             </a:r>
             <a:r>
-              <a:rPr lang="hu-HU" dirty="0" smtClean="0">
+              <a:rPr lang="hu-HU" dirty="0">
                 <a:latin typeface="Whipsmart" panose="020B0502030203050204" pitchFamily="34" charset="0"/>
               </a:rPr>
               <a:t>)</a:t>
@@ -13204,67 +12341,56 @@
               <a:t>	</a:t>
             </a:r>
             <a:r>
-              <a:rPr lang="hu-HU" dirty="0" err="1" smtClean="0">
+              <a:rPr lang="hu-HU" dirty="0" err="1">
                 <a:latin typeface="Consolas" panose="020B0609020204030204" pitchFamily="49" charset="0"/>
                 <a:cs typeface="Consolas" panose="020B0609020204030204" pitchFamily="49" charset="0"/>
               </a:rPr>
               <a:t>length</a:t>
-            </a:r>
-            <a:r>
-              <a:rPr lang="hu-HU" dirty="0" smtClean="0">
-                <a:latin typeface="Consolas" panose="020B0609020204030204" pitchFamily="49" charset="0"/>
-                <a:cs typeface="Consolas" panose="020B0609020204030204" pitchFamily="49" charset="0"/>
-              </a:rPr>
-              <a:t>(</a:t>
-            </a:r>
-            <a:r>
-              <a:rPr lang="en-US" dirty="0" err="1" smtClean="0">
-                <a:latin typeface="Consolas" panose="020B0609020204030204" pitchFamily="49" charset="0"/>
-                <a:cs typeface="Consolas" panose="020B0609020204030204" pitchFamily="49" charset="0"/>
-              </a:rPr>
-              <a:t>viewDiff</a:t>
-            </a:r>
-            <a:r>
-              <a:rPr lang="en-US" dirty="0" smtClean="0">
-                <a:latin typeface="Consolas" panose="020B0609020204030204" pitchFamily="49" charset="0"/>
-                <a:cs typeface="Consolas" panose="020B0609020204030204" pitchFamily="49" charset="0"/>
-              </a:rPr>
-              <a:t>);</a:t>
-            </a:r>
-            <a:endParaRPr lang="en-US" dirty="0">
-              <a:latin typeface="Consolas" panose="020B0609020204030204" pitchFamily="49" charset="0"/>
-              <a:cs typeface="Consolas" panose="020B0609020204030204" pitchFamily="49" charset="0"/>
-            </a:endParaRPr>
-          </a:p>
-          <a:p>
-            <a:r>
-              <a:rPr lang="hu-HU" dirty="0" smtClean="0">
-                <a:latin typeface="Consolas" panose="020B0609020204030204" pitchFamily="49" charset="0"/>
-                <a:cs typeface="Consolas" panose="020B0609020204030204" pitchFamily="49" charset="0"/>
-              </a:rPr>
-              <a:t>vec3 </a:t>
             </a:r>
             <a:r>
               <a:rPr lang="hu-HU" dirty="0">
                 <a:latin typeface="Consolas" panose="020B0609020204030204" pitchFamily="49" charset="0"/>
                 <a:cs typeface="Consolas" panose="020B0609020204030204" pitchFamily="49" charset="0"/>
               </a:rPr>
-              <a:t>viewDir </a:t>
+              <a:t>(</a:t>
+            </a:r>
+            <a:r>
+              <a:rPr lang="en-US" dirty="0" err="1">
+                <a:latin typeface="Consolas" panose="020B0609020204030204" pitchFamily="49" charset="0"/>
+                <a:cs typeface="Consolas" panose="020B0609020204030204" pitchFamily="49" charset="0"/>
+              </a:rPr>
+              <a:t>viewDiff</a:t>
             </a:r>
             <a:r>
               <a:rPr lang="en-US" dirty="0">
                 <a:latin typeface="Consolas" panose="020B0609020204030204" pitchFamily="49" charset="0"/>
                 <a:cs typeface="Consolas" panose="020B0609020204030204" pitchFamily="49" charset="0"/>
               </a:rPr>
-              <a:t>=</a:t>
-            </a:r>
-          </a:p>
-          <a:p>
+              <a:t>);</a:t>
+            </a:r>
+          </a:p>
+          <a:p>
+            <a:r>
+              <a:rPr lang="hu-HU" dirty="0">
+                <a:latin typeface="Consolas" panose="020B0609020204030204" pitchFamily="49" charset="0"/>
+                <a:cs typeface="Consolas" panose="020B0609020204030204" pitchFamily="49" charset="0"/>
+              </a:rPr>
+              <a:t>vec3 viewDir </a:t>
+            </a:r>
             <a:r>
               <a:rPr lang="en-US" dirty="0">
                 <a:latin typeface="Consolas" panose="020B0609020204030204" pitchFamily="49" charset="0"/>
                 <a:cs typeface="Consolas" panose="020B0609020204030204" pitchFamily="49" charset="0"/>
               </a:rPr>
+              <a:t>=</a:t>
+            </a:r>
+          </a:p>
+          <a:p>
+            <a:r>
+              <a:rPr lang="en-US" dirty="0">
+                <a:latin typeface="Consolas" panose="020B0609020204030204" pitchFamily="49" charset="0"/>
+                <a:cs typeface="Consolas" panose="020B0609020204030204" pitchFamily="49" charset="0"/>
+              </a:rPr>
               <a:t>	</a:t>
             </a:r>
             <a:r>
@@ -13307,14 +12433,14 @@
           </a:p>
           <a:p>
             <a:r>
-              <a:rPr lang="hu-HU" dirty="0" smtClean="0">
+              <a:rPr lang="hu-HU" dirty="0">
                 <a:latin typeface="Consolas" panose="020B0609020204030204" pitchFamily="49" charset="0"/>
                 <a:cs typeface="Consolas" panose="020B0609020204030204" pitchFamily="49" charset="0"/>
               </a:rPr>
               <a:t>vec3</a:t>
             </a:r>
             <a:r>
-              <a:rPr lang="en-US" dirty="0" smtClean="0">
+              <a:rPr lang="en-US" dirty="0">
                 <a:latin typeface="Consolas" panose="020B0609020204030204" pitchFamily="49" charset="0"/>
                 <a:cs typeface="Consolas" panose="020B0609020204030204" pitchFamily="49" charset="0"/>
               </a:rPr>
@@ -13344,37 +12470,33 @@
               <a:t>	</a:t>
             </a:r>
             <a:r>
-              <a:rPr lang="hu-HU" dirty="0" err="1" smtClean="0">
+              <a:rPr lang="hu-HU" dirty="0" err="1">
                 <a:latin typeface="Consolas" panose="020B0609020204030204" pitchFamily="49" charset="0"/>
                 <a:cs typeface="Consolas" panose="020B0609020204030204" pitchFamily="49" charset="0"/>
               </a:rPr>
               <a:t>normalize</a:t>
             </a:r>
             <a:r>
-              <a:rPr lang="hu-HU" dirty="0" smtClean="0">
+              <a:rPr lang="hu-HU" dirty="0">
                 <a:latin typeface="Consolas" panose="020B0609020204030204" pitchFamily="49" charset="0"/>
                 <a:cs typeface="Consolas" panose="020B0609020204030204" pitchFamily="49" charset="0"/>
               </a:rPr>
               <a:t>(</a:t>
             </a:r>
             <a:r>
-              <a:rPr lang="en-US" dirty="0" err="1" smtClean="0">
+              <a:rPr lang="en-US" dirty="0" err="1">
                 <a:latin typeface="Consolas" panose="020B0609020204030204" pitchFamily="49" charset="0"/>
                 <a:cs typeface="Consolas" panose="020B0609020204030204" pitchFamily="49" charset="0"/>
               </a:rPr>
               <a:t>viewDiff</a:t>
             </a:r>
             <a:r>
-              <a:rPr lang="en-US" dirty="0" smtClean="0">
+              <a:rPr lang="en-US" dirty="0">
                 <a:latin typeface="Consolas" panose="020B0609020204030204" pitchFamily="49" charset="0"/>
                 <a:cs typeface="Consolas" panose="020B0609020204030204" pitchFamily="49" charset="0"/>
               </a:rPr>
               <a:t>);</a:t>
             </a:r>
-            <a:endParaRPr lang="en-US" dirty="0">
-              <a:latin typeface="Consolas" panose="020B0609020204030204" pitchFamily="49" charset="0"/>
-              <a:cs typeface="Consolas" panose="020B0609020204030204" pitchFamily="49" charset="0"/>
-            </a:endParaRPr>
           </a:p>
         </p:txBody>
       </p:sp>
@@ -13518,14 +12640,11 @@
           <a:p>
             <a:pPr algn="ctr"/>
             <a:r>
-              <a:rPr lang="en-US" dirty="0" smtClean="0">
+              <a:rPr lang="en-US" dirty="0">
                 <a:latin typeface="Whipsmart" panose="020B0502030203050204" pitchFamily="34" charset="0"/>
               </a:rPr>
               <a:t>eye position</a:t>
             </a:r>
-            <a:endParaRPr lang="en-US" dirty="0">
-              <a:latin typeface="Whipsmart" panose="020B0502030203050204" pitchFamily="34" charset="0"/>
-            </a:endParaRPr>
           </a:p>
         </p:txBody>
       </p:sp>
@@ -13567,7 +12686,7 @@
           <a:p>
             <a:pPr algn="ctr"/>
             <a:r>
-              <a:rPr lang="en-US" dirty="0" smtClean="0">
+              <a:rPr lang="en-US" dirty="0">
                 <a:latin typeface="Whipsmart" panose="020B0502030203050204" pitchFamily="34" charset="0"/>
               </a:rPr>
               <a:t>shaded surface</a:t>
@@ -13576,119 +12695,11 @@
           <a:p>
             <a:pPr algn="ctr"/>
             <a:r>
-              <a:rPr lang="en-US" dirty="0" smtClean="0">
+              <a:rPr lang="en-US" dirty="0">
                 <a:latin typeface="Whipsmart" panose="020B0502030203050204" pitchFamily="34" charset="0"/>
               </a:rPr>
               <a:t>point’s position</a:t>
             </a:r>
-            <a:endParaRPr lang="en-US" dirty="0">
-              <a:latin typeface="Whipsmart" panose="020B0502030203050204" pitchFamily="34" charset="0"/>
-            </a:endParaRPr>
-          </a:p>
-        </p:txBody>
-      </p:sp>
-      <p:sp>
-        <p:nvSpPr>
-          <p:cNvPr id="18" name="Rectangle 11"/>
-          <p:cNvSpPr>
-            <a:spLocks noChangeArrowheads="1"/>
-          </p:cNvSpPr>
-          <p:nvPr/>
-        </p:nvSpPr>
-        <p:spPr bwMode="auto">
-          <a:xfrm>
-            <a:off x="7799294" y="4801716"/>
-            <a:ext cx="4244789" cy="1293168"/>
-          </a:xfrm>
-          <a:prstGeom prst="rect">
-            <a:avLst/>
-          </a:prstGeom>
-          <a:solidFill>
-            <a:schemeClr val="tx2">
-              <a:lumMod val="20000"/>
-              <a:lumOff val="80000"/>
-            </a:schemeClr>
-          </a:solidFill>
-          <a:ln w="9525">
-            <a:solidFill>
-              <a:schemeClr val="tx1"/>
-            </a:solidFill>
-            <a:miter lim="800000"/>
-            <a:headEnd/>
-            <a:tailEnd/>
-          </a:ln>
-          <a:effectLst/>
-        </p:spPr>
-        <p:txBody>
-          <a:bodyPr wrap="none" anchor="ctr"/>
-          <a:lstStyle/>
-          <a:p>
-            <a:r>
-              <a:rPr lang="en-US" dirty="0" err="1" smtClean="0">
-                <a:latin typeface="Consolas" panose="020B0609020204030204" pitchFamily="49" charset="0"/>
-                <a:cs typeface="Consolas" panose="020B0609020204030204" pitchFamily="49" charset="0"/>
-              </a:rPr>
-              <a:t>viewDir</a:t>
-            </a:r>
-            <a:r>
-              <a:rPr lang="en-US" dirty="0" smtClean="0">
-                <a:latin typeface="Consolas" panose="020B0609020204030204" pitchFamily="49" charset="0"/>
-                <a:cs typeface="Consolas" panose="020B0609020204030204" pitchFamily="49" charset="0"/>
-              </a:rPr>
-              <a:t> </a:t>
-            </a:r>
-            <a:r>
-              <a:rPr lang="en-US" dirty="0">
-                <a:latin typeface="Consolas" panose="020B0609020204030204" pitchFamily="49" charset="0"/>
-                <a:cs typeface="Consolas" panose="020B0609020204030204" pitchFamily="49" charset="0"/>
-              </a:rPr>
-              <a:t>= </a:t>
-            </a:r>
-            <a:endParaRPr lang="en-US" dirty="0" smtClean="0">
-              <a:latin typeface="Consolas" panose="020B0609020204030204" pitchFamily="49" charset="0"/>
-              <a:cs typeface="Consolas" panose="020B0609020204030204" pitchFamily="49" charset="0"/>
-            </a:endParaRPr>
-          </a:p>
-          <a:p>
-            <a:r>
-              <a:rPr lang="en-US" dirty="0">
-                <a:latin typeface="Consolas" panose="020B0609020204030204" pitchFamily="49" charset="0"/>
-                <a:cs typeface="Consolas" panose="020B0609020204030204" pitchFamily="49" charset="0"/>
-              </a:rPr>
-              <a:t>	</a:t>
-            </a:r>
-            <a:r>
-              <a:rPr lang="en-US" dirty="0" err="1" smtClean="0">
-                <a:latin typeface="Consolas" panose="020B0609020204030204" pitchFamily="49" charset="0"/>
-                <a:cs typeface="Consolas" panose="020B0609020204030204" pitchFamily="49" charset="0"/>
-              </a:rPr>
-              <a:t>viewDiff</a:t>
-            </a:r>
-            <a:r>
-              <a:rPr lang="en-US" dirty="0" smtClean="0">
-                <a:latin typeface="Consolas" panose="020B0609020204030204" pitchFamily="49" charset="0"/>
-                <a:cs typeface="Consolas" panose="020B0609020204030204" pitchFamily="49" charset="0"/>
-              </a:rPr>
-              <a:t>.</a:t>
-            </a:r>
-            <a:r>
-              <a:rPr lang="hu-HU" b="1" dirty="0" err="1" smtClean="0">
-                <a:latin typeface="Consolas" panose="020B0609020204030204" pitchFamily="49" charset="0"/>
-                <a:cs typeface="Consolas" panose="020B0609020204030204" pitchFamily="49" charset="0"/>
-              </a:rPr>
-              <a:t>direction</a:t>
-            </a:r>
-            <a:r>
-              <a:rPr lang="en-US" dirty="0" smtClean="0">
-                <a:latin typeface="Consolas" panose="020B0609020204030204" pitchFamily="49" charset="0"/>
-                <a:cs typeface="Consolas" panose="020B0609020204030204" pitchFamily="49" charset="0"/>
-              </a:rPr>
-              <a:t>();</a:t>
-            </a:r>
-            <a:endParaRPr lang="en-US" dirty="0">
-              <a:latin typeface="Consolas" panose="020B0609020204030204" pitchFamily="49" charset="0"/>
-              <a:cs typeface="Consolas" panose="020B0609020204030204" pitchFamily="49" charset="0"/>
-            </a:endParaRPr>
           </a:p>
         </p:txBody>
       </p:sp>
@@ -13851,59 +12862,6 @@
                       </p:childTnLst>
                     </p:cTn>
                   </p:par>
-                  <p:par>
-                    <p:cTn id="16" fill="hold">
-                      <p:stCondLst>
-                        <p:cond delay="indefinite"/>
-                      </p:stCondLst>
-                      <p:childTnLst>
-                        <p:par>
-                          <p:cTn id="17" fill="hold">
-                            <p:stCondLst>
-                              <p:cond delay="0"/>
-                            </p:stCondLst>
-                            <p:childTnLst>
-                              <p:par>
-                                <p:cTn id="18" presetID="10" presetClass="entr" presetSubtype="0" fill="hold" grpId="0" nodeType="clickEffect">
-                                  <p:stCondLst>
-                                    <p:cond delay="0"/>
-                                  </p:stCondLst>
-                                  <p:childTnLst>
-                                    <p:set>
-                                      <p:cBhvr>
-                                        <p:cTn id="19" dur="1" fill="hold">
-                                          <p:stCondLst>
-                                            <p:cond delay="0"/>
-                                          </p:stCondLst>
-                                        </p:cTn>
-                                        <p:tgtEl>
-                                          <p:spTgt spid="18"/>
-                                        </p:tgtEl>
-                                        <p:attrNameLst>
-                                          <p:attrName>style.visibility</p:attrName>
-                                        </p:attrNameLst>
-                                      </p:cBhvr>
-                                      <p:to>
-                                        <p:strVal val="visible"/>
-                                      </p:to>
-                                    </p:set>
-                                    <p:animEffect transition="in" filter="fade">
-                                      <p:cBhvr>
-                                        <p:cTn id="20" dur="500"/>
-                                        <p:tgtEl>
-                                          <p:spTgt spid="18"/>
-                                        </p:tgtEl>
-                                      </p:cBhvr>
-                                    </p:animEffect>
-                                  </p:childTnLst>
-                                </p:cTn>
-                              </p:par>
-                            </p:childTnLst>
-                          </p:cTn>
-                        </p:par>
-                      </p:childTnLst>
-                    </p:cTn>
-                  </p:par>
                 </p:childTnLst>
               </p:cTn>
               <p:prevCondLst>
@@ -13929,7 +12887,6 @@
       <p:bldP spid="16" grpId="0" animBg="1"/>
       <p:bldP spid="20" grpId="0" animBg="1"/>
       <p:bldP spid="21" grpId="0" animBg="1"/>
-      <p:bldP spid="18" grpId="0" animBg="1"/>
     </p:bldLst>
   </p:timing>
 </p:sld>
@@ -13968,10 +12925,9 @@
           <a:lstStyle/>
           <a:p>
             <a:r>
-              <a:rPr lang="en-US" dirty="0" smtClean="0"/>
+              <a:rPr lang="en-US" dirty="0"/>
               <a:t>Discussed later</a:t>
             </a:r>
-            <a:endParaRPr lang="en-US" dirty="0"/>
           </a:p>
         </p:txBody>
       </p:sp>
@@ -13993,78 +12949,77 @@
           <a:lstStyle/>
           <a:p>
             <a:r>
-              <a:rPr lang="en-US" dirty="0" smtClean="0"/>
+              <a:rPr lang="en-US" dirty="0"/>
               <a:t>the dot product</a:t>
             </a:r>
           </a:p>
           <a:p>
             <a:pPr lvl="1"/>
             <a:r>
-              <a:rPr lang="en-US" dirty="0" smtClean="0"/>
+              <a:rPr lang="en-US" dirty="0"/>
               <a:t>a scalar-valued product of two vectors</a:t>
             </a:r>
           </a:p>
           <a:p>
             <a:pPr lvl="1"/>
             <a:r>
-              <a:rPr lang="en-US" dirty="0" smtClean="0"/>
+              <a:rPr lang="en-US" dirty="0"/>
               <a:t>used extensively in shape modeling</a:t>
             </a:r>
           </a:p>
           <a:p>
             <a:pPr lvl="1"/>
             <a:r>
-              <a:rPr lang="en-US" dirty="0" smtClean="0"/>
+              <a:rPr lang="en-US" dirty="0"/>
               <a:t>appears in all shading formulas</a:t>
             </a:r>
           </a:p>
           <a:p>
             <a:pPr lvl="1"/>
             <a:r>
-              <a:rPr lang="en-US" dirty="0" smtClean="0"/>
+              <a:rPr lang="en-US" dirty="0"/>
               <a:t>incredibly useful for animation, physics and AI</a:t>
             </a:r>
           </a:p>
           <a:p>
             <a:r>
-              <a:rPr lang="en-US" dirty="0" smtClean="0"/>
+              <a:rPr lang="en-US" dirty="0"/>
               <a:t>the cross product</a:t>
             </a:r>
           </a:p>
           <a:p>
             <a:pPr lvl="1"/>
             <a:r>
-              <a:rPr lang="en-US" dirty="0" smtClean="0"/>
+              <a:rPr lang="en-US" dirty="0"/>
               <a:t>product is a vector perpendicular to both operands</a:t>
             </a:r>
           </a:p>
           <a:p>
             <a:pPr lvl="1"/>
             <a:r>
-              <a:rPr lang="en-US" dirty="0" smtClean="0"/>
+              <a:rPr lang="en-US" dirty="0"/>
               <a:t>useful for finding orthogonal frames</a:t>
             </a:r>
           </a:p>
           <a:p>
             <a:pPr lvl="2"/>
             <a:r>
-              <a:rPr lang="en-US" dirty="0" smtClean="0"/>
+              <a:rPr lang="en-US" dirty="0"/>
               <a:t>for 3D camera</a:t>
             </a:r>
           </a:p>
           <a:p>
             <a:pPr lvl="1"/>
             <a:r>
-              <a:rPr lang="en-US" dirty="0" smtClean="0"/>
+              <a:rPr lang="en-US" dirty="0"/>
               <a:t>also useful for animation, physics, and AI</a:t>
             </a:r>
           </a:p>
           <a:p>
             <a:r>
-              <a:rPr lang="en-US" dirty="0" smtClean="0"/>
+              <a:rPr lang="en-US" dirty="0"/>
               <a:t>elementwise product</a:t>
             </a:r>
-            <a:endParaRPr lang="en-US" dirty="0"/>
           </a:p>
         </p:txBody>
       </p:sp>
@@ -14078,13 +13033,6 @@
   <p:clrMapOvr>
     <a:masterClrMapping/>
   </p:clrMapOvr>
-  <p:timing>
-    <p:tnLst>
-      <p:par>
-        <p:cTn id="1" dur="indefinite" restart="never" nodeType="tmRoot"/>
-      </p:par>
-    </p:tnLst>
-  </p:timing>
 </p:sld>
 </file>
 
@@ -14121,7 +13069,7 @@
           <a:lstStyle/>
           <a:p>
             <a:r>
-              <a:rPr lang="hu-HU" dirty="0" smtClean="0"/>
+              <a:rPr lang="hu-HU" dirty="0"/>
               <a:t>Euclid</a:t>
             </a:r>
             <a:endParaRPr lang="en-US" dirty="0"/>
@@ -14179,13 +13127,6 @@
   <p:clrMapOvr>
     <a:masterClrMapping/>
   </p:clrMapOvr>
-  <p:timing>
-    <p:tnLst>
-      <p:par>
-        <p:cTn id="1" dur="indefinite" restart="never" nodeType="tmRoot"/>
-      </p:par>
-    </p:tnLst>
-  </p:timing>
 </p:sld>
 </file>
 
@@ -14222,15 +13163,15 @@
           <a:lstStyle/>
           <a:p>
             <a:r>
-              <a:rPr lang="en-US" dirty="0" err="1" smtClean="0"/>
+              <a:rPr lang="en-US" dirty="0" err="1"/>
               <a:t>WebGLMath</a:t>
             </a:r>
             <a:r>
-              <a:rPr lang="en-US" dirty="0" smtClean="0"/>
+              <a:rPr lang="en-US" dirty="0"/>
               <a:t> </a:t>
             </a:r>
             <a:r>
-              <a:rPr lang="hu-HU" dirty="0" smtClean="0"/>
+              <a:rPr lang="hu-HU" dirty="0"/>
               <a:t>library</a:t>
             </a:r>
             <a:endParaRPr lang="en-US" dirty="0"/>
@@ -14253,17 +13194,17 @@
           <a:lstStyle/>
           <a:p>
             <a:r>
-              <a:rPr lang="en-US" dirty="0" smtClean="0"/>
+              <a:rPr lang="en-US" dirty="0"/>
               <a:t>complete source for transparent debugging</a:t>
             </a:r>
           </a:p>
           <a:p>
             <a:r>
-              <a:rPr lang="en-US" dirty="0" err="1" smtClean="0"/>
+              <a:rPr lang="en-US" dirty="0" err="1"/>
               <a:t>WebGL's</a:t>
             </a:r>
             <a:r>
-              <a:rPr lang="en-US" dirty="0" smtClean="0"/>
+              <a:rPr lang="en-US" dirty="0"/>
               <a:t> uniforms reflected</a:t>
             </a:r>
           </a:p>
@@ -14314,7 +13255,7 @@
           <a:p>
             <a:pPr lvl="1"/>
             <a:r>
-              <a:rPr lang="en-US" dirty="0" smtClean="0"/>
+              <a:rPr lang="en-US" dirty="0"/>
               <a:t>all objects have a commit method to pass data into a uniform</a:t>
             </a:r>
           </a:p>
@@ -14322,7 +13263,7 @@
             <a:pPr marL="457200" lvl="1" indent="0">
               <a:buNone/>
             </a:pPr>
-            <a:endParaRPr lang="en-US" dirty="0" smtClean="0"/>
+            <a:endParaRPr lang="en-US" dirty="0"/>
           </a:p>
         </p:txBody>
       </p:sp>
@@ -14336,13 +13277,6 @@
   <p:clrMapOvr>
     <a:masterClrMapping/>
   </p:clrMapOvr>
-  <p:timing>
-    <p:tnLst>
-      <p:par>
-        <p:cTn id="1" dur="indefinite" restart="never" nodeType="tmRoot"/>
-      </p:par>
-    </p:tnLst>
-  </p:timing>
 </p:sld>
 </file>
 
@@ -14379,7 +13313,7 @@
           <a:lstStyle/>
           <a:p>
             <a:r>
-              <a:rPr lang="hu-HU" dirty="0" smtClean="0"/>
+              <a:rPr lang="hu-HU" dirty="0"/>
               <a:t>Vector objects in JavaScript</a:t>
             </a:r>
             <a:endParaRPr lang="en-US" dirty="0"/>
@@ -14402,71 +13336,58 @@
           <a:lstStyle/>
           <a:p>
             <a:r>
-              <a:rPr lang="hu-HU" dirty="0" smtClean="0"/>
+              <a:rPr lang="hu-HU" dirty="0"/>
               <a:t>no</a:t>
             </a:r>
             <a:r>
-              <a:rPr lang="en-US" dirty="0" smtClean="0"/>
+              <a:rPr lang="en-US" dirty="0"/>
               <a:t> </a:t>
             </a:r>
             <a:r>
-              <a:rPr lang="en-US" dirty="0" err="1" smtClean="0"/>
+              <a:rPr lang="en-US" dirty="0" err="1"/>
               <a:t>inlin</a:t>
             </a:r>
             <a:r>
-              <a:rPr lang="hu-HU" dirty="0" smtClean="0"/>
+              <a:rPr lang="hu-HU" dirty="0"/>
               <a:t>ing</a:t>
             </a:r>
             <a:r>
-              <a:rPr lang="en-US" dirty="0" smtClean="0"/>
+              <a:rPr lang="en-US" dirty="0"/>
               <a:t>: </a:t>
             </a:r>
             <a:r>
-              <a:rPr lang="hu-HU" dirty="0" smtClean="0"/>
+              <a:rPr lang="hu-HU" dirty="0"/>
               <a:t>method calls have overhead!</a:t>
             </a:r>
-            <a:endParaRPr lang="hu-HU" dirty="0" smtClean="0"/>
-          </a:p>
-          <a:p>
-            <a:r>
-              <a:rPr lang="hu-HU" dirty="0" smtClean="0"/>
+          </a:p>
+          <a:p>
+            <a:r>
+              <a:rPr lang="hu-HU" dirty="0"/>
               <a:t>only dinamic instantiation: expensive!</a:t>
             </a:r>
-            <a:endParaRPr lang="hu-HU" dirty="0" smtClean="0"/>
           </a:p>
           <a:p>
             <a:pPr lvl="1"/>
             <a:r>
-              <a:rPr lang="hu-HU" dirty="0" smtClean="0"/>
-              <a:t>whatever looks as nice as </a:t>
-            </a:r>
-            <a:r>
-              <a:rPr lang="hu-HU" dirty="0" smtClean="0"/>
-              <a:t>C</a:t>
-            </a:r>
-            <a:r>
-              <a:rPr lang="hu-HU" dirty="0" smtClean="0"/>
-              <a:t>++ with operator overloads is not going to be performant</a:t>
-            </a:r>
-            <a:endParaRPr lang="hu-HU" dirty="0" smtClean="0"/>
+              <a:rPr lang="hu-HU" dirty="0"/>
+              <a:t>whatever looks as nice as C++ with operator overloads is not going to be performant</a:t>
+            </a:r>
           </a:p>
           <a:p>
             <a:endParaRPr lang="hu-HU" dirty="0"/>
           </a:p>
           <a:p>
             <a:r>
-              <a:rPr lang="hu-HU" dirty="0" smtClean="0"/>
+              <a:rPr lang="hu-HU" dirty="0"/>
               <a:t>no operator overload</a:t>
             </a:r>
-            <a:endParaRPr lang="hu-HU" dirty="0" smtClean="0"/>
           </a:p>
           <a:p>
             <a:pPr lvl="1"/>
             <a:r>
-              <a:rPr lang="hu-HU" dirty="0" smtClean="0"/>
+              <a:rPr lang="hu-HU" dirty="0"/>
               <a:t>never actually going to be pretty</a:t>
             </a:r>
-            <a:endParaRPr lang="hu-HU" dirty="0" smtClean="0"/>
           </a:p>
           <a:p>
             <a:endParaRPr lang="en-US" dirty="0"/>
@@ -14483,13 +13404,6 @@
   <p:clrMapOvr>
     <a:masterClrMapping/>
   </p:clrMapOvr>
-  <p:timing>
-    <p:tnLst>
-      <p:par>
-        <p:cTn id="1" dur="indefinite" restart="never" nodeType="tmRoot"/>
-      </p:par>
-    </p:tnLst>
-  </p:timing>
 </p:sld>
 </file>
 
@@ -14526,11 +13440,11 @@
           <a:lstStyle/>
           <a:p>
             <a:r>
-              <a:rPr lang="hu-HU" dirty="0" smtClean="0"/>
+              <a:rPr lang="hu-HU" dirty="0"/>
               <a:t>Vector objects in </a:t>
             </a:r>
             <a:r>
-              <a:rPr lang="en-US" dirty="0" err="1" smtClean="0"/>
+              <a:rPr lang="en-US" dirty="0" err="1"/>
               <a:t>Kotlin</a:t>
             </a:r>
             <a:endParaRPr lang="en-US" dirty="0"/>
@@ -14553,32 +13467,29 @@
           <a:lstStyle/>
           <a:p>
             <a:r>
-              <a:rPr lang="hu-HU" dirty="0" smtClean="0"/>
+              <a:rPr lang="hu-HU" dirty="0"/>
               <a:t>we have operator overload</a:t>
             </a:r>
-            <a:endParaRPr lang="hu-HU" dirty="0" smtClean="0"/>
           </a:p>
           <a:p>
             <a:pPr lvl="1"/>
             <a:r>
-              <a:rPr lang="hu-HU" dirty="0" smtClean="0"/>
+              <a:rPr lang="hu-HU" dirty="0"/>
               <a:t>reads nicely</a:t>
             </a:r>
-            <a:endParaRPr lang="hu-HU" dirty="0" smtClean="0"/>
-          </a:p>
-          <a:p>
-            <a:endParaRPr lang="hu-HU" dirty="0" smtClean="0"/>
-          </a:p>
-          <a:p>
-            <a:r>
-              <a:rPr lang="hu-HU" dirty="0" smtClean="0"/>
+          </a:p>
+          <a:p>
+            <a:endParaRPr lang="hu-HU" dirty="0"/>
+          </a:p>
+          <a:p>
+            <a:r>
+              <a:rPr lang="hu-HU" dirty="0"/>
               <a:t>still compiles to JS, not very fast</a:t>
             </a:r>
-            <a:endParaRPr lang="hu-HU" dirty="0" smtClean="0"/>
-          </a:p>
-          <a:p>
-            <a:r>
-              <a:rPr lang="hu-HU" dirty="0" smtClean="0"/>
+          </a:p>
+          <a:p>
+            <a:r>
+              <a:rPr lang="hu-HU" dirty="0"/>
               <a:t>optimization is more challenging (but we do not care)</a:t>
             </a:r>
             <a:endParaRPr lang="en-US" dirty="0"/>
@@ -14595,13 +13506,6 @@
   <p:clrMapOvr>
     <a:masterClrMapping/>
   </p:clrMapOvr>
-  <p:timing>
-    <p:tnLst>
-      <p:par>
-        <p:cTn id="1" dur="indefinite" restart="never" nodeType="tmRoot"/>
-      </p:par>
-    </p:tnLst>
-  </p:timing>
 </p:sld>
 </file>
 
@@ -14638,7 +13542,7 @@
           <a:lstStyle/>
           <a:p>
             <a:r>
-              <a:rPr lang="hu-HU" dirty="0" smtClean="0"/>
+              <a:rPr lang="hu-HU" dirty="0"/>
               <a:t>Simple 2d vector class</a:t>
             </a:r>
             <a:endParaRPr lang="en-US" dirty="0"/>
@@ -14856,7 +13760,7 @@
               <a:t>0.0f</a:t>
             </a:r>
             <a:r>
-              <a:rPr lang="en-US" dirty="0" smtClean="0">
+              <a:rPr lang="en-US" dirty="0">
                 <a:solidFill>
                   <a:srgbClr val="000000"/>
                 </a:solidFill>
@@ -14895,7 +13799,7 @@
                 <a:spcPct val="107000"/>
               </a:lnSpc>
             </a:pPr>
-            <a:endParaRPr lang="hu-HU" i="1" dirty="0" smtClean="0">
+            <a:endParaRPr lang="hu-HU" i="1" dirty="0">
               <a:solidFill>
                 <a:srgbClr val="34A7BD"/>
               </a:solidFill>
@@ -14935,27 +13839,7 @@
                 <a:ea typeface="Times New Roman" panose="02020603050405020304" pitchFamily="18" charset="0"/>
                 <a:cs typeface="Times New Roman" panose="02020603050405020304" pitchFamily="18" charset="0"/>
               </a:rPr>
-              <a:t> </a:t>
-            </a:r>
-            <a:r>
-              <a:rPr lang="en-US" dirty="0" smtClean="0">
-                <a:solidFill>
-                  <a:srgbClr val="C70040"/>
-                </a:solidFill>
-                <a:ea typeface="Times New Roman" panose="02020603050405020304" pitchFamily="18" charset="0"/>
-                <a:cs typeface="Times New Roman" panose="02020603050405020304" pitchFamily="18" charset="0"/>
-              </a:rPr>
-              <a:t> operator </a:t>
-            </a:r>
-            <a:r>
-              <a:rPr lang="en-US" dirty="0">
-                <a:solidFill>
-                  <a:srgbClr val="C70040"/>
-                </a:solidFill>
-                <a:ea typeface="Times New Roman" panose="02020603050405020304" pitchFamily="18" charset="0"/>
-                <a:cs typeface="Times New Roman" panose="02020603050405020304" pitchFamily="18" charset="0"/>
-              </a:rPr>
-              <a:t>inline fun </a:t>
+              <a:t>  operator inline fun </a:t>
             </a:r>
             <a:r>
               <a:rPr lang="en-US" dirty="0">
@@ -15125,60 +14009,50 @@
                 <a:ea typeface="Times New Roman" panose="02020603050405020304" pitchFamily="18" charset="0"/>
                 <a:cs typeface="Times New Roman" panose="02020603050405020304" pitchFamily="18" charset="0"/>
               </a:rPr>
-              <a:t>      </a:t>
-            </a:r>
-            <a:r>
-              <a:rPr lang="en-US" dirty="0" smtClean="0">
+              <a:t>      x </a:t>
+            </a:r>
+            <a:r>
+              <a:rPr lang="en-US" dirty="0">
+                <a:solidFill>
+                  <a:srgbClr val="C70040"/>
+                </a:solidFill>
+                <a:ea typeface="Times New Roman" panose="02020603050405020304" pitchFamily="18" charset="0"/>
+                <a:cs typeface="Times New Roman" panose="02020603050405020304" pitchFamily="18" charset="0"/>
+              </a:rPr>
+              <a:t>+ </a:t>
+            </a:r>
+            <a:r>
+              <a:rPr lang="en-US" dirty="0" err="1">
                 <a:solidFill>
                   <a:srgbClr val="000000"/>
                 </a:solidFill>
                 <a:ea typeface="Times New Roman" panose="02020603050405020304" pitchFamily="18" charset="0"/>
                 <a:cs typeface="Times New Roman" panose="02020603050405020304" pitchFamily="18" charset="0"/>
               </a:rPr>
-              <a:t>x </a:t>
+              <a:t>other</a:t>
+            </a:r>
+            <a:r>
+              <a:rPr lang="en-US" dirty="0" err="1">
+                <a:solidFill>
+                  <a:srgbClr val="C70040"/>
+                </a:solidFill>
+                <a:ea typeface="Times New Roman" panose="02020603050405020304" pitchFamily="18" charset="0"/>
+                <a:cs typeface="Times New Roman" panose="02020603050405020304" pitchFamily="18" charset="0"/>
+              </a:rPr>
+              <a:t>.</a:t>
+            </a:r>
+            <a:r>
+              <a:rPr lang="en-US" dirty="0" err="1">
+                <a:solidFill>
+                  <a:srgbClr val="000000"/>
+                </a:solidFill>
+                <a:ea typeface="Times New Roman" panose="02020603050405020304" pitchFamily="18" charset="0"/>
+                <a:cs typeface="Times New Roman" panose="02020603050405020304" pitchFamily="18" charset="0"/>
+              </a:rPr>
+              <a:t>x</a:t>
             </a:r>
             <a:r>
               <a:rPr lang="en-US" dirty="0">
-                <a:solidFill>
-                  <a:srgbClr val="C70040"/>
-                </a:solidFill>
-                <a:ea typeface="Times New Roman" panose="02020603050405020304" pitchFamily="18" charset="0"/>
-                <a:cs typeface="Times New Roman" panose="02020603050405020304" pitchFamily="18" charset="0"/>
-              </a:rPr>
-              <a:t>+ </a:t>
-            </a:r>
-            <a:r>
-              <a:rPr lang="en-US" dirty="0" err="1" smtClean="0">
-                <a:solidFill>
-                  <a:srgbClr val="000000"/>
-                </a:solidFill>
-                <a:ea typeface="Times New Roman" panose="02020603050405020304" pitchFamily="18" charset="0"/>
-                <a:cs typeface="Times New Roman" panose="02020603050405020304" pitchFamily="18" charset="0"/>
-              </a:rPr>
-              <a:t>other</a:t>
-            </a:r>
-            <a:r>
-              <a:rPr lang="en-US" dirty="0" err="1" smtClean="0">
-                <a:solidFill>
-                  <a:srgbClr val="C70040"/>
-                </a:solidFill>
-                <a:ea typeface="Times New Roman" panose="02020603050405020304" pitchFamily="18" charset="0"/>
-                <a:cs typeface="Times New Roman" panose="02020603050405020304" pitchFamily="18" charset="0"/>
-              </a:rPr>
-              <a:t>.</a:t>
-            </a:r>
-            <a:r>
-              <a:rPr lang="en-US" dirty="0" err="1" smtClean="0">
-                <a:solidFill>
-                  <a:srgbClr val="000000"/>
-                </a:solidFill>
-                <a:ea typeface="Times New Roman" panose="02020603050405020304" pitchFamily="18" charset="0"/>
-                <a:cs typeface="Times New Roman" panose="02020603050405020304" pitchFamily="18" charset="0"/>
-              </a:rPr>
-              <a:t>x</a:t>
-            </a:r>
-            <a:r>
-              <a:rPr lang="en-US" dirty="0" smtClean="0">
                 <a:solidFill>
                   <a:srgbClr val="000000"/>
                 </a:solidFill>
@@ -15225,50 +14099,40 @@
                 <a:ea typeface="Times New Roman" panose="02020603050405020304" pitchFamily="18" charset="0"/>
                 <a:cs typeface="Times New Roman" panose="02020603050405020304" pitchFamily="18" charset="0"/>
               </a:rPr>
-              <a:t>      </a:t>
-            </a:r>
-            <a:r>
-              <a:rPr lang="en-US" dirty="0" smtClean="0">
+              <a:t>      y </a:t>
+            </a:r>
+            <a:r>
+              <a:rPr lang="en-US" dirty="0">
+                <a:solidFill>
+                  <a:srgbClr val="C70040"/>
+                </a:solidFill>
+                <a:ea typeface="Times New Roman" panose="02020603050405020304" pitchFamily="18" charset="0"/>
+                <a:cs typeface="Times New Roman" panose="02020603050405020304" pitchFamily="18" charset="0"/>
+              </a:rPr>
+              <a:t>+ </a:t>
+            </a:r>
+            <a:r>
+              <a:rPr lang="en-US" dirty="0" err="1">
                 <a:solidFill>
                   <a:srgbClr val="000000"/>
                 </a:solidFill>
                 <a:ea typeface="Times New Roman" panose="02020603050405020304" pitchFamily="18" charset="0"/>
                 <a:cs typeface="Times New Roman" panose="02020603050405020304" pitchFamily="18" charset="0"/>
               </a:rPr>
-              <a:t>y </a:t>
-            </a:r>
-            <a:r>
-              <a:rPr lang="en-US" dirty="0">
+              <a:t>other</a:t>
+            </a:r>
+            <a:r>
+              <a:rPr lang="en-US" dirty="0" err="1">
                 <a:solidFill>
                   <a:srgbClr val="C70040"/>
                 </a:solidFill>
                 <a:ea typeface="Times New Roman" panose="02020603050405020304" pitchFamily="18" charset="0"/>
                 <a:cs typeface="Times New Roman" panose="02020603050405020304" pitchFamily="18" charset="0"/>
               </a:rPr>
-              <a:t>+ </a:t>
-            </a:r>
-            <a:r>
-              <a:rPr lang="en-US" dirty="0" err="1" smtClean="0">
-                <a:solidFill>
-                  <a:srgbClr val="000000"/>
-                </a:solidFill>
-                <a:ea typeface="Times New Roman" panose="02020603050405020304" pitchFamily="18" charset="0"/>
-                <a:cs typeface="Times New Roman" panose="02020603050405020304" pitchFamily="18" charset="0"/>
-              </a:rPr>
-              <a:t>other</a:t>
-            </a:r>
-            <a:r>
-              <a:rPr lang="en-US" dirty="0" err="1" smtClean="0">
-                <a:solidFill>
-                  <a:srgbClr val="C70040"/>
-                </a:solidFill>
-                <a:ea typeface="Times New Roman" panose="02020603050405020304" pitchFamily="18" charset="0"/>
-                <a:cs typeface="Times New Roman" panose="02020603050405020304" pitchFamily="18" charset="0"/>
-              </a:rPr>
               <a:t>.</a:t>
             </a:r>
             <a:r>
-              <a:rPr lang="en-US" dirty="0" err="1" smtClean="0">
+              <a:rPr lang="en-US" dirty="0" err="1">
                 <a:solidFill>
                   <a:srgbClr val="000000"/>
                 </a:solidFill>
@@ -15395,27 +14259,57 @@
                 <a:ea typeface="Times New Roman" panose="02020603050405020304" pitchFamily="18" charset="0"/>
                 <a:cs typeface="Times New Roman" panose="02020603050405020304" pitchFamily="18" charset="0"/>
               </a:rPr>
+              <a:t>  fun </a:t>
+            </a:r>
+            <a:r>
+              <a:rPr lang="en-US" dirty="0" err="1">
+                <a:solidFill>
+                  <a:srgbClr val="427E00"/>
+                </a:solidFill>
+                <a:ea typeface="Times New Roman" panose="02020603050405020304" pitchFamily="18" charset="0"/>
+                <a:cs typeface="Times New Roman" panose="02020603050405020304" pitchFamily="18" charset="0"/>
+              </a:rPr>
+              <a:t>toArray</a:t>
+            </a:r>
+            <a:r>
+              <a:rPr lang="en-US" dirty="0">
+                <a:solidFill>
+                  <a:srgbClr val="000000"/>
+                </a:solidFill>
+                <a:ea typeface="Times New Roman" panose="02020603050405020304" pitchFamily="18" charset="0"/>
+                <a:cs typeface="Times New Roman" panose="02020603050405020304" pitchFamily="18" charset="0"/>
+              </a:rPr>
+              <a:t>(</a:t>
+            </a:r>
+            <a:r>
+              <a:rPr lang="en-US" i="1" dirty="0" err="1">
+                <a:solidFill>
+                  <a:srgbClr val="CB6500"/>
+                </a:solidFill>
+                <a:ea typeface="Times New Roman" panose="02020603050405020304" pitchFamily="18" charset="0"/>
+                <a:cs typeface="Times New Roman" panose="02020603050405020304" pitchFamily="18" charset="0"/>
+              </a:rPr>
+              <a:t>dest</a:t>
+            </a:r>
+            <a:r>
+              <a:rPr lang="en-US" i="1" dirty="0">
+                <a:solidFill>
+                  <a:srgbClr val="CB6500"/>
+                </a:solidFill>
+                <a:ea typeface="Times New Roman" panose="02020603050405020304" pitchFamily="18" charset="0"/>
+                <a:cs typeface="Times New Roman" panose="02020603050405020304" pitchFamily="18" charset="0"/>
+              </a:rPr>
               <a:t> </a:t>
             </a:r>
             <a:r>
-              <a:rPr lang="en-US" dirty="0" smtClean="0">
+              <a:rPr lang="en-US" dirty="0">
                 <a:solidFill>
                   <a:srgbClr val="C70040"/>
                 </a:solidFill>
                 <a:ea typeface="Times New Roman" panose="02020603050405020304" pitchFamily="18" charset="0"/>
                 <a:cs typeface="Times New Roman" panose="02020603050405020304" pitchFamily="18" charset="0"/>
               </a:rPr>
-              <a:t> fun </a:t>
-            </a:r>
-            <a:r>
-              <a:rPr lang="en-US" dirty="0" err="1">
-                <a:solidFill>
-                  <a:srgbClr val="427E00"/>
-                </a:solidFill>
-                <a:ea typeface="Times New Roman" panose="02020603050405020304" pitchFamily="18" charset="0"/>
-                <a:cs typeface="Times New Roman" panose="02020603050405020304" pitchFamily="18" charset="0"/>
-              </a:rPr>
-              <a:t>toArray</a:t>
+              <a:t>: </a:t>
             </a:r>
             <a:r>
               <a:rPr lang="en-US" dirty="0">
@@ -15425,60 +14319,10 @@
                 <a:ea typeface="Times New Roman" panose="02020603050405020304" pitchFamily="18" charset="0"/>
                 <a:cs typeface="Times New Roman" panose="02020603050405020304" pitchFamily="18" charset="0"/>
               </a:rPr>
-              <a:t>(</a:t>
-            </a:r>
-            <a:r>
-              <a:rPr lang="en-US" i="1" dirty="0" err="1">
-                <a:solidFill>
-                  <a:srgbClr val="CB6500"/>
-                </a:solidFill>
-                <a:ea typeface="Times New Roman" panose="02020603050405020304" pitchFamily="18" charset="0"/>
-                <a:cs typeface="Times New Roman" panose="02020603050405020304" pitchFamily="18" charset="0"/>
-              </a:rPr>
-              <a:t>dest</a:t>
-            </a:r>
-            <a:r>
-              <a:rPr lang="en-US" i="1" dirty="0">
-                <a:solidFill>
-                  <a:srgbClr val="CB6500"/>
-                </a:solidFill>
-                <a:ea typeface="Times New Roman" panose="02020603050405020304" pitchFamily="18" charset="0"/>
-                <a:cs typeface="Times New Roman" panose="02020603050405020304" pitchFamily="18" charset="0"/>
-              </a:rPr>
-              <a:t> </a:t>
+              <a:t>Float32Array){</a:t>
             </a:r>
             <a:r>
               <a:rPr lang="en-US" dirty="0">
-                <a:solidFill>
-                  <a:srgbClr val="C70040"/>
-                </a:solidFill>
-                <a:ea typeface="Times New Roman" panose="02020603050405020304" pitchFamily="18" charset="0"/>
-                <a:cs typeface="Times New Roman" panose="02020603050405020304" pitchFamily="18" charset="0"/>
-              </a:rPr>
-              <a:t>: </a:t>
-            </a:r>
-            <a:r>
-              <a:rPr lang="en-US" dirty="0">
-                <a:solidFill>
-                  <a:srgbClr val="000000"/>
-                </a:solidFill>
-                <a:ea typeface="Times New Roman" panose="02020603050405020304" pitchFamily="18" charset="0"/>
-                <a:cs typeface="Times New Roman" panose="02020603050405020304" pitchFamily="18" charset="0"/>
-              </a:rPr>
-              <a:t>Float32Array</a:t>
-            </a:r>
-            <a:r>
-              <a:rPr lang="en-US" dirty="0" smtClean="0">
-                <a:solidFill>
-                  <a:srgbClr val="000000"/>
-                </a:solidFill>
-                <a:ea typeface="Times New Roman" panose="02020603050405020304" pitchFamily="18" charset="0"/>
-                <a:cs typeface="Times New Roman" panose="02020603050405020304" pitchFamily="18" charset="0"/>
-              </a:rPr>
-              <a:t>){</a:t>
-            </a:r>
-            <a:r>
-              <a:rPr lang="en-US" dirty="0" smtClean="0">
                 <a:solidFill>
                   <a:schemeClr val="bg1">
                     <a:lumMod val="50000"/>
@@ -15490,7 +14334,7 @@
               <a:t>...</a:t>
             </a:r>
             <a:r>
-              <a:rPr lang="en-US" dirty="0" smtClean="0">
+              <a:rPr lang="en-US" dirty="0">
                 <a:solidFill>
                   <a:srgbClr val="000000"/>
                 </a:solidFill>
@@ -15530,7 +14374,7 @@
               </a:tabLst>
             </a:pPr>
             <a:r>
-              <a:rPr lang="en-US" dirty="0" smtClean="0">
+              <a:rPr lang="en-US" dirty="0">
                 <a:solidFill>
                   <a:srgbClr val="000000"/>
                 </a:solidFill>
@@ -15539,7 +14383,7 @@
               </a:rPr>
               <a:t>}</a:t>
             </a:r>
-            <a:endParaRPr lang="hu-HU" dirty="0" smtClean="0">
+            <a:endParaRPr lang="hu-HU" dirty="0">
               <a:ea typeface="Times New Roman" panose="02020603050405020304" pitchFamily="18" charset="0"/>
               <a:cs typeface="Times New Roman" panose="02020603050405020304" pitchFamily="18" charset="0"/>
             </a:endParaRPr>
@@ -15607,7 +14451,7 @@
           <a:lstStyle/>
           <a:p>
             <a:r>
-              <a:rPr lang="hu-HU" dirty="0" smtClean="0">
+              <a:rPr lang="hu-HU" dirty="0">
                 <a:solidFill>
                   <a:srgbClr val="00B050"/>
                 </a:solidFill>
@@ -15616,7 +14460,7 @@
               <a:t>usual init </a:t>
             </a:r>
             <a:r>
-              <a:rPr lang="en-US" dirty="0" smtClean="0">
+              <a:rPr lang="en-US" dirty="0">
                 <a:solidFill>
                   <a:srgbClr val="00B050"/>
                 </a:solidFill>
@@ -15706,7 +14550,7 @@
           <a:lstStyle/>
           <a:p>
             <a:r>
-              <a:rPr lang="hu-HU" dirty="0" smtClean="0">
+              <a:rPr lang="hu-HU" dirty="0">
                 <a:solidFill>
                   <a:srgbClr val="00B050"/>
                 </a:solidFill>
@@ -15715,7 +14559,7 @@
               <a:t>usual instantiation </a:t>
             </a:r>
             <a:r>
-              <a:rPr lang="en-US" dirty="0" smtClean="0">
+              <a:rPr lang="en-US" dirty="0">
                 <a:solidFill>
                   <a:srgbClr val="00B050"/>
                 </a:solidFill>
@@ -15805,7 +14649,7 @@
           <a:lstStyle/>
           <a:p>
             <a:r>
-              <a:rPr lang="hu-HU" dirty="0" smtClean="0">
+              <a:rPr lang="hu-HU" dirty="0">
                 <a:solidFill>
                   <a:srgbClr val="FF0000"/>
                 </a:solidFill>
@@ -15814,7 +14658,7 @@
               <a:t>JS number arithmetics </a:t>
             </a:r>
             <a:r>
-              <a:rPr lang="en-US" dirty="0" smtClean="0">
+              <a:rPr lang="en-US" dirty="0">
                 <a:solidFill>
                   <a:srgbClr val="FF0000"/>
                 </a:solidFill>
@@ -15822,12 +14666,6 @@
               </a:rPr>
               <a:t>[SLOW]</a:t>
             </a:r>
-            <a:endParaRPr lang="en-US" dirty="0">
-              <a:solidFill>
-                <a:srgbClr val="FF0000"/>
-              </a:solidFill>
-              <a:latin typeface="Whipsmart" panose="020B0502030203050204" pitchFamily="34" charset="0"/>
-            </a:endParaRPr>
           </a:p>
         </p:txBody>
       </p:sp>
@@ -15892,7 +14730,7 @@
           <a:lstStyle/>
           <a:p>
             <a:r>
-              <a:rPr lang="en-US" dirty="0" err="1" smtClean="0">
+              <a:rPr lang="en-US" dirty="0" err="1">
                 <a:solidFill>
                   <a:srgbClr val="FF0000"/>
                 </a:solidFill>
@@ -15901,7 +14739,7 @@
               <a:t>WebGL</a:t>
             </a:r>
             <a:r>
-              <a:rPr lang="en-US" dirty="0" smtClean="0">
+              <a:rPr lang="en-US" dirty="0">
                 <a:solidFill>
                   <a:srgbClr val="FF0000"/>
                 </a:solidFill>
@@ -15909,12 +14747,6 @@
               </a:rPr>
               <a:t> interoperability [circumspect, slow]</a:t>
             </a:r>
-            <a:endParaRPr lang="en-US" dirty="0">
-              <a:solidFill>
-                <a:srgbClr val="FF0000"/>
-              </a:solidFill>
-              <a:latin typeface="Whipsmart" panose="020B0502030203050204" pitchFamily="34" charset="0"/>
-            </a:endParaRPr>
           </a:p>
         </p:txBody>
       </p:sp>
@@ -15928,13 +14760,6 @@
   <p:clrMapOvr>
     <a:masterClrMapping/>
   </p:clrMapOvr>
-  <p:timing>
-    <p:tnLst>
-      <p:par>
-        <p:cTn id="1" dur="indefinite" restart="never" nodeType="tmRoot"/>
-      </p:par>
-    </p:tnLst>
-  </p:timing>
 </p:sld>
 </file>
 
@@ -15971,10 +14796,9 @@
           <a:lstStyle/>
           <a:p>
             <a:r>
-              <a:rPr lang="en-US" dirty="0" smtClean="0"/>
+              <a:rPr lang="en-US" dirty="0"/>
               <a:t>Using a typed array</a:t>
             </a:r>
-            <a:endParaRPr lang="en-US" dirty="0"/>
           </a:p>
         </p:txBody>
       </p:sp>
@@ -16029,7 +14853,7 @@
               <a:t>class </a:t>
             </a:r>
             <a:r>
-              <a:rPr lang="en-US" dirty="0" smtClean="0">
+              <a:rPr lang="en-US" dirty="0">
                 <a:solidFill>
                   <a:srgbClr val="000000"/>
                 </a:solidFill>
@@ -16039,7 +14863,7 @@
               <a:t>Vec2(</a:t>
             </a:r>
             <a:r>
-              <a:rPr lang="en-US" i="1" dirty="0" smtClean="0">
+              <a:rPr lang="en-US" i="1" dirty="0">
                 <a:solidFill>
                   <a:srgbClr val="CB6500"/>
                 </a:solidFill>
@@ -16049,7 +14873,7 @@
               <a:t>u</a:t>
             </a:r>
             <a:r>
-              <a:rPr lang="en-US" dirty="0" smtClean="0">
+              <a:rPr lang="en-US" dirty="0">
                 <a:solidFill>
                   <a:srgbClr val="C70040"/>
                 </a:solidFill>
@@ -16099,7 +14923,7 @@
               <a:t>, </a:t>
             </a:r>
             <a:r>
-              <a:rPr lang="en-US" i="1" dirty="0" smtClean="0">
+              <a:rPr lang="en-US" i="1" dirty="0">
                 <a:solidFill>
                   <a:srgbClr val="CB6500"/>
                 </a:solidFill>
@@ -16109,7 +14933,7 @@
               <a:t>v</a:t>
             </a:r>
             <a:r>
-              <a:rPr lang="en-US" dirty="0" smtClean="0">
+              <a:rPr lang="en-US" dirty="0">
                 <a:solidFill>
                   <a:srgbClr val="C70040"/>
                 </a:solidFill>
@@ -16174,7 +14998,7 @@
               </a:spcAft>
             </a:pPr>
             <a:r>
-              <a:rPr lang="en-US" dirty="0" smtClean="0">
+              <a:rPr lang="en-US" dirty="0">
                 <a:solidFill>
                   <a:srgbClr val="C70040"/>
                 </a:solidFill>
@@ -16184,7 +15008,7 @@
               <a:t>  </a:t>
             </a:r>
             <a:r>
-              <a:rPr lang="hu-HU" dirty="0" err="1" smtClean="0">
+              <a:rPr lang="hu-HU" dirty="0" err="1">
                 <a:solidFill>
                   <a:srgbClr val="C70040"/>
                 </a:solidFill>
@@ -16194,7 +15018,7 @@
               <a:t>val</a:t>
             </a:r>
             <a:r>
-              <a:rPr lang="hu-HU" dirty="0" smtClean="0">
+              <a:rPr lang="hu-HU" dirty="0">
                 <a:solidFill>
                   <a:srgbClr val="000000"/>
                 </a:solidFill>
@@ -16266,17 +15090,7 @@
                 <a:ea typeface="Times New Roman" panose="02020603050405020304" pitchFamily="18" charset="0"/>
                 <a:cs typeface="Times New Roman" panose="02020603050405020304" pitchFamily="18" charset="0"/>
               </a:rPr>
-              <a:t> </a:t>
-            </a:r>
-            <a:r>
-              <a:rPr lang="en-US" dirty="0" smtClean="0">
-                <a:solidFill>
-                  <a:srgbClr val="C70040"/>
-                </a:solidFill>
-                <a:ea typeface="Times New Roman" panose="02020603050405020304" pitchFamily="18" charset="0"/>
-                <a:cs typeface="Times New Roman" panose="02020603050405020304" pitchFamily="18" charset="0"/>
-              </a:rPr>
-              <a:t> </a:t>
+              <a:t>  </a:t>
             </a:r>
           </a:p>
           <a:p>
@@ -16336,24 +15150,14 @@
               </a:tabLst>
             </a:pPr>
             <a:r>
-              <a:rPr lang="en-US" dirty="0" smtClean="0">
+              <a:rPr lang="en-US" dirty="0">
                 <a:solidFill>
                   <a:srgbClr val="C70040"/>
                 </a:solidFill>
                 <a:ea typeface="Times New Roman" panose="02020603050405020304" pitchFamily="18" charset="0"/>
                 <a:cs typeface="Times New Roman" panose="02020603050405020304" pitchFamily="18" charset="0"/>
               </a:rPr>
-              <a:t>  operator </a:t>
-            </a:r>
-            <a:r>
-              <a:rPr lang="en-US" dirty="0">
-                <a:solidFill>
-                  <a:srgbClr val="C70040"/>
-                </a:solidFill>
-                <a:ea typeface="Times New Roman" panose="02020603050405020304" pitchFamily="18" charset="0"/>
-                <a:cs typeface="Times New Roman" panose="02020603050405020304" pitchFamily="18" charset="0"/>
-              </a:rPr>
-              <a:t>inline fun </a:t>
+              <a:t>  operator inline fun </a:t>
             </a:r>
             <a:r>
               <a:rPr lang="en-US" dirty="0">
@@ -16523,30 +15327,80 @@
                 <a:ea typeface="Times New Roman" panose="02020603050405020304" pitchFamily="18" charset="0"/>
                 <a:cs typeface="Times New Roman" panose="02020603050405020304" pitchFamily="18" charset="0"/>
               </a:rPr>
-              <a:t> </a:t>
-            </a:r>
-            <a:r>
-              <a:rPr lang="en-US" dirty="0" smtClean="0">
+              <a:t>      </a:t>
+            </a:r>
+            <a:r>
+              <a:rPr lang="hu-HU" dirty="0" err="1">
                 <a:solidFill>
                   <a:srgbClr val="000000"/>
                 </a:solidFill>
                 <a:ea typeface="Times New Roman" panose="02020603050405020304" pitchFamily="18" charset="0"/>
                 <a:cs typeface="Times New Roman" panose="02020603050405020304" pitchFamily="18" charset="0"/>
               </a:rPr>
-              <a:t>     </a:t>
-            </a:r>
-            <a:r>
-              <a:rPr lang="hu-HU" dirty="0" err="1" smtClean="0">
+              <a:t>storage</a:t>
+            </a:r>
+            <a:r>
+              <a:rPr lang="en-US" dirty="0">
+                <a:solidFill>
+                  <a:srgbClr val="C70040"/>
+                </a:solidFill>
+                <a:ea typeface="Times New Roman" panose="02020603050405020304" pitchFamily="18" charset="0"/>
+                <a:cs typeface="Times New Roman" panose="02020603050405020304" pitchFamily="18" charset="0"/>
+              </a:rPr>
+              <a:t>.</a:t>
+            </a:r>
+            <a:r>
+              <a:rPr lang="en-US" dirty="0">
                 <a:solidFill>
                   <a:srgbClr val="000000"/>
                 </a:solidFill>
                 <a:ea typeface="Times New Roman" panose="02020603050405020304" pitchFamily="18" charset="0"/>
                 <a:cs typeface="Times New Roman" panose="02020603050405020304" pitchFamily="18" charset="0"/>
               </a:rPr>
+              <a:t>x </a:t>
+            </a:r>
+            <a:r>
+              <a:rPr lang="en-US" dirty="0">
+                <a:solidFill>
+                  <a:srgbClr val="C70040"/>
+                </a:solidFill>
+                <a:ea typeface="Times New Roman" panose="02020603050405020304" pitchFamily="18" charset="0"/>
+                <a:cs typeface="Times New Roman" panose="02020603050405020304" pitchFamily="18" charset="0"/>
+              </a:rPr>
+              <a:t>+ </a:t>
+            </a:r>
+            <a:r>
+              <a:rPr lang="en-US" dirty="0">
+                <a:solidFill>
+                  <a:srgbClr val="000000"/>
+                </a:solidFill>
+                <a:ea typeface="Times New Roman" panose="02020603050405020304" pitchFamily="18" charset="0"/>
+                <a:cs typeface="Times New Roman" panose="02020603050405020304" pitchFamily="18" charset="0"/>
+              </a:rPr>
+              <a:t>other</a:t>
+            </a:r>
+            <a:r>
+              <a:rPr lang="en-US" dirty="0">
+                <a:solidFill>
+                  <a:srgbClr val="C70040"/>
+                </a:solidFill>
+                <a:ea typeface="Times New Roman" panose="02020603050405020304" pitchFamily="18" charset="0"/>
+                <a:cs typeface="Times New Roman" panose="02020603050405020304" pitchFamily="18" charset="0"/>
+              </a:rPr>
+              <a:t>.</a:t>
+            </a:r>
+            <a:r>
+              <a:rPr lang="hu-HU" dirty="0" err="1">
+                <a:solidFill>
+                  <a:srgbClr val="000000"/>
+                </a:solidFill>
+                <a:ea typeface="Times New Roman" panose="02020603050405020304" pitchFamily="18" charset="0"/>
+                <a:cs typeface="Times New Roman" panose="02020603050405020304" pitchFamily="18" charset="0"/>
+              </a:rPr>
               <a:t>storage</a:t>
             </a:r>
             <a:r>
-              <a:rPr lang="en-US" dirty="0" smtClean="0">
+              <a:rPr lang="en-US" dirty="0">
                 <a:solidFill>
                   <a:srgbClr val="C70040"/>
                 </a:solidFill>
@@ -16556,84 +15410,14 @@
               <a:t>.</a:t>
             </a:r>
             <a:r>
-              <a:rPr lang="en-US" dirty="0" smtClean="0">
+              <a:rPr lang="en-US" dirty="0">
                 <a:solidFill>
                   <a:srgbClr val="000000"/>
                 </a:solidFill>
                 <a:ea typeface="Times New Roman" panose="02020603050405020304" pitchFamily="18" charset="0"/>
                 <a:cs typeface="Times New Roman" panose="02020603050405020304" pitchFamily="18" charset="0"/>
               </a:rPr>
-              <a:t>x </a:t>
-            </a:r>
-            <a:r>
-              <a:rPr lang="en-US" dirty="0">
-                <a:solidFill>
-                  <a:srgbClr val="C70040"/>
-                </a:solidFill>
-                <a:ea typeface="Times New Roman" panose="02020603050405020304" pitchFamily="18" charset="0"/>
-                <a:cs typeface="Times New Roman" panose="02020603050405020304" pitchFamily="18" charset="0"/>
-              </a:rPr>
-              <a:t>+ </a:t>
-            </a:r>
-            <a:r>
-              <a:rPr lang="en-US" dirty="0" smtClean="0">
-                <a:solidFill>
-                  <a:srgbClr val="000000"/>
-                </a:solidFill>
-                <a:ea typeface="Times New Roman" panose="02020603050405020304" pitchFamily="18" charset="0"/>
-                <a:cs typeface="Times New Roman" panose="02020603050405020304" pitchFamily="18" charset="0"/>
-              </a:rPr>
-              <a:t>other</a:t>
-            </a:r>
-            <a:r>
-              <a:rPr lang="en-US" dirty="0" smtClean="0">
-                <a:solidFill>
-                  <a:srgbClr val="C70040"/>
-                </a:solidFill>
-                <a:ea typeface="Times New Roman" panose="02020603050405020304" pitchFamily="18" charset="0"/>
-                <a:cs typeface="Times New Roman" panose="02020603050405020304" pitchFamily="18" charset="0"/>
-              </a:rPr>
-              <a:t>.</a:t>
-            </a:r>
-            <a:r>
-              <a:rPr lang="hu-HU" dirty="0" err="1" smtClean="0">
-                <a:solidFill>
-                  <a:srgbClr val="000000"/>
-                </a:solidFill>
-                <a:ea typeface="Times New Roman" panose="02020603050405020304" pitchFamily="18" charset="0"/>
-                <a:cs typeface="Times New Roman" panose="02020603050405020304" pitchFamily="18" charset="0"/>
-              </a:rPr>
-              <a:t>storage</a:t>
-            </a:r>
-            <a:r>
-              <a:rPr lang="en-US" dirty="0" smtClean="0">
-                <a:solidFill>
-                  <a:srgbClr val="C70040"/>
-                </a:solidFill>
-                <a:ea typeface="Times New Roman" panose="02020603050405020304" pitchFamily="18" charset="0"/>
-                <a:cs typeface="Times New Roman" panose="02020603050405020304" pitchFamily="18" charset="0"/>
-              </a:rPr>
-              <a:t>.</a:t>
-            </a:r>
-            <a:r>
-              <a:rPr lang="en-US" dirty="0" smtClean="0">
-                <a:solidFill>
-                  <a:srgbClr val="000000"/>
-                </a:solidFill>
-                <a:ea typeface="Times New Roman" panose="02020603050405020304" pitchFamily="18" charset="0"/>
-                <a:cs typeface="Times New Roman" panose="02020603050405020304" pitchFamily="18" charset="0"/>
-              </a:rPr>
-              <a:t>x</a:t>
-            </a:r>
-            <a:r>
-              <a:rPr lang="en-US" dirty="0">
-                <a:solidFill>
-                  <a:srgbClr val="000000"/>
-                </a:solidFill>
-                <a:ea typeface="Times New Roman" panose="02020603050405020304" pitchFamily="18" charset="0"/>
-                <a:cs typeface="Times New Roman" panose="02020603050405020304" pitchFamily="18" charset="0"/>
-              </a:rPr>
-              <a:t>,</a:t>
+              <a:t>x,</a:t>
             </a:r>
             <a:endParaRPr lang="en-US" sz="1000" dirty="0">
               <a:latin typeface="Calibri" panose="020F0502020204030204" pitchFamily="34" charset="0"/>
@@ -16673,30 +15457,80 @@
                 <a:ea typeface="Times New Roman" panose="02020603050405020304" pitchFamily="18" charset="0"/>
                 <a:cs typeface="Times New Roman" panose="02020603050405020304" pitchFamily="18" charset="0"/>
               </a:rPr>
-              <a:t> </a:t>
-            </a:r>
-            <a:r>
-              <a:rPr lang="en-US" dirty="0" smtClean="0">
+              <a:t>      </a:t>
+            </a:r>
+            <a:r>
+              <a:rPr lang="hu-HU" dirty="0" err="1">
                 <a:solidFill>
                   <a:srgbClr val="000000"/>
                 </a:solidFill>
                 <a:ea typeface="Times New Roman" panose="02020603050405020304" pitchFamily="18" charset="0"/>
                 <a:cs typeface="Times New Roman" panose="02020603050405020304" pitchFamily="18" charset="0"/>
               </a:rPr>
-              <a:t>     </a:t>
-            </a:r>
-            <a:r>
-              <a:rPr lang="hu-HU" dirty="0" err="1" smtClean="0">
+              <a:t>storage</a:t>
+            </a:r>
+            <a:r>
+              <a:rPr lang="en-US" dirty="0">
+                <a:solidFill>
+                  <a:srgbClr val="C70040"/>
+                </a:solidFill>
+                <a:ea typeface="Times New Roman" panose="02020603050405020304" pitchFamily="18" charset="0"/>
+                <a:cs typeface="Times New Roman" panose="02020603050405020304" pitchFamily="18" charset="0"/>
+              </a:rPr>
+              <a:t>.</a:t>
+            </a:r>
+            <a:r>
+              <a:rPr lang="en-US" dirty="0">
                 <a:solidFill>
                   <a:srgbClr val="000000"/>
                 </a:solidFill>
                 <a:ea typeface="Times New Roman" panose="02020603050405020304" pitchFamily="18" charset="0"/>
                 <a:cs typeface="Times New Roman" panose="02020603050405020304" pitchFamily="18" charset="0"/>
               </a:rPr>
+              <a:t>y </a:t>
+            </a:r>
+            <a:r>
+              <a:rPr lang="en-US" dirty="0">
+                <a:solidFill>
+                  <a:srgbClr val="C70040"/>
+                </a:solidFill>
+                <a:ea typeface="Times New Roman" panose="02020603050405020304" pitchFamily="18" charset="0"/>
+                <a:cs typeface="Times New Roman" panose="02020603050405020304" pitchFamily="18" charset="0"/>
+              </a:rPr>
+              <a:t>+ </a:t>
+            </a:r>
+            <a:r>
+              <a:rPr lang="en-US" dirty="0">
+                <a:solidFill>
+                  <a:srgbClr val="000000"/>
+                </a:solidFill>
+                <a:ea typeface="Times New Roman" panose="02020603050405020304" pitchFamily="18" charset="0"/>
+                <a:cs typeface="Times New Roman" panose="02020603050405020304" pitchFamily="18" charset="0"/>
+              </a:rPr>
+              <a:t>other</a:t>
+            </a:r>
+            <a:r>
+              <a:rPr lang="en-US" dirty="0">
+                <a:solidFill>
+                  <a:srgbClr val="C70040"/>
+                </a:solidFill>
+                <a:ea typeface="Times New Roman" panose="02020603050405020304" pitchFamily="18" charset="0"/>
+                <a:cs typeface="Times New Roman" panose="02020603050405020304" pitchFamily="18" charset="0"/>
+              </a:rPr>
+              <a:t>.</a:t>
+            </a:r>
+            <a:r>
+              <a:rPr lang="hu-HU" dirty="0" err="1">
+                <a:solidFill>
+                  <a:srgbClr val="000000"/>
+                </a:solidFill>
+                <a:ea typeface="Times New Roman" panose="02020603050405020304" pitchFamily="18" charset="0"/>
+                <a:cs typeface="Times New Roman" panose="02020603050405020304" pitchFamily="18" charset="0"/>
+              </a:rPr>
               <a:t>storage</a:t>
             </a:r>
             <a:r>
-              <a:rPr lang="en-US" dirty="0" smtClean="0">
+              <a:rPr lang="en-US" dirty="0">
                 <a:solidFill>
                   <a:srgbClr val="C70040"/>
                 </a:solidFill>
@@ -16706,67 +15540,7 @@
               <a:t>.</a:t>
             </a:r>
             <a:r>
-              <a:rPr lang="en-US" dirty="0" smtClean="0">
-                <a:solidFill>
-                  <a:srgbClr val="000000"/>
-                </a:solidFill>
-                <a:ea typeface="Times New Roman" panose="02020603050405020304" pitchFamily="18" charset="0"/>
-                <a:cs typeface="Times New Roman" panose="02020603050405020304" pitchFamily="18" charset="0"/>
-              </a:rPr>
-              <a:t>y </a:t>
-            </a:r>
-            <a:r>
               <a:rPr lang="en-US" dirty="0">
-                <a:solidFill>
-                  <a:srgbClr val="C70040"/>
-                </a:solidFill>
-                <a:ea typeface="Times New Roman" panose="02020603050405020304" pitchFamily="18" charset="0"/>
-                <a:cs typeface="Times New Roman" panose="02020603050405020304" pitchFamily="18" charset="0"/>
-              </a:rPr>
-              <a:t>+ </a:t>
-            </a:r>
-            <a:r>
-              <a:rPr lang="en-US" dirty="0" smtClean="0">
-                <a:solidFill>
-                  <a:srgbClr val="000000"/>
-                </a:solidFill>
-                <a:ea typeface="Times New Roman" panose="02020603050405020304" pitchFamily="18" charset="0"/>
-                <a:cs typeface="Times New Roman" panose="02020603050405020304" pitchFamily="18" charset="0"/>
-              </a:rPr>
-              <a:t>other</a:t>
-            </a:r>
-            <a:r>
-              <a:rPr lang="en-US" dirty="0" smtClean="0">
-                <a:solidFill>
-                  <a:srgbClr val="C70040"/>
-                </a:solidFill>
-                <a:ea typeface="Times New Roman" panose="02020603050405020304" pitchFamily="18" charset="0"/>
-                <a:cs typeface="Times New Roman" panose="02020603050405020304" pitchFamily="18" charset="0"/>
-              </a:rPr>
-              <a:t>.</a:t>
-            </a:r>
-            <a:r>
-              <a:rPr lang="hu-HU" dirty="0" err="1" smtClean="0">
-                <a:solidFill>
-                  <a:srgbClr val="000000"/>
-                </a:solidFill>
-                <a:ea typeface="Times New Roman" panose="02020603050405020304" pitchFamily="18" charset="0"/>
-                <a:cs typeface="Times New Roman" panose="02020603050405020304" pitchFamily="18" charset="0"/>
-              </a:rPr>
-              <a:t>storage</a:t>
-            </a:r>
-            <a:r>
-              <a:rPr lang="en-US" dirty="0" smtClean="0">
-                <a:solidFill>
-                  <a:srgbClr val="C70040"/>
-                </a:solidFill>
-                <a:ea typeface="Times New Roman" panose="02020603050405020304" pitchFamily="18" charset="0"/>
-                <a:cs typeface="Times New Roman" panose="02020603050405020304" pitchFamily="18" charset="0"/>
-              </a:rPr>
-              <a:t>.</a:t>
-            </a:r>
-            <a:r>
-              <a:rPr lang="en-US" dirty="0" smtClean="0">
                 <a:solidFill>
                   <a:srgbClr val="000000"/>
                 </a:solidFill>
@@ -16886,7 +15660,7 @@
               </a:tabLst>
             </a:pPr>
             <a:r>
-              <a:rPr lang="en-US" dirty="0" smtClean="0">
+              <a:rPr lang="en-US" dirty="0">
                 <a:solidFill>
                   <a:srgbClr val="000000"/>
                 </a:solidFill>
@@ -16963,7 +15737,7 @@
           <a:lstStyle/>
           <a:p>
             <a:r>
-              <a:rPr lang="en-US" dirty="0" smtClean="0">
+              <a:rPr lang="en-US" dirty="0">
                 <a:solidFill>
                   <a:srgbClr val="FF0000"/>
                 </a:solidFill>
@@ -16971,12 +15745,6 @@
               </a:rPr>
               <a:t>typed new [very slow]</a:t>
             </a:r>
-            <a:endParaRPr lang="en-US" dirty="0">
-              <a:solidFill>
-                <a:srgbClr val="FF0000"/>
-              </a:solidFill>
-              <a:latin typeface="Whipsmart" panose="020B0502030203050204" pitchFamily="34" charset="0"/>
-            </a:endParaRPr>
           </a:p>
         </p:txBody>
       </p:sp>
@@ -17088,7 +15856,7 @@
               <a:t>float </a:t>
             </a:r>
             <a:r>
-              <a:rPr lang="en-US" dirty="0" err="1" smtClean="0">
+              <a:rPr lang="en-US" dirty="0" err="1">
                 <a:solidFill>
                   <a:srgbClr val="00B050"/>
                 </a:solidFill>
@@ -17097,7 +15865,7 @@
               <a:t>arithmetics</a:t>
             </a:r>
             <a:r>
-              <a:rPr lang="en-US" dirty="0" smtClean="0">
+              <a:rPr lang="en-US" dirty="0">
                 <a:solidFill>
                   <a:srgbClr val="00B050"/>
                 </a:solidFill>
@@ -17137,7 +15905,7 @@
           <a:lstStyle/>
           <a:p>
             <a:r>
-              <a:rPr lang="hu-HU" dirty="0" smtClean="0">
+              <a:rPr lang="hu-HU" dirty="0">
                 <a:solidFill>
                   <a:srgbClr val="00B050"/>
                 </a:solidFill>
@@ -17146,7 +15914,7 @@
               <a:t>WebGL</a:t>
             </a:r>
             <a:r>
-              <a:rPr lang="en-US" dirty="0" smtClean="0">
+              <a:rPr lang="en-US" dirty="0">
                 <a:solidFill>
                   <a:srgbClr val="00B050"/>
                 </a:solidFill>
@@ -17303,13 +16071,6 @@
   <p:clrMapOvr>
     <a:masterClrMapping/>
   </p:clrMapOvr>
-  <p:timing>
-    <p:tnLst>
-      <p:par>
-        <p:cTn id="1" dur="indefinite" restart="never" nodeType="tmRoot"/>
-      </p:par>
-    </p:tnLst>
-  </p:timing>
 </p:sld>
 </file>
 
@@ -17346,14 +16107,9 @@
           <a:lstStyle/>
           <a:p>
             <a:r>
-              <a:rPr lang="en-US" dirty="0" smtClean="0"/>
-              <a:t>Coordinat</a:t>
-            </a:r>
-            <a:r>
-              <a:rPr lang="en-US" dirty="0" smtClean="0"/>
-              <a:t>e getters/setters</a:t>
-            </a:r>
-            <a:endParaRPr lang="en-US" dirty="0"/>
+              <a:rPr lang="en-US" dirty="0"/>
+              <a:t>Coordinate getters/setters</a:t>
+            </a:r>
           </a:p>
         </p:txBody>
       </p:sp>
@@ -18066,13 +16822,6 @@
   <p:clrMapOvr>
     <a:masterClrMapping/>
   </p:clrMapOvr>
-  <p:timing>
-    <p:tnLst>
-      <p:par>
-        <p:cTn id="1" dur="indefinite" restart="never" nodeType="tmRoot"/>
-      </p:par>
-    </p:tnLst>
-  </p:timing>
 </p:sld>
 </file>
 
@@ -18109,7 +16858,7 @@
           <a:lstStyle/>
           <a:p>
             <a:r>
-              <a:rPr lang="en-US" dirty="0" smtClean="0"/>
+              <a:rPr lang="en-US" dirty="0"/>
               <a:t>Avoid </a:t>
             </a:r>
             <a:r>
@@ -18119,20 +16868,19 @@
               <a:t>n</a:t>
             </a:r>
             <a:r>
-              <a:rPr lang="hu-HU" dirty="0" smtClean="0">
+              <a:rPr lang="hu-HU" dirty="0">
                 <a:latin typeface="Consolas" panose="020B0609020204030204" pitchFamily="49" charset="0"/>
               </a:rPr>
               <a:t>ew</a:t>
             </a:r>
             <a:r>
-              <a:rPr lang="hu-HU" dirty="0" smtClean="0"/>
+              <a:rPr lang="hu-HU" dirty="0"/>
               <a:t>: </a:t>
             </a:r>
             <a:r>
-              <a:rPr lang="en-US" dirty="0" smtClean="0"/>
+              <a:rPr lang="en-US" dirty="0"/>
               <a:t>assignment operator</a:t>
             </a:r>
-            <a:endParaRPr lang="en-US" dirty="0"/>
           </a:p>
         </p:txBody>
       </p:sp>
@@ -18182,17 +16930,7 @@
                 <a:ea typeface="Times New Roman" panose="02020603050405020304" pitchFamily="18" charset="0"/>
                 <a:cs typeface="Times New Roman" panose="02020603050405020304" pitchFamily="18" charset="0"/>
               </a:rPr>
-              <a:t>operator </a:t>
-            </a:r>
-            <a:r>
-              <a:rPr lang="en-US" dirty="0" smtClean="0">
-                <a:solidFill>
-                  <a:srgbClr val="C70040"/>
-                </a:solidFill>
-                <a:ea typeface="Times New Roman" panose="02020603050405020304" pitchFamily="18" charset="0"/>
-                <a:cs typeface="Times New Roman" panose="02020603050405020304" pitchFamily="18" charset="0"/>
-              </a:rPr>
-              <a:t>fun </a:t>
+              <a:t>operator fun </a:t>
             </a:r>
             <a:r>
               <a:rPr lang="en-US" dirty="0" err="1">
@@ -18604,14 +17342,14 @@
               </a:rPr>
               <a:t> </a:t>
             </a:r>
-            <a:endParaRPr lang="hu-HU" dirty="0" smtClean="0"/>
-          </a:p>
-          <a:p>
-            <a:endParaRPr lang="hu-HU" dirty="0" smtClean="0"/>
-          </a:p>
-          <a:p>
-            <a:r>
-              <a:rPr lang="en-US" dirty="0" smtClean="0">
+            <a:endParaRPr lang="hu-HU" dirty="0"/>
+          </a:p>
+          <a:p>
+            <a:endParaRPr lang="hu-HU" dirty="0"/>
+          </a:p>
+          <a:p>
+            <a:r>
+              <a:rPr lang="en-US" dirty="0">
                 <a:solidFill>
                   <a:srgbClr val="00B050"/>
                 </a:solidFill>
@@ -18619,7 +17357,7 @@
               <a:t>// </a:t>
             </a:r>
             <a:r>
-              <a:rPr lang="hu-HU" dirty="0" smtClean="0">
+              <a:rPr lang="hu-HU" dirty="0">
                 <a:solidFill>
                   <a:srgbClr val="00B050"/>
                 </a:solidFill>
@@ -18627,7 +17365,7 @@
               <a:t>a </a:t>
             </a:r>
             <a:r>
-              <a:rPr lang="en-US" dirty="0" smtClean="0">
+              <a:rPr lang="en-US" dirty="0">
                 <a:solidFill>
                   <a:srgbClr val="00B050"/>
                 </a:solidFill>
@@ -18637,23 +17375,23 @@
           </a:p>
           <a:p>
             <a:r>
-              <a:rPr lang="en-US" dirty="0" err="1" smtClean="0"/>
+              <a:rPr lang="en-US" dirty="0" err="1"/>
               <a:t>a.set</a:t>
             </a:r>
             <a:r>
-              <a:rPr lang="en-US" dirty="0" smtClean="0"/>
+              <a:rPr lang="en-US" dirty="0"/>
               <a:t>(b)</a:t>
             </a:r>
           </a:p>
           <a:p>
             <a:r>
-              <a:rPr lang="en-US" dirty="0" smtClean="0"/>
+              <a:rPr lang="en-US" dirty="0"/>
               <a:t>a += c</a:t>
             </a:r>
           </a:p>
           <a:p>
             <a:r>
-              <a:rPr lang="en-US" dirty="0" smtClean="0">
+              <a:rPr lang="en-US" dirty="0">
                 <a:solidFill>
                   <a:srgbClr val="00B050"/>
                 </a:solidFill>
@@ -18661,7 +17399,7 @@
               <a:t>	//</a:t>
             </a:r>
             <a:r>
-              <a:rPr lang="en-US" dirty="0" err="1" smtClean="0">
+              <a:rPr lang="en-US" dirty="0" err="1">
                 <a:solidFill>
                   <a:srgbClr val="00B050"/>
                 </a:solidFill>
@@ -18669,7 +17407,7 @@
               <a:t>jsperf</a:t>
             </a:r>
             <a:r>
-              <a:rPr lang="en-US" dirty="0" smtClean="0">
+              <a:rPr lang="en-US" dirty="0">
                 <a:solidFill>
                   <a:srgbClr val="00B050"/>
                 </a:solidFill>
@@ -18677,7 +17415,7 @@
               <a:t>: 3x </a:t>
             </a:r>
             <a:r>
-              <a:rPr lang="en-US" dirty="0" err="1" smtClean="0">
+              <a:rPr lang="en-US" dirty="0" err="1">
                 <a:solidFill>
                   <a:srgbClr val="00B050"/>
                 </a:solidFill>
@@ -18685,7 +17423,7 @@
               <a:t>gyorsabb</a:t>
             </a:r>
             <a:r>
-              <a:rPr lang="en-US" dirty="0" smtClean="0">
+              <a:rPr lang="en-US" dirty="0">
                 <a:solidFill>
                   <a:srgbClr val="00B050"/>
                 </a:solidFill>
@@ -18693,7 +17431,7 @@
               <a:t>, mint </a:t>
             </a:r>
             <a:r>
-              <a:rPr lang="en-US" dirty="0" err="1" smtClean="0">
+              <a:rPr lang="en-US" dirty="0" err="1">
                 <a:solidFill>
                   <a:srgbClr val="00B050"/>
                 </a:solidFill>
@@ -18701,18 +17439,13 @@
               <a:t>val</a:t>
             </a:r>
             <a:r>
-              <a:rPr lang="en-US" dirty="0" smtClean="0">
+              <a:rPr lang="en-US" dirty="0">
                 <a:solidFill>
                   <a:srgbClr val="00B050"/>
                 </a:solidFill>
               </a:rPr>
               <a:t> a = b + c</a:t>
             </a:r>
-            <a:endParaRPr lang="en-US" dirty="0">
-              <a:solidFill>
-                <a:srgbClr val="00B050"/>
-              </a:solidFill>
-            </a:endParaRPr>
           </a:p>
         </p:txBody>
       </p:sp>
@@ -18726,13 +17459,6 @@
   <p:clrMapOvr>
     <a:masterClrMapping/>
   </p:clrMapOvr>
-  <p:timing>
-    <p:tnLst>
-      <p:par>
-        <p:cTn id="1" dur="indefinite" restart="never" nodeType="tmRoot"/>
-      </p:par>
-    </p:tnLst>
-  </p:timing>
 </p:sld>
 </file>
 
@@ -18769,10 +17495,9 @@
           <a:lstStyle/>
           <a:p>
             <a:r>
-              <a:rPr lang="en-US" dirty="0" smtClean="0"/>
+              <a:rPr lang="en-US" dirty="0"/>
               <a:t>Vector array types</a:t>
             </a:r>
-            <a:endParaRPr lang="en-US" dirty="0"/>
           </a:p>
         </p:txBody>
       </p:sp>
@@ -18792,70 +17517,70 @@
           <a:lstStyle/>
           <a:p>
             <a:r>
-              <a:rPr lang="en-US" dirty="0" smtClean="0"/>
+              <a:rPr lang="en-US" dirty="0"/>
               <a:t>GL</a:t>
             </a:r>
             <a:r>
-              <a:rPr lang="hu-HU" dirty="0" smtClean="0"/>
+              <a:rPr lang="hu-HU" dirty="0"/>
               <a:t>SL</a:t>
             </a:r>
             <a:r>
-              <a:rPr lang="en-US" dirty="0" smtClean="0"/>
+              <a:rPr lang="en-US" dirty="0"/>
               <a:t> also has them</a:t>
             </a:r>
-            <a:endParaRPr lang="hu-HU" dirty="0" smtClean="0"/>
+            <a:endParaRPr lang="hu-HU" dirty="0"/>
           </a:p>
           <a:p>
             <a:pPr lvl="1"/>
             <a:r>
-              <a:rPr lang="en-US" dirty="0" smtClean="0"/>
+              <a:rPr lang="en-US" dirty="0"/>
               <a:t>we need them in </a:t>
             </a:r>
             <a:r>
-              <a:rPr lang="en-US" dirty="0" err="1" smtClean="0"/>
+              <a:rPr lang="en-US" dirty="0" err="1"/>
               <a:t>Kotlin</a:t>
             </a:r>
             <a:r>
-              <a:rPr lang="en-US" dirty="0" smtClean="0"/>
+              <a:rPr lang="en-US" dirty="0"/>
               <a:t> to directly set vector-array typed uniforms</a:t>
             </a:r>
-            <a:endParaRPr lang="hu-HU" dirty="0" smtClean="0"/>
+            <a:endParaRPr lang="hu-HU" dirty="0"/>
           </a:p>
           <a:p>
             <a:pPr lvl="1"/>
             <a:r>
-              <a:rPr lang="en-US" dirty="0" smtClean="0"/>
+              <a:rPr lang="en-US" dirty="0"/>
               <a:t>we want them </a:t>
             </a:r>
             <a:r>
-              <a:rPr lang="en-US" dirty="0" err="1" smtClean="0"/>
+              <a:rPr lang="en-US" dirty="0" err="1"/>
               <a:t>indexable</a:t>
             </a:r>
-            <a:endParaRPr lang="hu-HU" dirty="0" smtClean="0"/>
-          </a:p>
-          <a:p>
-            <a:r>
-              <a:rPr lang="en-US" dirty="0" smtClean="0"/>
+            <a:endParaRPr lang="hu-HU" dirty="0"/>
+          </a:p>
+          <a:p>
+            <a:r>
+              <a:rPr lang="en-US" dirty="0"/>
               <a:t>operations on arrays</a:t>
             </a:r>
-            <a:endParaRPr lang="hu-HU" dirty="0" smtClean="0"/>
+            <a:endParaRPr lang="hu-HU" dirty="0"/>
           </a:p>
           <a:p>
             <a:pPr lvl="1"/>
             <a:r>
-              <a:rPr lang="en-US" dirty="0" smtClean="0"/>
+              <a:rPr lang="en-US" dirty="0"/>
               <a:t>done in single function call</a:t>
             </a:r>
-            <a:endParaRPr lang="hu-HU" dirty="0" smtClean="0"/>
+            <a:endParaRPr lang="hu-HU" dirty="0"/>
           </a:p>
           <a:p>
             <a:pPr lvl="1"/>
             <a:r>
-              <a:rPr lang="en-US" dirty="0" smtClean="0"/>
+              <a:rPr lang="en-US" dirty="0"/>
               <a:t>fast </a:t>
             </a:r>
             <a:r>
-              <a:rPr lang="en-US" dirty="0" err="1" smtClean="0"/>
+              <a:rPr lang="en-US" dirty="0" err="1"/>
               <a:t>arithmetics</a:t>
             </a:r>
             <a:endParaRPr lang="en-US" dirty="0"/>
@@ -18872,13 +17597,6 @@
   <p:clrMapOvr>
     <a:masterClrMapping/>
   </p:clrMapOvr>
-  <p:timing>
-    <p:tnLst>
-      <p:par>
-        <p:cTn id="1" dur="indefinite" restart="never" nodeType="tmRoot"/>
-      </p:par>
-    </p:tnLst>
-  </p:timing>
 </p:sld>
 </file>
 
@@ -18915,14 +17633,13 @@
           <a:lstStyle/>
           <a:p>
             <a:r>
-              <a:rPr lang="hu-HU" dirty="0" smtClean="0"/>
+              <a:rPr lang="hu-HU" dirty="0"/>
               <a:t>Index</a:t>
             </a:r>
             <a:r>
-              <a:rPr lang="en-US" dirty="0" smtClean="0"/>
+              <a:rPr lang="en-US" dirty="0"/>
               <a:t>ability</a:t>
             </a:r>
-            <a:endParaRPr lang="en-US" dirty="0"/>
           </a:p>
         </p:txBody>
       </p:sp>
@@ -18984,67 +17701,37 @@
                 <a:ea typeface="Times New Roman" panose="02020603050405020304" pitchFamily="18" charset="0"/>
                 <a:cs typeface="Times New Roman" panose="02020603050405020304" pitchFamily="18" charset="0"/>
               </a:rPr>
-              <a:t>Vec2Array</a:t>
+              <a:t>Vec2Array() </a:t>
             </a:r>
             <a:r>
               <a:rPr lang="en-US" sz="2000" dirty="0">
                 <a:solidFill>
+                  <a:srgbClr val="C70040"/>
+                </a:solidFill>
+                <a:ea typeface="Times New Roman" panose="02020603050405020304" pitchFamily="18" charset="0"/>
+                <a:cs typeface="Times New Roman" panose="02020603050405020304" pitchFamily="18" charset="0"/>
+              </a:rPr>
+              <a:t>: </a:t>
+            </a:r>
+            <a:r>
+              <a:rPr lang="en-US" sz="2000" i="1" dirty="0" err="1">
+                <a:solidFill>
+                  <a:srgbClr val="427E00"/>
+                </a:solidFill>
+                <a:ea typeface="Times New Roman" panose="02020603050405020304" pitchFamily="18" charset="0"/>
+                <a:cs typeface="Times New Roman" panose="02020603050405020304" pitchFamily="18" charset="0"/>
+              </a:rPr>
+              <a:t>VecArray</a:t>
+            </a:r>
+            <a:r>
+              <a:rPr lang="en-US" sz="2000" dirty="0">
+                <a:solidFill>
                   <a:srgbClr val="000000"/>
                 </a:solidFill>
                 <a:ea typeface="Times New Roman" panose="02020603050405020304" pitchFamily="18" charset="0"/>
                 <a:cs typeface="Times New Roman" panose="02020603050405020304" pitchFamily="18" charset="0"/>
               </a:rPr>
-              <a:t>() </a:t>
-            </a:r>
-            <a:r>
-              <a:rPr lang="en-US" sz="2000" dirty="0">
-                <a:solidFill>
-                  <a:srgbClr val="C70040"/>
-                </a:solidFill>
-                <a:ea typeface="Times New Roman" panose="02020603050405020304" pitchFamily="18" charset="0"/>
-                <a:cs typeface="Times New Roman" panose="02020603050405020304" pitchFamily="18" charset="0"/>
-              </a:rPr>
-              <a:t>: </a:t>
-            </a:r>
-            <a:r>
-              <a:rPr lang="en-US" sz="2000" i="1" dirty="0" err="1">
-                <a:solidFill>
-                  <a:srgbClr val="427E00"/>
-                </a:solidFill>
-                <a:ea typeface="Times New Roman" panose="02020603050405020304" pitchFamily="18" charset="0"/>
-                <a:cs typeface="Times New Roman" panose="02020603050405020304" pitchFamily="18" charset="0"/>
-              </a:rPr>
-              <a:t>VecArray</a:t>
-            </a:r>
-            <a:r>
-              <a:rPr lang="en-US" sz="2000" dirty="0">
-                <a:solidFill>
-                  <a:srgbClr val="000000"/>
-                </a:solidFill>
-                <a:ea typeface="Times New Roman" panose="02020603050405020304" pitchFamily="18" charset="0"/>
-                <a:cs typeface="Times New Roman" panose="02020603050405020304" pitchFamily="18" charset="0"/>
-              </a:rPr>
-              <a:t>() </a:t>
-            </a:r>
-            <a:r>
-              <a:rPr lang="en-US" sz="2000" dirty="0">
-                <a:solidFill>
-                  <a:srgbClr val="000000"/>
-                </a:solidFill>
-                <a:ea typeface="Times New Roman" panose="02020603050405020304" pitchFamily="18" charset="0"/>
-                <a:cs typeface="Times New Roman" panose="02020603050405020304" pitchFamily="18" charset="0"/>
-              </a:rPr>
-              <a:t>{</a:t>
-            </a:r>
-            <a:r>
-              <a:rPr lang="en-US" sz="2000" dirty="0">
-                <a:solidFill>
-                  <a:srgbClr val="000000"/>
-                </a:solidFill>
-                <a:ea typeface="Times New Roman" panose="02020603050405020304" pitchFamily="18" charset="0"/>
-                <a:cs typeface="Times New Roman" panose="02020603050405020304" pitchFamily="18" charset="0"/>
-              </a:rPr>
-              <a:t> </a:t>
+              <a:t>() { </a:t>
             </a:r>
             <a:endParaRPr lang="en-US" sz="2000" dirty="0">
               <a:latin typeface="Calibri" panose="020F0502020204030204" pitchFamily="34" charset="0"/>
@@ -19324,17 +18011,7 @@
                 <a:ea typeface="Times New Roman" panose="02020603050405020304" pitchFamily="18" charset="0"/>
                 <a:cs typeface="Times New Roman" panose="02020603050405020304" pitchFamily="18" charset="0"/>
               </a:rPr>
-              <a:t>  </a:t>
-            </a:r>
-            <a:r>
-              <a:rPr lang="en-US" sz="2000" dirty="0">
-                <a:solidFill>
-                  <a:srgbClr val="000000"/>
-                </a:solidFill>
-                <a:ea typeface="Times New Roman" panose="02020603050405020304" pitchFamily="18" charset="0"/>
-                <a:cs typeface="Times New Roman" panose="02020603050405020304" pitchFamily="18" charset="0"/>
-              </a:rPr>
-              <a:t>}</a:t>
+              <a:t>  }</a:t>
             </a:r>
           </a:p>
           <a:p>
@@ -19584,17 +18261,7 @@
                 <a:ea typeface="Times New Roman" panose="02020603050405020304" pitchFamily="18" charset="0"/>
                 <a:cs typeface="Times New Roman" panose="02020603050405020304" pitchFamily="18" charset="0"/>
               </a:rPr>
-              <a:t>  </a:t>
-            </a:r>
-            <a:r>
-              <a:rPr lang="en-US" sz="2000" dirty="0">
-                <a:solidFill>
-                  <a:srgbClr val="000000"/>
-                </a:solidFill>
-                <a:ea typeface="Times New Roman" panose="02020603050405020304" pitchFamily="18" charset="0"/>
-                <a:cs typeface="Times New Roman" panose="02020603050405020304" pitchFamily="18" charset="0"/>
-              </a:rPr>
-              <a:t>constructor(u</a:t>
+              <a:t>  constructor(u</a:t>
             </a:r>
             <a:r>
               <a:rPr lang="en-US" sz="2000" dirty="0">
@@ -20096,13 +18763,6 @@
               </a:rPr>
               <a:t>= </a:t>
             </a:r>
-            <a:endParaRPr lang="en-US" sz="2000" dirty="0">
-              <a:solidFill>
-                <a:srgbClr val="C70040"/>
-              </a:solidFill>
-              <a:ea typeface="Times New Roman" panose="02020603050405020304" pitchFamily="18" charset="0"/>
-              <a:cs typeface="Times New Roman" panose="02020603050405020304" pitchFamily="18" charset="0"/>
-            </a:endParaRPr>
           </a:p>
           <a:p>
             <a:pPr>
@@ -20231,17 +18891,7 @@
                 <a:ea typeface="Times New Roman" panose="02020603050405020304" pitchFamily="18" charset="0"/>
                 <a:cs typeface="Times New Roman" panose="02020603050405020304" pitchFamily="18" charset="0"/>
               </a:rPr>
-              <a:t> </a:t>
-            </a:r>
-            <a:r>
-              <a:rPr lang="en-US" sz="2000" dirty="0">
-                <a:solidFill>
-                  <a:srgbClr val="000000"/>
-                </a:solidFill>
-                <a:ea typeface="Times New Roman" panose="02020603050405020304" pitchFamily="18" charset="0"/>
-                <a:cs typeface="Times New Roman" panose="02020603050405020304" pitchFamily="18" charset="0"/>
-              </a:rPr>
-              <a:t> </a:t>
+              <a:t>  </a:t>
             </a:r>
             <a:r>
               <a:rPr lang="en-US" sz="2000" dirty="0">
@@ -20356,13 +19006,6 @@
   <p:clrMapOvr>
     <a:masterClrMapping/>
   </p:clrMapOvr>
-  <p:timing>
-    <p:tnLst>
-      <p:par>
-        <p:cTn id="1" dur="indefinite" restart="never" nodeType="tmRoot"/>
-      </p:par>
-    </p:tnLst>
-  </p:timing>
 </p:sld>
 </file>
 
@@ -20399,10 +19042,9 @@
           <a:lstStyle/>
           <a:p>
             <a:r>
-              <a:rPr lang="en-US" dirty="0" smtClean="0"/>
+              <a:rPr lang="en-US" dirty="0"/>
               <a:t>Swizzle</a:t>
             </a:r>
-            <a:endParaRPr lang="en-US" dirty="0"/>
           </a:p>
         </p:txBody>
       </p:sp>
@@ -21212,13 +19854,6 @@
   <p:clrMapOvr>
     <a:masterClrMapping/>
   </p:clrMapOvr>
-  <p:timing>
-    <p:tnLst>
-      <p:par>
-        <p:cTn id="1" dur="indefinite" restart="never" nodeType="tmRoot"/>
-      </p:par>
-    </p:tnLst>
-  </p:timing>
 </p:sld>
 </file>
 
@@ -21258,7 +19893,7 @@
               <a:defRPr/>
             </a:pPr>
             <a:r>
-              <a:rPr lang="hu-HU" dirty="0" smtClean="0"/>
+              <a:rPr lang="hu-HU" dirty="0"/>
               <a:t>Euclidean geometry - axioms</a:t>
             </a:r>
           </a:p>
@@ -21287,23 +19922,23 @@
               </a:lnSpc>
             </a:pPr>
             <a:r>
-              <a:rPr lang="en-US" altLang="en-US" dirty="0" smtClean="0"/>
+              <a:rPr lang="en-US" altLang="en-US" dirty="0"/>
               <a:t>Exactly one </a:t>
             </a:r>
             <a:r>
-              <a:rPr lang="en-US" altLang="en-US" b="1" dirty="0" smtClean="0"/>
+              <a:rPr lang="en-US" altLang="en-US" b="1" dirty="0"/>
               <a:t>straight line</a:t>
             </a:r>
             <a:r>
-              <a:rPr lang="en-US" altLang="en-US" dirty="0" smtClean="0"/>
+              <a:rPr lang="en-US" altLang="en-US" dirty="0"/>
               <a:t> can be drawn through two </a:t>
             </a:r>
             <a:r>
-              <a:rPr lang="en-US" altLang="en-US" b="1" dirty="0" smtClean="0"/>
+              <a:rPr lang="en-US" altLang="en-US" b="1" dirty="0"/>
               <a:t>point</a:t>
             </a:r>
             <a:r>
-              <a:rPr lang="en-US" altLang="en-US" dirty="0" smtClean="0"/>
+              <a:rPr lang="en-US" altLang="en-US" dirty="0"/>
               <a:t>s.</a:t>
             </a:r>
           </a:p>
@@ -21314,126 +19949,126 @@
               </a:lnSpc>
             </a:pPr>
             <a:r>
-              <a:rPr lang="hu-HU" altLang="en-US" dirty="0" smtClean="0"/>
+              <a:rPr lang="hu-HU" altLang="en-US" dirty="0"/>
               <a:t>Exactly one </a:t>
             </a:r>
             <a:r>
-              <a:rPr lang="hu-HU" altLang="en-US" b="1" dirty="0" smtClean="0"/>
+              <a:rPr lang="hu-HU" altLang="en-US" b="1" dirty="0"/>
               <a:t>straight line</a:t>
             </a:r>
             <a:r>
-              <a:rPr lang="hu-HU" altLang="en-US" dirty="0" smtClean="0"/>
+              <a:rPr lang="hu-HU" altLang="en-US" dirty="0"/>
               <a:t> fits any </a:t>
             </a:r>
             <a:r>
-              <a:rPr lang="hu-HU" altLang="en-US" b="1" dirty="0" smtClean="0"/>
+              <a:rPr lang="hu-HU" altLang="en-US" b="1" dirty="0"/>
               <a:t>line segment</a:t>
             </a:r>
             <a:r>
-              <a:rPr lang="hu-HU" altLang="en-US" dirty="0" smtClean="0"/>
+              <a:rPr lang="hu-HU" altLang="en-US" dirty="0"/>
               <a:t>.</a:t>
             </a:r>
-            <a:endParaRPr lang="en-US" altLang="en-US" dirty="0" smtClean="0"/>
-          </a:p>
-          <a:p>
-            <a:r>
-              <a:rPr lang="hu-HU" altLang="en-US" dirty="0" smtClean="0"/>
+            <a:endParaRPr lang="en-US" altLang="en-US" dirty="0"/>
+          </a:p>
+          <a:p>
+            <a:r>
+              <a:rPr lang="hu-HU" altLang="en-US" dirty="0"/>
               <a:t>Exactly one </a:t>
             </a:r>
             <a:r>
-              <a:rPr lang="hu-HU" altLang="en-US" b="1" dirty="0" smtClean="0"/>
+              <a:rPr lang="hu-HU" altLang="en-US" b="1" dirty="0"/>
               <a:t>circle</a:t>
             </a:r>
             <a:r>
-              <a:rPr lang="hu-HU" altLang="en-US" dirty="0" smtClean="0"/>
+              <a:rPr lang="hu-HU" altLang="en-US" dirty="0"/>
               <a:t> can be drawn with a given </a:t>
             </a:r>
             <a:r>
-              <a:rPr lang="hu-HU" altLang="en-US" b="1" dirty="0" smtClean="0"/>
+              <a:rPr lang="hu-HU" altLang="en-US" b="1" dirty="0"/>
               <a:t>point</a:t>
             </a:r>
             <a:r>
-              <a:rPr lang="hu-HU" altLang="en-US" dirty="0" smtClean="0"/>
+              <a:rPr lang="hu-HU" altLang="en-US" dirty="0"/>
               <a:t> as center, and </a:t>
             </a:r>
             <a:r>
-              <a:rPr lang="hu-HU" altLang="en-US" b="1" dirty="0" smtClean="0"/>
+              <a:rPr lang="hu-HU" altLang="en-US" b="1" dirty="0"/>
               <a:t>distance</a:t>
             </a:r>
             <a:r>
-              <a:rPr lang="hu-HU" altLang="en-US" dirty="0" smtClean="0"/>
+              <a:rPr lang="hu-HU" altLang="en-US" dirty="0"/>
               <a:t> as radius.</a:t>
             </a:r>
-            <a:endParaRPr lang="en-US" altLang="en-US" dirty="0" smtClean="0"/>
-          </a:p>
-          <a:p>
-            <a:r>
-              <a:rPr lang="hu-HU" altLang="en-US" dirty="0" smtClean="0"/>
+            <a:endParaRPr lang="en-US" altLang="en-US" dirty="0"/>
+          </a:p>
+          <a:p>
+            <a:r>
+              <a:rPr lang="hu-HU" altLang="en-US" dirty="0"/>
               <a:t>Any two right angles are equal</a:t>
             </a:r>
             <a:r>
-              <a:rPr lang="en-US" altLang="en-US" dirty="0" smtClean="0"/>
+              <a:rPr lang="en-US" altLang="en-US" dirty="0"/>
               <a:t>.</a:t>
             </a:r>
           </a:p>
           <a:p>
             <a:r>
-              <a:rPr lang="hu-HU" altLang="en-US" dirty="0" smtClean="0"/>
+              <a:rPr lang="hu-HU" altLang="en-US" dirty="0"/>
               <a:t>For any given </a:t>
             </a:r>
             <a:r>
-              <a:rPr lang="hu-HU" altLang="en-US" b="1" dirty="0" smtClean="0"/>
+              <a:rPr lang="hu-HU" altLang="en-US" b="1" dirty="0"/>
               <a:t>straight line</a:t>
             </a:r>
             <a:r>
-              <a:rPr lang="hu-HU" altLang="en-US" dirty="0" smtClean="0"/>
+              <a:rPr lang="hu-HU" altLang="en-US" dirty="0"/>
               <a:t> and </a:t>
             </a:r>
             <a:r>
-              <a:rPr lang="hu-HU" altLang="en-US" b="1" dirty="0" smtClean="0"/>
+              <a:rPr lang="hu-HU" altLang="en-US" b="1" dirty="0"/>
               <a:t>point</a:t>
             </a:r>
             <a:r>
-              <a:rPr lang="hu-HU" altLang="en-US" dirty="0" smtClean="0"/>
+              <a:rPr lang="hu-HU" altLang="en-US" dirty="0"/>
               <a:t>, exactly one </a:t>
             </a:r>
             <a:r>
-              <a:rPr lang="hu-HU" altLang="en-US" b="1" dirty="0" smtClean="0"/>
+              <a:rPr lang="hu-HU" altLang="en-US" b="1" dirty="0"/>
               <a:t>straight line</a:t>
             </a:r>
             <a:r>
-              <a:rPr lang="hu-HU" altLang="en-US" dirty="0" smtClean="0"/>
+              <a:rPr lang="hu-HU" altLang="en-US" dirty="0"/>
               <a:t> can be drawn that goes through the </a:t>
             </a:r>
             <a:r>
-              <a:rPr lang="hu-HU" altLang="en-US" b="1" dirty="0" smtClean="0"/>
+              <a:rPr lang="hu-HU" altLang="en-US" b="1" dirty="0"/>
               <a:t>point</a:t>
             </a:r>
             <a:r>
-              <a:rPr lang="hu-HU" altLang="en-US" dirty="0" smtClean="0"/>
+              <a:rPr lang="hu-HU" altLang="en-US" dirty="0"/>
               <a:t> and has no common </a:t>
             </a:r>
             <a:r>
-              <a:rPr lang="hu-HU" altLang="en-US" b="1" dirty="0" smtClean="0"/>
+              <a:rPr lang="hu-HU" altLang="en-US" b="1" dirty="0"/>
               <a:t>point</a:t>
             </a:r>
             <a:r>
-              <a:rPr lang="hu-HU" altLang="en-US" dirty="0" smtClean="0"/>
+              <a:rPr lang="hu-HU" altLang="en-US" dirty="0"/>
               <a:t> with the </a:t>
             </a:r>
             <a:r>
-              <a:rPr lang="hu-HU" altLang="en-US" b="1" dirty="0" smtClean="0"/>
+              <a:rPr lang="hu-HU" altLang="en-US" b="1" dirty="0"/>
               <a:t>line</a:t>
             </a:r>
             <a:r>
-              <a:rPr lang="hu-HU" altLang="en-US" dirty="0" smtClean="0"/>
+              <a:rPr lang="hu-HU" altLang="en-US" dirty="0"/>
               <a:t>.</a:t>
             </a:r>
-            <a:endParaRPr lang="en-US" altLang="en-US" dirty="0" smtClean="0"/>
-          </a:p>
-          <a:p>
-            <a:r>
-              <a:rPr lang="hu-HU" dirty="0" smtClean="0">
+            <a:endParaRPr lang="en-US" altLang="en-US" dirty="0"/>
+          </a:p>
+          <a:p>
+            <a:r>
+              <a:rPr lang="hu-HU" dirty="0">
                 <a:solidFill>
                   <a:schemeClr val="bg1">
                     <a:lumMod val="50000"/>
@@ -21442,7 +20077,7 @@
               </a:rPr>
               <a:t>Two things equal to the same thing are equal to each other.</a:t>
             </a:r>
-            <a:endParaRPr lang="en-US" dirty="0" smtClean="0">
+            <a:endParaRPr lang="en-US" dirty="0">
               <a:solidFill>
                 <a:schemeClr val="bg1">
                   <a:lumMod val="50000"/>
@@ -21452,7 +20087,7 @@
           </a:p>
           <a:p>
             <a:r>
-              <a:rPr lang="hu-HU" dirty="0" smtClean="0">
+              <a:rPr lang="hu-HU" dirty="0">
                 <a:solidFill>
                   <a:schemeClr val="bg1">
                     <a:lumMod val="50000"/>
@@ -21461,7 +20096,7 @@
               </a:rPr>
               <a:t>Two equal things doubled are also equal.</a:t>
             </a:r>
-            <a:endParaRPr lang="en-US" dirty="0" smtClean="0">
+            <a:endParaRPr lang="en-US" dirty="0">
               <a:solidFill>
                 <a:schemeClr val="bg1">
                   <a:lumMod val="50000"/>
@@ -21487,14 +20122,6 @@
   <p:clrMapOvr>
     <a:masterClrMapping/>
   </p:clrMapOvr>
-  <mc:AlternateContent xmlns:mc="http://schemas.openxmlformats.org/markup-compatibility/2006" xmlns:p14="http://schemas.microsoft.com/office/powerpoint/2010/main">
-    <mc:Choice Requires="p14">
-      <p:transition spd="slow" p14:dur="2000"/>
-    </mc:Choice>
-    <mc:Fallback xmlns="">
-      <p:transition spd="slow"/>
-    </mc:Fallback>
-  </mc:AlternateContent>
   <p:timing>
     <p:tnLst>
       <p:par>
@@ -21991,10 +20618,9 @@
           <a:lstStyle/>
           <a:p>
             <a:r>
-              <a:rPr lang="en-US" dirty="0" smtClean="0"/>
+              <a:rPr lang="en-US" dirty="0"/>
               <a:t>Use vectors</a:t>
             </a:r>
-            <a:endParaRPr lang="en-US" dirty="0"/>
           </a:p>
         </p:txBody>
       </p:sp>
@@ -22027,43 +20653,26 @@
               <a:t>Scene</a:t>
             </a:r>
             <a:r>
-              <a:rPr lang="en-US" dirty="0" smtClean="0"/>
+              <a:rPr lang="en-US" dirty="0"/>
               <a:t>'s property </a:t>
             </a:r>
             <a:r>
-              <a:rPr lang="hu-HU" dirty="0" err="1" smtClean="0">
+              <a:rPr lang="hu-HU" dirty="0" err="1">
                 <a:latin typeface="Consolas" panose="020B0609020204030204" pitchFamily="49" charset="0"/>
                 <a:cs typeface="Consolas" panose="020B0609020204030204" pitchFamily="49" charset="0"/>
               </a:rPr>
               <a:t>avatar</a:t>
-            </a:r>
-            <a:r>
-              <a:rPr lang="en-US" dirty="0" smtClean="0">
-                <a:latin typeface="Consolas" panose="020B0609020204030204" pitchFamily="49" charset="0"/>
-                <a:cs typeface="Consolas" panose="020B0609020204030204" pitchFamily="49" charset="0"/>
-              </a:rPr>
-              <a:t>Position</a:t>
-            </a:r>
-            <a:r>
-              <a:rPr lang="en-US" dirty="0" smtClean="0"/>
-              <a:t> </a:t>
-            </a:r>
-            <a:r>
-              <a:rPr lang="en-US" dirty="0"/>
-              <a:t>a </a:t>
             </a:r>
             <a:r>
               <a:rPr lang="en-US" dirty="0">
                 <a:latin typeface="Consolas" panose="020B0609020204030204" pitchFamily="49" charset="0"/>
                 <a:cs typeface="Consolas" panose="020B0609020204030204" pitchFamily="49" charset="0"/>
               </a:rPr>
-              <a:t>Vec3</a:t>
-            </a:r>
-          </a:p>
-          <a:p>
+              <a:t>Position</a:t>
+            </a:r>
             <a:r>
               <a:rPr lang="en-US" dirty="0"/>
-              <a:t>try </a:t>
+              <a:t> a </a:t>
             </a:r>
             <a:r>
               <a:rPr lang="en-US" dirty="0">
@@ -22072,23 +20681,117 @@
               </a:rPr>
               <a:t>Vec3</a:t>
             </a:r>
+          </a:p>
+          <a:p>
+            <a:r>
+              <a:rPr lang="en-US" dirty="0"/>
+              <a:t>try </a:t>
+            </a:r>
+            <a:r>
+              <a:rPr lang="en-US" dirty="0">
+                <a:latin typeface="Consolas" panose="020B0609020204030204" pitchFamily="49" charset="0"/>
+                <a:cs typeface="Consolas" panose="020B0609020204030204" pitchFamily="49" charset="0"/>
+              </a:rPr>
+              <a:t>Vec3</a:t>
+            </a:r>
             <a:r>
               <a:rPr lang="en-US" dirty="0"/>
               <a:t>'s methods to change </a:t>
             </a:r>
             <a:r>
-              <a:rPr lang="hu-HU" dirty="0" err="1" smtClean="0">
+              <a:rPr lang="hu-HU" dirty="0" err="1">
                 <a:latin typeface="Consolas" panose="020B0609020204030204" pitchFamily="49" charset="0"/>
                 <a:cs typeface="Consolas" panose="020B0609020204030204" pitchFamily="49" charset="0"/>
               </a:rPr>
               <a:t>avatar</a:t>
             </a:r>
             <a:r>
-              <a:rPr lang="en-US" dirty="0" smtClean="0">
+              <a:rPr lang="en-US" dirty="0">
                 <a:latin typeface="Consolas" panose="020B0609020204030204" pitchFamily="49" charset="0"/>
                 <a:cs typeface="Consolas" panose="020B0609020204030204" pitchFamily="49" charset="0"/>
               </a:rPr>
               <a:t>Position</a:t>
+            </a:r>
+          </a:p>
+          <a:p>
+            <a:pPr lvl="1"/>
+            <a:r>
+              <a:rPr lang="en-US" dirty="0"/>
+              <a:t>although changing x, y, z individually still works</a:t>
+            </a:r>
+          </a:p>
+          <a:p>
+            <a:r>
+              <a:rPr lang="en-US" dirty="0"/>
+              <a:t>use method </a:t>
+            </a:r>
+            <a:r>
+              <a:rPr lang="en-US" dirty="0">
+                <a:latin typeface="Consolas" panose="020B0609020204030204" pitchFamily="49" charset="0"/>
+                <a:cs typeface="Consolas" panose="020B0609020204030204" pitchFamily="49" charset="0"/>
+              </a:rPr>
+              <a:t>commit</a:t>
+            </a:r>
+            <a:r>
+              <a:rPr lang="en-US" dirty="0"/>
+              <a:t> to upload to uniform</a:t>
+            </a:r>
+          </a:p>
+          <a:p>
+            <a:pPr lvl="1"/>
+            <a:r>
+              <a:rPr lang="en-US" dirty="0"/>
+              <a:t>you still need to acquire the uniform </a:t>
+            </a:r>
+            <a:r>
+              <a:rPr lang="hu-HU" dirty="0" err="1"/>
+              <a:t>handle</a:t>
+            </a:r>
+            <a:r>
+              <a:rPr lang="en-US" dirty="0"/>
+              <a:t> from the program</a:t>
+            </a:r>
+          </a:p>
+          <a:p>
+            <a:pPr lvl="1"/>
+            <a:r>
+              <a:rPr lang="en-US" dirty="0"/>
+              <a:t>pay attention to parametrization of </a:t>
+            </a:r>
+            <a:r>
+              <a:rPr lang="en-US" sz="2000" dirty="0">
+                <a:latin typeface="Consolas" panose="020B0609020204030204" pitchFamily="49" charset="0"/>
+                <a:cs typeface="Consolas" panose="020B0609020204030204" pitchFamily="49" charset="0"/>
+              </a:rPr>
+              <a:t>commit(</a:t>
+            </a:r>
+            <a:r>
+              <a:rPr lang="en-US" sz="2000" dirty="0" err="1">
+                <a:latin typeface="Consolas" panose="020B0609020204030204" pitchFamily="49" charset="0"/>
+                <a:cs typeface="Consolas" panose="020B0609020204030204" pitchFamily="49" charset="0"/>
+              </a:rPr>
+              <a:t>gl</a:t>
+            </a:r>
+            <a:r>
+              <a:rPr lang="en-US" sz="2000" dirty="0">
+                <a:latin typeface="Consolas" panose="020B0609020204030204" pitchFamily="49" charset="0"/>
+                <a:cs typeface="Consolas" panose="020B0609020204030204" pitchFamily="49" charset="0"/>
+              </a:rPr>
+              <a:t>, </a:t>
+            </a:r>
+            <a:r>
+              <a:rPr lang="hu-HU" sz="2000" dirty="0" err="1">
+                <a:latin typeface="Consolas" panose="020B0609020204030204" pitchFamily="49" charset="0"/>
+                <a:cs typeface="Consolas" panose="020B0609020204030204" pitchFamily="49" charset="0"/>
+              </a:rPr>
+              <a:t>handle</a:t>
+            </a:r>
+            <a:r>
+              <a:rPr lang="en-US" sz="2000" dirty="0">
+                <a:latin typeface="Consolas" panose="020B0609020204030204" pitchFamily="49" charset="0"/>
+                <a:cs typeface="Consolas" panose="020B0609020204030204" pitchFamily="49" charset="0"/>
+              </a:rPr>
+              <a:t>)</a:t>
             </a:r>
             <a:endParaRPr lang="en-US" dirty="0">
               <a:latin typeface="Consolas" panose="020B0609020204030204" pitchFamily="49" charset="0"/>
@@ -22099,95 +20802,6 @@
             <a:pPr lvl="1"/>
             <a:r>
               <a:rPr lang="en-US" dirty="0"/>
-              <a:t>although changing x, y, z individually still works</a:t>
-            </a:r>
-          </a:p>
-          <a:p>
-            <a:r>
-              <a:rPr lang="en-US" dirty="0"/>
-              <a:t>use method </a:t>
-            </a:r>
-            <a:r>
-              <a:rPr lang="en-US" dirty="0">
-                <a:latin typeface="Consolas" panose="020B0609020204030204" pitchFamily="49" charset="0"/>
-                <a:cs typeface="Consolas" panose="020B0609020204030204" pitchFamily="49" charset="0"/>
-              </a:rPr>
-              <a:t>commit</a:t>
-            </a:r>
-            <a:r>
-              <a:rPr lang="en-US" dirty="0"/>
-              <a:t> to upload to uniform</a:t>
-            </a:r>
-          </a:p>
-          <a:p>
-            <a:pPr lvl="1"/>
-            <a:r>
-              <a:rPr lang="en-US" dirty="0"/>
-              <a:t>you still need to acquire the uniform </a:t>
-            </a:r>
-            <a:r>
-              <a:rPr lang="hu-HU" dirty="0" err="1" smtClean="0"/>
-              <a:t>handle</a:t>
-            </a:r>
-            <a:r>
-              <a:rPr lang="en-US" dirty="0" smtClean="0"/>
-              <a:t> </a:t>
-            </a:r>
-            <a:r>
-              <a:rPr lang="en-US" dirty="0"/>
-              <a:t>from the program</a:t>
-            </a:r>
-          </a:p>
-          <a:p>
-            <a:pPr lvl="1"/>
-            <a:r>
-              <a:rPr lang="en-US" dirty="0"/>
-              <a:t>pay attention to parametrization of </a:t>
-            </a:r>
-            <a:r>
-              <a:rPr lang="en-US" sz="2000" dirty="0">
-                <a:latin typeface="Consolas" panose="020B0609020204030204" pitchFamily="49" charset="0"/>
-                <a:cs typeface="Consolas" panose="020B0609020204030204" pitchFamily="49" charset="0"/>
-              </a:rPr>
-              <a:t>commit(</a:t>
-            </a:r>
-            <a:r>
-              <a:rPr lang="en-US" sz="2000" dirty="0" err="1">
-                <a:latin typeface="Consolas" panose="020B0609020204030204" pitchFamily="49" charset="0"/>
-                <a:cs typeface="Consolas" panose="020B0609020204030204" pitchFamily="49" charset="0"/>
-              </a:rPr>
-              <a:t>gl</a:t>
-            </a:r>
-            <a:r>
-              <a:rPr lang="en-US" sz="2000" dirty="0">
-                <a:latin typeface="Consolas" panose="020B0609020204030204" pitchFamily="49" charset="0"/>
-                <a:cs typeface="Consolas" panose="020B0609020204030204" pitchFamily="49" charset="0"/>
-              </a:rPr>
-              <a:t>, </a:t>
-            </a:r>
-            <a:r>
-              <a:rPr lang="hu-HU" sz="2000" dirty="0" err="1" smtClean="0">
-                <a:latin typeface="Consolas" panose="020B0609020204030204" pitchFamily="49" charset="0"/>
-                <a:cs typeface="Consolas" panose="020B0609020204030204" pitchFamily="49" charset="0"/>
-              </a:rPr>
-              <a:t>handle</a:t>
-            </a:r>
-            <a:r>
-              <a:rPr lang="en-US" sz="2000" dirty="0" smtClean="0">
-                <a:latin typeface="Consolas" panose="020B0609020204030204" pitchFamily="49" charset="0"/>
-                <a:cs typeface="Consolas" panose="020B0609020204030204" pitchFamily="49" charset="0"/>
-              </a:rPr>
-              <a:t>)</a:t>
-            </a:r>
-            <a:endParaRPr lang="en-US" dirty="0">
-              <a:latin typeface="Consolas" panose="020B0609020204030204" pitchFamily="49" charset="0"/>
-              <a:cs typeface="Consolas" panose="020B0609020204030204" pitchFamily="49" charset="0"/>
-            </a:endParaRPr>
-          </a:p>
-          <a:p>
-            <a:pPr lvl="1"/>
-            <a:r>
-              <a:rPr lang="en-US" dirty="0"/>
               <a:t>you still need to pay attention to the uniform variable in the </a:t>
             </a:r>
             <a:r>
@@ -22214,14 +20828,13 @@
               <a:t>(we will automate this later with </a:t>
             </a:r>
             <a:r>
-              <a:rPr lang="hu-HU" dirty="0" smtClean="0"/>
+              <a:rPr lang="hu-HU" dirty="0"/>
               <a:t>program </a:t>
             </a:r>
             <a:r>
-              <a:rPr lang="en-US" dirty="0" smtClean="0"/>
+              <a:rPr lang="en-US" dirty="0"/>
               <a:t>reflection)</a:t>
             </a:r>
-            <a:endParaRPr lang="en-US" dirty="0"/>
           </a:p>
           <a:p>
             <a:pPr lvl="1"/>
@@ -22273,7 +20886,7 @@
           <a:lstStyle/>
           <a:p>
             <a:r>
-              <a:rPr lang="en-US" sz="20000" dirty="0" smtClean="0">
+              <a:rPr lang="en-US" sz="20000" dirty="0">
                 <a:solidFill>
                   <a:srgbClr val="00B050"/>
                 </a:solidFill>
@@ -22281,12 +20894,6 @@
               </a:rPr>
               <a:t>!</a:t>
             </a:r>
-            <a:endParaRPr lang="en-US" sz="20000" dirty="0">
-              <a:solidFill>
-                <a:srgbClr val="00B050"/>
-              </a:solidFill>
-              <a:latin typeface="Whipsmart" panose="020B0502030203050204" pitchFamily="34" charset="0"/>
-            </a:endParaRPr>
           </a:p>
         </p:txBody>
       </p:sp>
@@ -22300,13 +20907,6 @@
   <p:clrMapOvr>
     <a:masterClrMapping/>
   </p:clrMapOvr>
-  <p:timing>
-    <p:tnLst>
-      <p:par>
-        <p:cTn id="1" dur="indefinite" restart="never" nodeType="tmRoot"/>
-      </p:par>
-    </p:tnLst>
-  </p:timing>
 </p:sld>
 </file>
 
@@ -22343,7 +20943,7 @@
           <a:lstStyle/>
           <a:p>
             <a:r>
-              <a:rPr lang="hu-HU" dirty="0" smtClean="0"/>
+              <a:rPr lang="hu-HU" dirty="0"/>
               <a:t>A little bit of game physics</a:t>
             </a:r>
             <a:endParaRPr lang="en-US" dirty="0"/>
@@ -22368,130 +20968,122 @@
           <a:lstStyle/>
           <a:p>
             <a:r>
-              <a:rPr lang="hu-HU" dirty="0" smtClean="0"/>
+              <a:rPr lang="hu-HU" dirty="0"/>
               <a:t>add new</a:t>
             </a:r>
             <a:r>
-              <a:rPr lang="en-US" dirty="0" smtClean="0"/>
+              <a:rPr lang="en-US" dirty="0"/>
               <a:t> </a:t>
-            </a:r>
-            <a:r>
-              <a:rPr lang="en-US" dirty="0" smtClean="0">
-                <a:latin typeface="Consolas" panose="020B0609020204030204" pitchFamily="49" charset="0"/>
-                <a:cs typeface="Consolas" panose="020B0609020204030204" pitchFamily="49" charset="0"/>
-              </a:rPr>
-              <a:t>Scene</a:t>
-            </a:r>
-            <a:r>
-              <a:rPr lang="en-US" dirty="0" smtClean="0"/>
-              <a:t> property </a:t>
-            </a:r>
-            <a:r>
-              <a:rPr lang="hu-HU" dirty="0" smtClean="0">
-                <a:latin typeface="Consolas" panose="020B0609020204030204" pitchFamily="49" charset="0"/>
-                <a:cs typeface="Consolas" panose="020B0609020204030204" pitchFamily="49" charset="0"/>
-              </a:rPr>
-              <a:t>avatarVelocity</a:t>
-            </a:r>
-            <a:r>
-              <a:rPr lang="hu-HU" dirty="0" smtClean="0"/>
-              <a:t>, </a:t>
-            </a:r>
-            <a:r>
-              <a:rPr lang="en-US" dirty="0" smtClean="0"/>
-              <a:t>a </a:t>
             </a:r>
             <a:r>
               <a:rPr lang="en-US" dirty="0">
                 <a:latin typeface="Consolas" panose="020B0609020204030204" pitchFamily="49" charset="0"/>
                 <a:cs typeface="Consolas" panose="020B0609020204030204" pitchFamily="49" charset="0"/>
               </a:rPr>
-              <a:t>Vec3</a:t>
-            </a:r>
-          </a:p>
-          <a:p>
-            <a:r>
-              <a:rPr lang="hu-HU" dirty="0" smtClean="0"/>
-              <a:t>instead of increasing/decreasing</a:t>
-            </a:r>
-            <a:r>
-              <a:rPr lang="en-US" dirty="0" smtClean="0"/>
-              <a:t> </a:t>
-            </a:r>
-            <a:r>
-              <a:rPr lang="hu-HU" dirty="0" smtClean="0">
-                <a:latin typeface="Consolas" panose="020B0609020204030204" pitchFamily="49" charset="0"/>
-                <a:cs typeface="Consolas" panose="020B0609020204030204" pitchFamily="49" charset="0"/>
-              </a:rPr>
-              <a:t>avatar</a:t>
-            </a:r>
-            <a:r>
-              <a:rPr lang="en-US" dirty="0" smtClean="0">
-                <a:latin typeface="Consolas" panose="020B0609020204030204" pitchFamily="49" charset="0"/>
-                <a:cs typeface="Consolas" panose="020B0609020204030204" pitchFamily="49" charset="0"/>
-              </a:rPr>
-              <a:t>Position</a:t>
+              <a:t>Scene</a:t>
+            </a:r>
+            <a:r>
+              <a:rPr lang="en-US" dirty="0"/>
+              <a:t> property </a:t>
             </a:r>
             <a:r>
               <a:rPr lang="hu-HU" dirty="0">
                 <a:latin typeface="Consolas" panose="020B0609020204030204" pitchFamily="49" charset="0"/>
                 <a:cs typeface="Consolas" panose="020B0609020204030204" pitchFamily="49" charset="0"/>
               </a:rPr>
+              <a:t>avatarVelocity</a:t>
+            </a:r>
+            <a:r>
+              <a:rPr lang="hu-HU" dirty="0"/>
+              <a:t>, </a:t>
+            </a:r>
+            <a:r>
+              <a:rPr lang="en-US" dirty="0"/>
+              <a:t>a </a:t>
+            </a:r>
+            <a:r>
+              <a:rPr lang="en-US" dirty="0">
+                <a:latin typeface="Consolas" panose="020B0609020204030204" pitchFamily="49" charset="0"/>
+                <a:cs typeface="Consolas" panose="020B0609020204030204" pitchFamily="49" charset="0"/>
+              </a:rPr>
+              <a:t>Vec3</a:t>
+            </a:r>
+          </a:p>
+          <a:p>
+            <a:r>
+              <a:rPr lang="hu-HU" dirty="0"/>
+              <a:t>instead of increasing/decreasing</a:t>
+            </a:r>
+            <a:r>
+              <a:rPr lang="en-US" dirty="0"/>
               <a:t> </a:t>
-            </a:r>
-            <a:r>
-              <a:rPr lang="hu-HU" dirty="0" smtClean="0"/>
-              <a:t>coordinates, change those of </a:t>
             </a:r>
             <a:r>
               <a:rPr lang="hu-HU" dirty="0">
                 <a:latin typeface="Consolas" panose="020B0609020204030204" pitchFamily="49" charset="0"/>
                 <a:cs typeface="Consolas" panose="020B0609020204030204" pitchFamily="49" charset="0"/>
               </a:rPr>
-              <a:t>avatarVelocity </a:t>
-            </a:r>
-            <a:endParaRPr lang="hu-HU" dirty="0" smtClean="0">
-              <a:latin typeface="Consolas" panose="020B0609020204030204" pitchFamily="49" charset="0"/>
-              <a:cs typeface="Consolas" panose="020B0609020204030204" pitchFamily="49" charset="0"/>
-            </a:endParaRPr>
-          </a:p>
-          <a:p>
-            <a:pPr lvl="1"/>
-            <a:r>
-              <a:rPr lang="hu-HU" dirty="0" smtClean="0"/>
-              <a:t>this means keypresses now produce acceleration</a:t>
-            </a:r>
-          </a:p>
-          <a:p>
-            <a:r>
-              <a:rPr lang="hu-HU" dirty="0" smtClean="0"/>
-              <a:t>use </a:t>
+              <a:t>avatar</a:t>
+            </a:r>
+            <a:r>
+              <a:rPr lang="en-US" dirty="0">
+                <a:latin typeface="Consolas" panose="020B0609020204030204" pitchFamily="49" charset="0"/>
+                <a:cs typeface="Consolas" panose="020B0609020204030204" pitchFamily="49" charset="0"/>
+              </a:rPr>
+              <a:t>Position</a:t>
             </a:r>
             <a:r>
               <a:rPr lang="hu-HU" dirty="0">
                 <a:latin typeface="Consolas" panose="020B0609020204030204" pitchFamily="49" charset="0"/>
                 <a:cs typeface="Consolas" panose="020B0609020204030204" pitchFamily="49" charset="0"/>
               </a:rPr>
-              <a:t>Vec3</a:t>
-            </a:r>
-            <a:r>
-              <a:rPr lang="en-US" dirty="0" smtClean="0"/>
-              <a:t>’s </a:t>
-            </a:r>
-            <a:r>
-              <a:rPr lang="en-US" dirty="0" smtClean="0">
+              <a:t> </a:t>
+            </a:r>
+            <a:r>
+              <a:rPr lang="hu-HU" dirty="0"/>
+              <a:t>coordinates, change those of </a:t>
+            </a:r>
+            <a:r>
+              <a:rPr lang="hu-HU" dirty="0">
                 <a:latin typeface="Consolas" panose="020B0609020204030204" pitchFamily="49" charset="0"/>
                 <a:cs typeface="Consolas" panose="020B0609020204030204" pitchFamily="49" charset="0"/>
               </a:rPr>
+              <a:t>avatarVelocity </a:t>
+            </a:r>
+          </a:p>
+          <a:p>
+            <a:pPr lvl="1"/>
+            <a:r>
+              <a:rPr lang="hu-HU" dirty="0"/>
+              <a:t>this means keypresses now produce acceleration</a:t>
+            </a:r>
+          </a:p>
+          <a:p>
+            <a:r>
+              <a:rPr lang="hu-HU" dirty="0"/>
+              <a:t>use </a:t>
+            </a:r>
+            <a:r>
+              <a:rPr lang="hu-HU" dirty="0">
+                <a:latin typeface="Consolas" panose="020B0609020204030204" pitchFamily="49" charset="0"/>
+                <a:cs typeface="Consolas" panose="020B0609020204030204" pitchFamily="49" charset="0"/>
+              </a:rPr>
+              <a:t>Vec3</a:t>
+            </a:r>
+            <a:r>
+              <a:rPr lang="en-US" dirty="0"/>
+              <a:t>’s </a:t>
+            </a:r>
+            <a:r>
+              <a:rPr lang="en-US" dirty="0">
+                <a:latin typeface="Consolas" panose="020B0609020204030204" pitchFamily="49" charset="0"/>
+                <a:cs typeface="Consolas" panose="020B0609020204030204" pitchFamily="49" charset="0"/>
+              </a:rPr>
               <a:t>+=</a:t>
             </a:r>
             <a:r>
-              <a:rPr lang="en-US" dirty="0" smtClean="0"/>
-              <a:t> operator to </a:t>
-            </a:r>
-            <a:r>
-              <a:rPr lang="en-US" dirty="0" smtClean="0"/>
-              <a:t>add distance travelled to </a:t>
+              <a:rPr lang="en-US" dirty="0"/>
+              <a:t> operator to add distance travelled to </a:t>
             </a:r>
             <a:r>
               <a:rPr lang="en-US" dirty="0" err="1">
@@ -22508,18 +21100,14 @@
           <a:p>
             <a:pPr lvl="1"/>
             <a:r>
-              <a:rPr lang="en-US" dirty="0" smtClean="0"/>
+              <a:rPr lang="en-US" dirty="0"/>
               <a:t>distance travelled = velocity x </a:t>
             </a:r>
             <a:r>
-              <a:rPr lang="en-US" smtClean="0"/>
-              <a:t>time </a:t>
-            </a:r>
-            <a:r>
-              <a:rPr lang="en-US" smtClean="0"/>
-              <a:t>elapsed</a:t>
-            </a:r>
-            <a:endParaRPr lang="en-US" dirty="0" smtClean="0"/>
+              <a:rPr lang="en-US"/>
+              <a:t>time elapsed</a:t>
+            </a:r>
+            <a:endParaRPr lang="en-US" dirty="0"/>
           </a:p>
         </p:txBody>
       </p:sp>
@@ -22546,7 +21134,7 @@
           <a:lstStyle/>
           <a:p>
             <a:r>
-              <a:rPr lang="en-US" sz="20000" dirty="0" smtClean="0">
+              <a:rPr lang="en-US" sz="20000" dirty="0">
                 <a:solidFill>
                   <a:srgbClr val="00B050"/>
                 </a:solidFill>
@@ -22554,12 +21142,6 @@
               </a:rPr>
               <a:t>!</a:t>
             </a:r>
-            <a:endParaRPr lang="en-US" sz="20000" dirty="0">
-              <a:solidFill>
-                <a:srgbClr val="00B050"/>
-              </a:solidFill>
-              <a:latin typeface="Whipsmart" panose="020B0502030203050204" pitchFamily="34" charset="0"/>
-            </a:endParaRPr>
           </a:p>
         </p:txBody>
       </p:sp>
@@ -22573,13 +21155,6 @@
   <p:clrMapOvr>
     <a:masterClrMapping/>
   </p:clrMapOvr>
-  <p:timing>
-    <p:tnLst>
-      <p:par>
-        <p:cTn id="1" dur="indefinite" restart="never" nodeType="tmRoot"/>
-      </p:par>
-    </p:tnLst>
-  </p:timing>
 </p:sld>
 </file>
 
@@ -22616,7 +21191,7 @@
           <a:lstStyle/>
           <a:p>
             <a:r>
-              <a:rPr lang="hu-HU" dirty="0" smtClean="0"/>
+              <a:rPr lang="hu-HU" dirty="0"/>
               <a:t>Concepts in Euclidean geometry</a:t>
             </a:r>
             <a:endParaRPr lang="en-US" dirty="0"/>
@@ -22639,55 +21214,55 @@
           <a:lstStyle/>
           <a:p>
             <a:r>
-              <a:rPr lang="hu-HU" dirty="0" smtClean="0"/>
+              <a:rPr lang="hu-HU" dirty="0"/>
               <a:t>point, straight line  </a:t>
-            </a:r>
-            <a:r>
-              <a:rPr lang="hu-HU" dirty="0" smtClean="0">
-                <a:sym typeface="Symbol" panose="05050102010706020507" pitchFamily="18" charset="2"/>
-              </a:rPr>
-              <a:t> plane, intersection, going through</a:t>
-            </a:r>
-            <a:endParaRPr lang="hu-HU" dirty="0" smtClean="0"/>
-          </a:p>
-          <a:p>
-            <a:r>
-              <a:rPr lang="hu-HU" dirty="0" smtClean="0"/>
-              <a:t>line segment, circle</a:t>
-            </a:r>
-            <a:r>
-              <a:rPr lang="hu-HU" dirty="0" smtClean="0">
-                <a:sym typeface="Symbol" panose="05050102010706020507" pitchFamily="18" charset="2"/>
-              </a:rPr>
-              <a:t></a:t>
-            </a:r>
-            <a:r>
-              <a:rPr lang="en-US" dirty="0" smtClean="0">
-                <a:sym typeface="Symbol" panose="05050102010706020507" pitchFamily="18" charset="2"/>
-              </a:rPr>
-              <a:t> </a:t>
-            </a:r>
-            <a:r>
-              <a:rPr lang="hu-HU" dirty="0" smtClean="0">
-                <a:sym typeface="Symbol" panose="05050102010706020507" pitchFamily="18" charset="2"/>
-              </a:rPr>
-              <a:t>distance, translation</a:t>
-            </a:r>
-            <a:endParaRPr lang="hu-HU" dirty="0" smtClean="0"/>
-          </a:p>
-          <a:p>
-            <a:r>
-              <a:rPr lang="hu-HU" dirty="0" smtClean="0"/>
-              <a:t>length </a:t>
             </a:r>
             <a:r>
               <a:rPr lang="hu-HU" dirty="0">
                 <a:sym typeface="Symbol" panose="05050102010706020507" pitchFamily="18" charset="2"/>
               </a:rPr>
+              <a:t> plane, intersection, going through</a:t>
+            </a:r>
+            <a:endParaRPr lang="hu-HU" dirty="0"/>
+          </a:p>
+          <a:p>
+            <a:r>
+              <a:rPr lang="hu-HU" dirty="0"/>
+              <a:t>line segment, circle</a:t>
+            </a:r>
+            <a:r>
+              <a:rPr lang="hu-HU" dirty="0">
+                <a:sym typeface="Symbol" panose="05050102010706020507" pitchFamily="18" charset="2"/>
+              </a:rPr>
               <a:t></a:t>
             </a:r>
             <a:r>
-              <a:rPr lang="hu-HU" dirty="0" smtClean="0"/>
+              <a:rPr lang="en-US" dirty="0">
+                <a:sym typeface="Symbol" panose="05050102010706020507" pitchFamily="18" charset="2"/>
+              </a:rPr>
+              <a:t> </a:t>
+            </a:r>
+            <a:r>
+              <a:rPr lang="hu-HU" dirty="0">
+                <a:sym typeface="Symbol" panose="05050102010706020507" pitchFamily="18" charset="2"/>
+              </a:rPr>
+              <a:t>distance, translation</a:t>
+            </a:r>
+            <a:endParaRPr lang="hu-HU" dirty="0"/>
+          </a:p>
+          <a:p>
+            <a:r>
+              <a:rPr lang="hu-HU" dirty="0"/>
+              <a:t>length </a:t>
+            </a:r>
+            <a:r>
+              <a:rPr lang="hu-HU" dirty="0">
+                <a:sym typeface="Symbol" panose="05050102010706020507" pitchFamily="18" charset="2"/>
+              </a:rPr>
+              <a:t></a:t>
+            </a:r>
+            <a:r>
+              <a:rPr lang="hu-HU" dirty="0"/>
               <a:t> double (half, third) of the length</a:t>
             </a:r>
           </a:p>
@@ -22696,7 +21271,7 @@
           </a:p>
           <a:p>
             <a:r>
-              <a:rPr lang="hu-HU" dirty="0" smtClean="0"/>
+              <a:rPr lang="hu-HU" dirty="0"/>
               <a:t>circumference, area</a:t>
             </a:r>
           </a:p>
@@ -22705,7 +21280,7 @@
           </a:p>
           <a:p>
             <a:r>
-              <a:rPr lang="hu-HU" dirty="0" smtClean="0"/>
+              <a:rPr lang="hu-HU" dirty="0"/>
               <a:t>center of mass</a:t>
             </a:r>
             <a:endParaRPr lang="en-US" dirty="0"/>
@@ -22722,13 +21297,6 @@
   <p:clrMapOvr>
     <a:masterClrMapping/>
   </p:clrMapOvr>
-  <p:timing>
-    <p:tnLst>
-      <p:par>
-        <p:cTn id="1" dur="indefinite" restart="never" nodeType="tmRoot"/>
-      </p:par>
-    </p:tnLst>
-  </p:timing>
 </p:sld>
 </file>
 
@@ -22765,7 +21333,7 @@
           <a:lstStyle/>
           <a:p>
             <a:r>
-              <a:rPr lang="hu-HU" dirty="0" smtClean="0"/>
+              <a:rPr lang="hu-HU" dirty="0"/>
               <a:t>Vector</a:t>
             </a:r>
             <a:endParaRPr lang="en-US" dirty="0"/>
@@ -22790,49 +21358,49 @@
           <a:lstStyle/>
           <a:p>
             <a:r>
-              <a:rPr lang="hu-HU" dirty="0" smtClean="0"/>
+              <a:rPr lang="hu-HU" dirty="0"/>
               <a:t>in geometry: vector </a:t>
             </a:r>
             <a:r>
-              <a:rPr lang="en-US" dirty="0" smtClean="0"/>
+              <a:rPr lang="en-US" dirty="0"/>
               <a:t>= translation</a:t>
             </a:r>
-            <a:endParaRPr lang="hu-HU" dirty="0" smtClean="0"/>
+            <a:endParaRPr lang="hu-HU" dirty="0"/>
           </a:p>
           <a:p>
             <a:pPr lvl="1"/>
-            <a:endParaRPr lang="hu-HU" dirty="0" smtClean="0"/>
+            <a:endParaRPr lang="hu-HU" dirty="0"/>
           </a:p>
           <a:p>
             <a:pPr lvl="1"/>
             <a:r>
-              <a:rPr lang="en-US" dirty="0" smtClean="0"/>
+              <a:rPr lang="en-US" dirty="0"/>
               <a:t>length</a:t>
             </a:r>
           </a:p>
           <a:p>
             <a:pPr lvl="1"/>
-            <a:endParaRPr lang="en-US" dirty="0" smtClean="0"/>
+            <a:endParaRPr lang="en-US" dirty="0"/>
           </a:p>
           <a:p>
             <a:pPr lvl="1"/>
             <a:r>
-              <a:rPr lang="en-US" dirty="0" smtClean="0"/>
+              <a:rPr lang="en-US" dirty="0"/>
               <a:t>direction</a:t>
             </a:r>
-            <a:endParaRPr lang="hu-HU" dirty="0" smtClean="0"/>
+            <a:endParaRPr lang="hu-HU" dirty="0"/>
           </a:p>
           <a:p>
             <a:pPr lvl="2"/>
             <a:r>
-              <a:rPr lang="en-US" dirty="0" smtClean="0"/>
+              <a:rPr lang="en-US" dirty="0"/>
               <a:t>we rarely work with directions </a:t>
             </a:r>
           </a:p>
           <a:p>
             <a:pPr lvl="2"/>
             <a:r>
-              <a:rPr lang="en-US" dirty="0" smtClean="0"/>
+              <a:rPr lang="en-US" dirty="0"/>
               <a:t>rather with unit vectors of given direction</a:t>
             </a:r>
           </a:p>
@@ -23018,13 +21586,6 @@
   <p:clrMapOvr>
     <a:masterClrMapping/>
   </p:clrMapOvr>
-  <p:timing>
-    <p:tnLst>
-      <p:par>
-        <p:cTn id="1" dur="indefinite" restart="never" nodeType="tmRoot"/>
-      </p:par>
-    </p:tnLst>
-  </p:timing>
 </p:sld>
 </file>
 
@@ -23061,10 +21622,9 @@
           <a:lstStyle/>
           <a:p>
             <a:r>
-              <a:rPr lang="en-US" dirty="0" smtClean="0"/>
+              <a:rPr lang="en-US" dirty="0"/>
               <a:t>Vectors and points</a:t>
             </a:r>
-            <a:endParaRPr lang="en-US" dirty="0"/>
           </a:p>
         </p:txBody>
       </p:sp>
@@ -23084,13 +21644,13 @@
           <a:lstStyle/>
           <a:p>
             <a:r>
-              <a:rPr lang="en-US" dirty="0" smtClean="0"/>
+              <a:rPr lang="en-US" dirty="0"/>
               <a:t>if there is an origin specified</a:t>
             </a:r>
           </a:p>
           <a:p>
             <a:r>
-              <a:rPr lang="en-US" dirty="0" smtClean="0"/>
+              <a:rPr lang="en-US" dirty="0"/>
               <a:t>every point has an associated vector</a:t>
             </a:r>
           </a:p>
@@ -23785,7 +22345,7 @@
               <a:buNone/>
             </a:pPr>
             <a:r>
-              <a:rPr lang="en-US" altLang="en-US" dirty="0" smtClean="0">
+              <a:rPr lang="en-US" altLang="en-US" dirty="0">
                 <a:latin typeface="Whipsmart" panose="020B0502030203050204" pitchFamily="34" charset="0"/>
               </a:rPr>
               <a:t>origin</a:t>
@@ -23976,7 +22536,7 @@
               <a:buNone/>
             </a:pPr>
             <a:r>
-              <a:rPr lang="en-US" altLang="en-US" dirty="0" smtClean="0">
+              <a:rPr lang="en-US" altLang="en-US" dirty="0">
                 <a:latin typeface="Whipsmart" panose="020B0502030203050204" pitchFamily="34" charset="0"/>
               </a:rPr>
               <a:t>point</a:t>
@@ -24167,7 +22727,7 @@
               <a:buNone/>
             </a:pPr>
             <a:r>
-              <a:rPr lang="en-US" altLang="en-US" dirty="0" smtClean="0">
+              <a:rPr lang="en-US" altLang="en-US" dirty="0">
                 <a:latin typeface="Whipsmart" panose="020B0502030203050204" pitchFamily="34" charset="0"/>
               </a:rPr>
               <a:t>position vector</a:t>
@@ -24188,13 +22748,6 @@
   <p:clrMapOvr>
     <a:masterClrMapping/>
   </p:clrMapOvr>
-  <p:timing>
-    <p:tnLst>
-      <p:par>
-        <p:cTn id="1" dur="indefinite" restart="never" nodeType="tmRoot"/>
-      </p:par>
-    </p:tnLst>
-  </p:timing>
 </p:sld>
 </file>
 
@@ -24231,10 +22784,9 @@
           <a:lstStyle/>
           <a:p>
             <a:r>
-              <a:rPr lang="en-US" dirty="0" smtClean="0"/>
+              <a:rPr lang="en-US" dirty="0"/>
               <a:t>Vector addition</a:t>
             </a:r>
-            <a:endParaRPr lang="en-US" dirty="0"/>
           </a:p>
         </p:txBody>
       </p:sp>
@@ -24503,14 +23055,11 @@
           <a:p>
             <a:pPr algn="ctr"/>
             <a:r>
-              <a:rPr lang="en-US" dirty="0" smtClean="0">
+              <a:rPr lang="en-US" dirty="0">
                 <a:latin typeface="Whipsmart" panose="020B0502030203050204" pitchFamily="34" charset="0"/>
               </a:rPr>
               <a:t>commutative</a:t>
             </a:r>
-            <a:endParaRPr lang="en-US" dirty="0">
-              <a:latin typeface="Whipsmart" panose="020B0502030203050204" pitchFamily="34" charset="0"/>
-            </a:endParaRPr>
           </a:p>
         </p:txBody>
       </p:sp>
@@ -24552,14 +23101,11 @@
           <a:p>
             <a:pPr algn="ctr"/>
             <a:r>
-              <a:rPr lang="en-US" dirty="0" smtClean="0">
+              <a:rPr lang="en-US" dirty="0">
                 <a:latin typeface="Whipsmart" panose="020B0502030203050204" pitchFamily="34" charset="0"/>
               </a:rPr>
               <a:t>associative</a:t>
             </a:r>
-            <a:endParaRPr lang="en-US" dirty="0">
-              <a:latin typeface="Whipsmart" panose="020B0502030203050204" pitchFamily="34" charset="0"/>
-            </a:endParaRPr>
           </a:p>
         </p:txBody>
       </p:sp>
@@ -24989,15 +23535,11 @@
           <a:lstStyle/>
           <a:p>
             <a:r>
-              <a:rPr lang="hu-HU" dirty="0" smtClean="0"/>
-              <a:t>Vector </a:t>
-            </a:r>
-            <a:r>
               <a:rPr lang="hu-HU" dirty="0"/>
-              <a:t>s</a:t>
-            </a:r>
-            <a:r>
-              <a:rPr lang="en-US" dirty="0" err="1" smtClean="0"/>
+              <a:t>Vector s</a:t>
+            </a:r>
+            <a:r>
+              <a:rPr lang="en-US" dirty="0" err="1"/>
               <a:t>caling</a:t>
             </a:r>
             <a:endParaRPr lang="en-US" dirty="0"/>
@@ -25218,14 +23760,11 @@
           <a:p>
             <a:pPr algn="ctr"/>
             <a:r>
-              <a:rPr lang="en-US" dirty="0" smtClean="0">
+              <a:rPr lang="en-US" dirty="0">
                 <a:latin typeface="Whipsmart" panose="020B0502030203050204" pitchFamily="34" charset="0"/>
               </a:rPr>
               <a:t>distributive with addition</a:t>
             </a:r>
-            <a:endParaRPr lang="en-US" dirty="0">
-              <a:latin typeface="Whipsmart" panose="020B0502030203050204" pitchFamily="34" charset="0"/>
-            </a:endParaRPr>
           </a:p>
         </p:txBody>
       </p:sp>
@@ -25498,10 +24037,9 @@
           <a:lstStyle/>
           <a:p>
             <a:r>
-              <a:rPr lang="en-US" dirty="0" smtClean="0"/>
+              <a:rPr lang="en-US" dirty="0"/>
               <a:t>Linear combinations of vectors</a:t>
             </a:r>
-            <a:endParaRPr lang="en-US" dirty="0"/>
           </a:p>
         </p:txBody>
       </p:sp>
